--- a/presentation.pptx
+++ b/presentation.pptx
@@ -104,6 +104,11 @@
       </a:defRPr>
     </a:lvl9pPr>
   </p:defaultTextStyle>
+  <p:extLst>
+    <p:ext uri="{EFAFB233-063F-42B5-8137-9DF3F51BA10A}">
+      <p15:sldGuideLst xmlns:p15="http://schemas.microsoft.com/office/powerpoint/2012/main"/>
+    </p:ext>
+  </p:extLst>
 </p:presentation>
 </file>
 
@@ -254,7 +259,7 @@
           <a:p>
             <a:fld id="{B53C49C8-4B05-EE40-8396-8AD4B7C5BFD8}" type="datetimeFigureOut">
               <a:rPr lang="en-US" smtClean="0"/>
-              <a:t>9/7/23</a:t>
+              <a:t>10/3/23</a:t>
             </a:fld>
             <a:endParaRPr lang="en-US"/>
           </a:p>
@@ -452,7 +457,7 @@
           <a:p>
             <a:fld id="{B53C49C8-4B05-EE40-8396-8AD4B7C5BFD8}" type="datetimeFigureOut">
               <a:rPr lang="en-US" smtClean="0"/>
-              <a:t>9/7/23</a:t>
+              <a:t>10/3/23</a:t>
             </a:fld>
             <a:endParaRPr lang="en-US"/>
           </a:p>
@@ -660,7 +665,7 @@
           <a:p>
             <a:fld id="{B53C49C8-4B05-EE40-8396-8AD4B7C5BFD8}" type="datetimeFigureOut">
               <a:rPr lang="en-US" smtClean="0"/>
-              <a:t>9/7/23</a:t>
+              <a:t>10/3/23</a:t>
             </a:fld>
             <a:endParaRPr lang="en-US"/>
           </a:p>
@@ -858,7 +863,7 @@
           <a:p>
             <a:fld id="{B53C49C8-4B05-EE40-8396-8AD4B7C5BFD8}" type="datetimeFigureOut">
               <a:rPr lang="en-US" smtClean="0"/>
-              <a:t>9/7/23</a:t>
+              <a:t>10/3/23</a:t>
             </a:fld>
             <a:endParaRPr lang="en-US"/>
           </a:p>
@@ -1133,7 +1138,7 @@
           <a:p>
             <a:fld id="{B53C49C8-4B05-EE40-8396-8AD4B7C5BFD8}" type="datetimeFigureOut">
               <a:rPr lang="en-US" smtClean="0"/>
-              <a:t>9/7/23</a:t>
+              <a:t>10/3/23</a:t>
             </a:fld>
             <a:endParaRPr lang="en-US"/>
           </a:p>
@@ -1398,7 +1403,7 @@
           <a:p>
             <a:fld id="{B53C49C8-4B05-EE40-8396-8AD4B7C5BFD8}" type="datetimeFigureOut">
               <a:rPr lang="en-US" smtClean="0"/>
-              <a:t>9/7/23</a:t>
+              <a:t>10/3/23</a:t>
             </a:fld>
             <a:endParaRPr lang="en-US"/>
           </a:p>
@@ -1810,7 +1815,7 @@
           <a:p>
             <a:fld id="{B53C49C8-4B05-EE40-8396-8AD4B7C5BFD8}" type="datetimeFigureOut">
               <a:rPr lang="en-US" smtClean="0"/>
-              <a:t>9/7/23</a:t>
+              <a:t>10/3/23</a:t>
             </a:fld>
             <a:endParaRPr lang="en-US"/>
           </a:p>
@@ -1951,7 +1956,7 @@
           <a:p>
             <a:fld id="{B53C49C8-4B05-EE40-8396-8AD4B7C5BFD8}" type="datetimeFigureOut">
               <a:rPr lang="en-US" smtClean="0"/>
-              <a:t>9/7/23</a:t>
+              <a:t>10/3/23</a:t>
             </a:fld>
             <a:endParaRPr lang="en-US"/>
           </a:p>
@@ -2064,7 +2069,7 @@
           <a:p>
             <a:fld id="{B53C49C8-4B05-EE40-8396-8AD4B7C5BFD8}" type="datetimeFigureOut">
               <a:rPr lang="en-US" smtClean="0"/>
-              <a:t>9/7/23</a:t>
+              <a:t>10/3/23</a:t>
             </a:fld>
             <a:endParaRPr lang="en-US"/>
           </a:p>
@@ -2375,7 +2380,7 @@
           <a:p>
             <a:fld id="{B53C49C8-4B05-EE40-8396-8AD4B7C5BFD8}" type="datetimeFigureOut">
               <a:rPr lang="en-US" smtClean="0"/>
-              <a:t>9/7/23</a:t>
+              <a:t>10/3/23</a:t>
             </a:fld>
             <a:endParaRPr lang="en-US"/>
           </a:p>
@@ -2663,7 +2668,7 @@
           <a:p>
             <a:fld id="{B53C49C8-4B05-EE40-8396-8AD4B7C5BFD8}" type="datetimeFigureOut">
               <a:rPr lang="en-US" smtClean="0"/>
-              <a:t>9/7/23</a:t>
+              <a:t>10/3/23</a:t>
             </a:fld>
             <a:endParaRPr lang="en-US"/>
           </a:p>
@@ -2904,7 +2909,7 @@
           <a:p>
             <a:fld id="{B53C49C8-4B05-EE40-8396-8AD4B7C5BFD8}" type="datetimeFigureOut">
               <a:rPr lang="en-US" smtClean="0"/>
-              <a:t>9/7/23</a:t>
+              <a:t>10/3/23</a:t>
             </a:fld>
             <a:endParaRPr lang="en-US"/>
           </a:p>
@@ -3342,7 +3347,18 @@
           <a:bodyPr/>
           <a:lstStyle/>
           <a:p>
-            <a:endParaRPr lang="en-US"/>
+            <a:r>
+              <a:rPr lang="en-US" dirty="0"/>
+              <a:t>goals, data</a:t>
+            </a:r>
+            <a:r>
+              <a:rPr lang="en-US"/>
+              <a:t>, methods, </a:t>
+            </a:r>
+            <a:r>
+              <a:rPr lang="en-US" dirty="0"/>
+              <a:t>results</a:t>
+            </a:r>
           </a:p>
         </p:txBody>
       </p:sp>

--- a/presentation.pptx
+++ b/presentation.pptx
@@ -6,6 +6,11 @@
   </p:sldMasterIdLst>
   <p:sldIdLst>
     <p:sldId id="256" r:id="rId2"/>
+    <p:sldId id="257" r:id="rId3"/>
+    <p:sldId id="261" r:id="rId4"/>
+    <p:sldId id="262" r:id="rId5"/>
+    <p:sldId id="259" r:id="rId6"/>
+    <p:sldId id="260" r:id="rId7"/>
   </p:sldIdLst>
   <p:sldSz cx="12192000" cy="6858000"/>
   <p:notesSz cx="6858000" cy="9144000"/>
@@ -259,7 +264,7 @@
           <a:p>
             <a:fld id="{B53C49C8-4B05-EE40-8396-8AD4B7C5BFD8}" type="datetimeFigureOut">
               <a:rPr lang="en-US" smtClean="0"/>
-              <a:t>10/3/23</a:t>
+              <a:t>10/9/23</a:t>
             </a:fld>
             <a:endParaRPr lang="en-US"/>
           </a:p>
@@ -457,7 +462,7 @@
           <a:p>
             <a:fld id="{B53C49C8-4B05-EE40-8396-8AD4B7C5BFD8}" type="datetimeFigureOut">
               <a:rPr lang="en-US" smtClean="0"/>
-              <a:t>10/3/23</a:t>
+              <a:t>10/9/23</a:t>
             </a:fld>
             <a:endParaRPr lang="en-US"/>
           </a:p>
@@ -665,7 +670,7 @@
           <a:p>
             <a:fld id="{B53C49C8-4B05-EE40-8396-8AD4B7C5BFD8}" type="datetimeFigureOut">
               <a:rPr lang="en-US" smtClean="0"/>
-              <a:t>10/3/23</a:t>
+              <a:t>10/9/23</a:t>
             </a:fld>
             <a:endParaRPr lang="en-US"/>
           </a:p>
@@ -863,7 +868,7 @@
           <a:p>
             <a:fld id="{B53C49C8-4B05-EE40-8396-8AD4B7C5BFD8}" type="datetimeFigureOut">
               <a:rPr lang="en-US" smtClean="0"/>
-              <a:t>10/3/23</a:t>
+              <a:t>10/9/23</a:t>
             </a:fld>
             <a:endParaRPr lang="en-US"/>
           </a:p>
@@ -1138,7 +1143,7 @@
           <a:p>
             <a:fld id="{B53C49C8-4B05-EE40-8396-8AD4B7C5BFD8}" type="datetimeFigureOut">
               <a:rPr lang="en-US" smtClean="0"/>
-              <a:t>10/3/23</a:t>
+              <a:t>10/9/23</a:t>
             </a:fld>
             <a:endParaRPr lang="en-US"/>
           </a:p>
@@ -1403,7 +1408,7 @@
           <a:p>
             <a:fld id="{B53C49C8-4B05-EE40-8396-8AD4B7C5BFD8}" type="datetimeFigureOut">
               <a:rPr lang="en-US" smtClean="0"/>
-              <a:t>10/3/23</a:t>
+              <a:t>10/9/23</a:t>
             </a:fld>
             <a:endParaRPr lang="en-US"/>
           </a:p>
@@ -1815,7 +1820,7 @@
           <a:p>
             <a:fld id="{B53C49C8-4B05-EE40-8396-8AD4B7C5BFD8}" type="datetimeFigureOut">
               <a:rPr lang="en-US" smtClean="0"/>
-              <a:t>10/3/23</a:t>
+              <a:t>10/9/23</a:t>
             </a:fld>
             <a:endParaRPr lang="en-US"/>
           </a:p>
@@ -1956,7 +1961,7 @@
           <a:p>
             <a:fld id="{B53C49C8-4B05-EE40-8396-8AD4B7C5BFD8}" type="datetimeFigureOut">
               <a:rPr lang="en-US" smtClean="0"/>
-              <a:t>10/3/23</a:t>
+              <a:t>10/9/23</a:t>
             </a:fld>
             <a:endParaRPr lang="en-US"/>
           </a:p>
@@ -2069,7 +2074,7 @@
           <a:p>
             <a:fld id="{B53C49C8-4B05-EE40-8396-8AD4B7C5BFD8}" type="datetimeFigureOut">
               <a:rPr lang="en-US" smtClean="0"/>
-              <a:t>10/3/23</a:t>
+              <a:t>10/9/23</a:t>
             </a:fld>
             <a:endParaRPr lang="en-US"/>
           </a:p>
@@ -2380,7 +2385,7 @@
           <a:p>
             <a:fld id="{B53C49C8-4B05-EE40-8396-8AD4B7C5BFD8}" type="datetimeFigureOut">
               <a:rPr lang="en-US" smtClean="0"/>
-              <a:t>10/3/23</a:t>
+              <a:t>10/9/23</a:t>
             </a:fld>
             <a:endParaRPr lang="en-US"/>
           </a:p>
@@ -2668,7 +2673,7 @@
           <a:p>
             <a:fld id="{B53C49C8-4B05-EE40-8396-8AD4B7C5BFD8}" type="datetimeFigureOut">
               <a:rPr lang="en-US" smtClean="0"/>
-              <a:t>10/3/23</a:t>
+              <a:t>10/9/23</a:t>
             </a:fld>
             <a:endParaRPr lang="en-US"/>
           </a:p>
@@ -2745,9 +2750,15 @@
 <p:sldMaster xmlns:a="http://schemas.openxmlformats.org/drawingml/2006/main" xmlns:r="http://schemas.openxmlformats.org/officeDocument/2006/relationships" xmlns:p="http://schemas.openxmlformats.org/presentationml/2006/main">
   <p:cSld>
     <p:bg>
-      <p:bgRef idx="1001">
-        <a:schemeClr val="bg1"/>
-      </p:bgRef>
+      <p:bgPr>
+        <a:solidFill>
+          <a:schemeClr val="accent6">
+            <a:lumMod val="60000"/>
+            <a:lumOff val="40000"/>
+          </a:schemeClr>
+        </a:solidFill>
+        <a:effectLst/>
+      </p:bgPr>
     </p:bg>
     <p:spTree>
       <p:nvGrpSpPr>
@@ -2909,7 +2920,7 @@
           <a:p>
             <a:fld id="{B53C49C8-4B05-EE40-8396-8AD4B7C5BFD8}" type="datetimeFigureOut">
               <a:rPr lang="en-US" smtClean="0"/>
-              <a:t>10/3/23</a:t>
+              <a:t>10/9/23</a:t>
             </a:fld>
             <a:endParaRPr lang="en-US"/>
           </a:p>
@@ -3342,48 +3353,106 @@
             <p:ph type="ctrTitle"/>
           </p:nvPr>
         </p:nvSpPr>
-        <p:spPr/>
+        <p:spPr>
+          <a:xfrm>
+            <a:off x="1524000" y="1079499"/>
+            <a:ext cx="9144000" cy="1046163"/>
+          </a:xfrm>
+        </p:spPr>
+        <p:txBody>
+          <a:bodyPr/>
+          <a:lstStyle/>
+          <a:p>
+            <a:r>
+              <a:rPr lang="en-US" b="1" dirty="0">
+                <a:latin typeface="Garamond" panose="02020404030301010803" pitchFamily="18" charset="0"/>
+              </a:rPr>
+              <a:t>Apple at SXSW 2011</a:t>
+            </a:r>
+          </a:p>
+        </p:txBody>
+      </p:sp>
+      <p:sp>
+        <p:nvSpPr>
+          <p:cNvPr id="3" name="Subtitle 2">
+            <a:extLst>
+              <a:ext uri="{FF2B5EF4-FFF2-40B4-BE49-F238E27FC236}">
+                <a16:creationId xmlns:a16="http://schemas.microsoft.com/office/drawing/2014/main" id="{AFC04A13-B67E-E2A4-10D8-47DA9D157F83}"/>
+              </a:ext>
+            </a:extLst>
+          </p:cNvPr>
+          <p:cNvSpPr>
+            <a:spLocks noGrp="1"/>
+          </p:cNvSpPr>
+          <p:nvPr>
+            <p:ph type="subTitle" idx="1"/>
+          </p:nvPr>
+        </p:nvSpPr>
+        <p:spPr>
+          <a:xfrm>
+            <a:off x="1524000" y="2687638"/>
+            <a:ext cx="9144000" cy="1655762"/>
+          </a:xfrm>
+        </p:spPr>
         <p:txBody>
           <a:bodyPr/>
           <a:lstStyle/>
           <a:p>
             <a:r>
               <a:rPr lang="en-US" dirty="0"/>
-              <a:t>goals, data</a:t>
-            </a:r>
-            <a:r>
-              <a:rPr lang="en-US"/>
-              <a:t>, methods, </a:t>
-            </a:r>
-            <a:r>
-              <a:rPr lang="en-US" dirty="0"/>
-              <a:t>results</a:t>
-            </a:r>
-          </a:p>
-        </p:txBody>
-      </p:sp>
-      <p:sp>
-        <p:nvSpPr>
-          <p:cNvPr id="3" name="Subtitle 2">
-            <a:extLst>
-              <a:ext uri="{FF2B5EF4-FFF2-40B4-BE49-F238E27FC236}">
-                <a16:creationId xmlns:a16="http://schemas.microsoft.com/office/drawing/2014/main" id="{AFC04A13-B67E-E2A4-10D8-47DA9D157F83}"/>
-              </a:ext>
-            </a:extLst>
-          </p:cNvPr>
-          <p:cNvSpPr>
-            <a:spLocks noGrp="1"/>
-          </p:cNvSpPr>
-          <p:nvPr>
-            <p:ph type="subTitle" idx="1"/>
-          </p:nvPr>
-        </p:nvSpPr>
-        <p:spPr/>
-        <p:txBody>
-          <a:bodyPr/>
-          <a:lstStyle/>
-          <a:p>
-            <a:endParaRPr lang="en-US"/>
+              <a:t>A project to capitalize on a successful product launch</a:t>
+            </a:r>
+          </a:p>
+        </p:txBody>
+      </p:sp>
+      <p:sp>
+        <p:nvSpPr>
+          <p:cNvPr id="4" name="TextBox 3">
+            <a:extLst>
+              <a:ext uri="{FF2B5EF4-FFF2-40B4-BE49-F238E27FC236}">
+                <a16:creationId xmlns:a16="http://schemas.microsoft.com/office/drawing/2014/main" id="{04AB625E-0785-D589-FD41-46BADC8AADE3}"/>
+              </a:ext>
+            </a:extLst>
+          </p:cNvPr>
+          <p:cNvSpPr txBox="1"/>
+          <p:nvPr/>
+        </p:nvSpPr>
+        <p:spPr>
+          <a:xfrm>
+            <a:off x="5303154" y="6067994"/>
+            <a:ext cx="1585692" cy="276999"/>
+          </a:xfrm>
+          <a:prstGeom prst="rect">
+            <a:avLst/>
+          </a:prstGeom>
+        </p:spPr>
+        <p:style>
+          <a:lnRef idx="2">
+            <a:schemeClr val="dk1"/>
+          </a:lnRef>
+          <a:fillRef idx="1">
+            <a:schemeClr val="lt1"/>
+          </a:fillRef>
+          <a:effectRef idx="0">
+            <a:schemeClr val="dk1"/>
+          </a:effectRef>
+          <a:fontRef idx="minor">
+            <a:schemeClr val="dk1"/>
+          </a:fontRef>
+        </p:style>
+        <p:txBody>
+          <a:bodyPr wrap="none" rtlCol="0">
+            <a:spAutoFit/>
+          </a:bodyPr>
+          <a:lstStyle/>
+          <a:p>
+            <a:pPr algn="ctr"/>
+            <a:r>
+              <a:rPr lang="en-US" sz="1200" dirty="0">
+                <a:latin typeface="Garamond" panose="02020404030301010803" pitchFamily="18" charset="0"/>
+              </a:rPr>
+              <a:t>Aaron Galbraith • 2023</a:t>
+            </a:r>
           </a:p>
         </p:txBody>
       </p:sp>
@@ -3391,6 +3460,864 @@
     <p:extLst>
       <p:ext uri="{BB962C8B-B14F-4D97-AF65-F5344CB8AC3E}">
         <p14:creationId xmlns:p14="http://schemas.microsoft.com/office/powerpoint/2010/main" val="3550184879"/>
+      </p:ext>
+    </p:extLst>
+  </p:cSld>
+  <p:clrMapOvr>
+    <a:masterClrMapping/>
+  </p:clrMapOvr>
+</p:sld>
+</file>
+
+<file path=ppt/slides/slide2.xml><?xml version="1.0" encoding="utf-8"?>
+<p:sld xmlns:a="http://schemas.openxmlformats.org/drawingml/2006/main" xmlns:r="http://schemas.openxmlformats.org/officeDocument/2006/relationships" xmlns:p="http://schemas.openxmlformats.org/presentationml/2006/main">
+  <p:cSld>
+    <p:spTree>
+      <p:nvGrpSpPr>
+        <p:cNvPr id="1" name=""/>
+        <p:cNvGrpSpPr/>
+        <p:nvPr/>
+      </p:nvGrpSpPr>
+      <p:grpSpPr>
+        <a:xfrm>
+          <a:off x="0" y="0"/>
+          <a:ext cx="0" cy="0"/>
+          <a:chOff x="0" y="0"/>
+          <a:chExt cx="0" cy="0"/>
+        </a:xfrm>
+      </p:grpSpPr>
+      <p:sp>
+        <p:nvSpPr>
+          <p:cNvPr id="2" name="Title 1">
+            <a:extLst>
+              <a:ext uri="{FF2B5EF4-FFF2-40B4-BE49-F238E27FC236}">
+                <a16:creationId xmlns:a16="http://schemas.microsoft.com/office/drawing/2014/main" id="{DCCA6408-7B66-0D9A-6DCA-8E1D30EE108F}"/>
+              </a:ext>
+            </a:extLst>
+          </p:cNvPr>
+          <p:cNvSpPr>
+            <a:spLocks noGrp="1"/>
+          </p:cNvSpPr>
+          <p:nvPr>
+            <p:ph type="title"/>
+          </p:nvPr>
+        </p:nvSpPr>
+        <p:spPr/>
+        <p:txBody>
+          <a:bodyPr>
+            <a:normAutofit/>
+          </a:bodyPr>
+          <a:lstStyle/>
+          <a:p>
+            <a:pPr algn="ctr"/>
+            <a:r>
+              <a:rPr lang="en-US" sz="4800" b="1" dirty="0">
+                <a:latin typeface="Garamond" panose="02020404030301010803" pitchFamily="18" charset="0"/>
+              </a:rPr>
+              <a:t>Background</a:t>
+            </a:r>
+          </a:p>
+        </p:txBody>
+      </p:sp>
+      <p:pic>
+        <p:nvPicPr>
+          <p:cNvPr id="2050" name="Picture 2" descr="SXSW 2011 in Review">
+            <a:extLst>
+              <a:ext uri="{FF2B5EF4-FFF2-40B4-BE49-F238E27FC236}">
+                <a16:creationId xmlns:a16="http://schemas.microsoft.com/office/drawing/2014/main" id="{BB38EF83-CC9B-EB12-4755-59FA3920E3A6}"/>
+              </a:ext>
+            </a:extLst>
+          </p:cNvPr>
+          <p:cNvPicPr>
+            <a:picLocks noChangeAspect="1" noChangeArrowheads="1"/>
+          </p:cNvPicPr>
+          <p:nvPr/>
+        </p:nvPicPr>
+        <p:blipFill rotWithShape="1">
+          <a:blip r:embed="rId2">
+            <a:extLst>
+              <a:ext uri="{28A0092B-C50C-407E-A947-70E740481C1C}">
+                <a14:useLocalDpi xmlns:a14="http://schemas.microsoft.com/office/drawing/2010/main" val="0"/>
+              </a:ext>
+            </a:extLst>
+          </a:blip>
+          <a:srcRect t="32500" r="18666" b="27500"/>
+          <a:stretch/>
+        </p:blipFill>
+        <p:spPr bwMode="auto">
+          <a:xfrm>
+            <a:off x="2997200" y="5207000"/>
+            <a:ext cx="6197600" cy="1016000"/>
+          </a:xfrm>
+          <a:prstGeom prst="rect">
+            <a:avLst/>
+          </a:prstGeom>
+          <a:noFill/>
+          <a:extLst>
+            <a:ext uri="{909E8E84-426E-40DD-AFC4-6F175D3DCCD1}">
+              <a14:hiddenFill xmlns:a14="http://schemas.microsoft.com/office/drawing/2010/main">
+                <a:solidFill>
+                  <a:srgbClr val="FFFFFF"/>
+                </a:solidFill>
+              </a14:hiddenFill>
+            </a:ext>
+          </a:extLst>
+        </p:spPr>
+      </p:pic>
+      <p:pic>
+        <p:nvPicPr>
+          <p:cNvPr id="2054" name="Picture 6" descr="iPad 2 launched. Not much different from the original - SoyaCincau">
+            <a:extLst>
+              <a:ext uri="{FF2B5EF4-FFF2-40B4-BE49-F238E27FC236}">
+                <a16:creationId xmlns:a16="http://schemas.microsoft.com/office/drawing/2014/main" id="{4B322400-FF3E-DE3A-D449-F63BAE66C332}"/>
+              </a:ext>
+            </a:extLst>
+          </p:cNvPr>
+          <p:cNvPicPr>
+            <a:picLocks noChangeAspect="1" noChangeArrowheads="1"/>
+          </p:cNvPicPr>
+          <p:nvPr/>
+        </p:nvPicPr>
+        <p:blipFill>
+          <a:blip r:embed="rId3">
+            <a:extLst>
+              <a:ext uri="{28A0092B-C50C-407E-A947-70E740481C1C}">
+                <a14:useLocalDpi xmlns:a14="http://schemas.microsoft.com/office/drawing/2010/main" val="0"/>
+              </a:ext>
+            </a:extLst>
+          </a:blip>
+          <a:srcRect/>
+          <a:stretch>
+            <a:fillRect/>
+          </a:stretch>
+        </p:blipFill>
+        <p:spPr bwMode="auto">
+          <a:xfrm>
+            <a:off x="3085147" y="1860563"/>
+            <a:ext cx="6021705" cy="2616327"/>
+          </a:xfrm>
+          <a:prstGeom prst="rect">
+            <a:avLst/>
+          </a:prstGeom>
+          <a:noFill/>
+          <a:extLst>
+            <a:ext uri="{909E8E84-426E-40DD-AFC4-6F175D3DCCD1}">
+              <a14:hiddenFill xmlns:a14="http://schemas.microsoft.com/office/drawing/2010/main">
+                <a:solidFill>
+                  <a:srgbClr val="FFFFFF"/>
+                </a:solidFill>
+              </a14:hiddenFill>
+            </a:ext>
+          </a:extLst>
+        </p:spPr>
+      </p:pic>
+    </p:spTree>
+    <p:extLst>
+      <p:ext uri="{BB962C8B-B14F-4D97-AF65-F5344CB8AC3E}">
+        <p14:creationId xmlns:p14="http://schemas.microsoft.com/office/powerpoint/2010/main" val="406439179"/>
+      </p:ext>
+    </p:extLst>
+  </p:cSld>
+  <p:clrMapOvr>
+    <a:masterClrMapping/>
+  </p:clrMapOvr>
+</p:sld>
+</file>
+
+<file path=ppt/slides/slide3.xml><?xml version="1.0" encoding="utf-8"?>
+<p:sld xmlns:a="http://schemas.openxmlformats.org/drawingml/2006/main" xmlns:r="http://schemas.openxmlformats.org/officeDocument/2006/relationships" xmlns:p="http://schemas.openxmlformats.org/presentationml/2006/main">
+  <p:cSld>
+    <p:spTree>
+      <p:nvGrpSpPr>
+        <p:cNvPr id="1" name=""/>
+        <p:cNvGrpSpPr/>
+        <p:nvPr/>
+      </p:nvGrpSpPr>
+      <p:grpSpPr>
+        <a:xfrm>
+          <a:off x="0" y="0"/>
+          <a:ext cx="0" cy="0"/>
+          <a:chOff x="0" y="0"/>
+          <a:chExt cx="0" cy="0"/>
+        </a:xfrm>
+      </p:grpSpPr>
+      <p:sp>
+        <p:nvSpPr>
+          <p:cNvPr id="2" name="Title 1">
+            <a:extLst>
+              <a:ext uri="{FF2B5EF4-FFF2-40B4-BE49-F238E27FC236}">
+                <a16:creationId xmlns:a16="http://schemas.microsoft.com/office/drawing/2014/main" id="{DCCA6408-7B66-0D9A-6DCA-8E1D30EE108F}"/>
+              </a:ext>
+            </a:extLst>
+          </p:cNvPr>
+          <p:cNvSpPr>
+            <a:spLocks noGrp="1"/>
+          </p:cNvSpPr>
+          <p:nvPr>
+            <p:ph type="title"/>
+          </p:nvPr>
+        </p:nvSpPr>
+        <p:spPr/>
+        <p:txBody>
+          <a:bodyPr>
+            <a:normAutofit/>
+          </a:bodyPr>
+          <a:lstStyle/>
+          <a:p>
+            <a:pPr algn="ctr"/>
+            <a:r>
+              <a:rPr lang="en-US" sz="4800" b="1" dirty="0">
+                <a:latin typeface="Garamond" panose="02020404030301010803" pitchFamily="18" charset="0"/>
+              </a:rPr>
+              <a:t>Project Goal</a:t>
+            </a:r>
+          </a:p>
+        </p:txBody>
+      </p:sp>
+      <p:sp>
+        <p:nvSpPr>
+          <p:cNvPr id="3" name="TextBox 2">
+            <a:extLst>
+              <a:ext uri="{FF2B5EF4-FFF2-40B4-BE49-F238E27FC236}">
+                <a16:creationId xmlns:a16="http://schemas.microsoft.com/office/drawing/2014/main" id="{31B11DEF-156D-A95B-9A97-B134AB875250}"/>
+              </a:ext>
+            </a:extLst>
+          </p:cNvPr>
+          <p:cNvSpPr txBox="1"/>
+          <p:nvPr/>
+        </p:nvSpPr>
+        <p:spPr>
+          <a:xfrm>
+            <a:off x="2406650" y="1859340"/>
+            <a:ext cx="7378700" cy="1077218"/>
+          </a:xfrm>
+          <a:prstGeom prst="rect">
+            <a:avLst/>
+          </a:prstGeom>
+          <a:noFill/>
+        </p:spPr>
+        <p:txBody>
+          <a:bodyPr wrap="square" rtlCol="0">
+            <a:spAutoFit/>
+          </a:bodyPr>
+          <a:lstStyle/>
+          <a:p>
+            <a:r>
+              <a:rPr lang="en-US" sz="3200" dirty="0">
+                <a:latin typeface="Garamond" panose="02020404030301010803" pitchFamily="18" charset="0"/>
+              </a:rPr>
+              <a:t>1. to help Apple understand how their presence at SXSW was received</a:t>
+            </a:r>
+          </a:p>
+        </p:txBody>
+      </p:sp>
+      <p:sp>
+        <p:nvSpPr>
+          <p:cNvPr id="4" name="TextBox 3">
+            <a:extLst>
+              <a:ext uri="{FF2B5EF4-FFF2-40B4-BE49-F238E27FC236}">
+                <a16:creationId xmlns:a16="http://schemas.microsoft.com/office/drawing/2014/main" id="{B2B2150B-C73E-0F22-6811-627F0C640024}"/>
+              </a:ext>
+            </a:extLst>
+          </p:cNvPr>
+          <p:cNvSpPr txBox="1"/>
+          <p:nvPr/>
+        </p:nvSpPr>
+        <p:spPr>
+          <a:xfrm>
+            <a:off x="2406650" y="3878640"/>
+            <a:ext cx="7378700" cy="1077218"/>
+          </a:xfrm>
+          <a:prstGeom prst="rect">
+            <a:avLst/>
+          </a:prstGeom>
+          <a:noFill/>
+        </p:spPr>
+        <p:txBody>
+          <a:bodyPr wrap="square" rtlCol="0">
+            <a:spAutoFit/>
+          </a:bodyPr>
+          <a:lstStyle/>
+          <a:p>
+            <a:r>
+              <a:rPr lang="en-US" sz="3200" dirty="0">
+                <a:latin typeface="Garamond" panose="02020404030301010803" pitchFamily="18" charset="0"/>
+              </a:rPr>
+              <a:t>2. to give Apple a tool to interpret public sentiment</a:t>
+            </a:r>
+          </a:p>
+        </p:txBody>
+      </p:sp>
+    </p:spTree>
+    <p:extLst>
+      <p:ext uri="{BB962C8B-B14F-4D97-AF65-F5344CB8AC3E}">
+        <p14:creationId xmlns:p14="http://schemas.microsoft.com/office/powerpoint/2010/main" val="3624855364"/>
+      </p:ext>
+    </p:extLst>
+  </p:cSld>
+  <p:clrMapOvr>
+    <a:masterClrMapping/>
+  </p:clrMapOvr>
+</p:sld>
+</file>
+
+<file path=ppt/slides/slide4.xml><?xml version="1.0" encoding="utf-8"?>
+<p:sld xmlns:a="http://schemas.openxmlformats.org/drawingml/2006/main" xmlns:r="http://schemas.openxmlformats.org/officeDocument/2006/relationships" xmlns:p="http://schemas.openxmlformats.org/presentationml/2006/main">
+  <p:cSld>
+    <p:spTree>
+      <p:nvGrpSpPr>
+        <p:cNvPr id="1" name=""/>
+        <p:cNvGrpSpPr/>
+        <p:nvPr/>
+      </p:nvGrpSpPr>
+      <p:grpSpPr>
+        <a:xfrm>
+          <a:off x="0" y="0"/>
+          <a:ext cx="0" cy="0"/>
+          <a:chOff x="0" y="0"/>
+          <a:chExt cx="0" cy="0"/>
+        </a:xfrm>
+      </p:grpSpPr>
+      <p:sp>
+        <p:nvSpPr>
+          <p:cNvPr id="2" name="Title 1">
+            <a:extLst>
+              <a:ext uri="{FF2B5EF4-FFF2-40B4-BE49-F238E27FC236}">
+                <a16:creationId xmlns:a16="http://schemas.microsoft.com/office/drawing/2014/main" id="{DCCA6408-7B66-0D9A-6DCA-8E1D30EE108F}"/>
+              </a:ext>
+            </a:extLst>
+          </p:cNvPr>
+          <p:cNvSpPr>
+            <a:spLocks noGrp="1"/>
+          </p:cNvSpPr>
+          <p:nvPr>
+            <p:ph type="title"/>
+          </p:nvPr>
+        </p:nvSpPr>
+        <p:spPr/>
+        <p:txBody>
+          <a:bodyPr>
+            <a:normAutofit/>
+          </a:bodyPr>
+          <a:lstStyle/>
+          <a:p>
+            <a:pPr algn="ctr"/>
+            <a:r>
+              <a:rPr lang="en-US" sz="4800" b="1" dirty="0">
+                <a:latin typeface="Garamond" panose="02020404030301010803" pitchFamily="18" charset="0"/>
+              </a:rPr>
+              <a:t>Data</a:t>
+            </a:r>
+          </a:p>
+        </p:txBody>
+      </p:sp>
+      <p:sp>
+        <p:nvSpPr>
+          <p:cNvPr id="3" name="TextBox 2">
+            <a:extLst>
+              <a:ext uri="{FF2B5EF4-FFF2-40B4-BE49-F238E27FC236}">
+                <a16:creationId xmlns:a16="http://schemas.microsoft.com/office/drawing/2014/main" id="{31B11DEF-156D-A95B-9A97-B134AB875250}"/>
+              </a:ext>
+            </a:extLst>
+          </p:cNvPr>
+          <p:cNvSpPr txBox="1"/>
+          <p:nvPr/>
+        </p:nvSpPr>
+        <p:spPr>
+          <a:xfrm>
+            <a:off x="2406650" y="1872040"/>
+            <a:ext cx="7378700" cy="584775"/>
+          </a:xfrm>
+          <a:prstGeom prst="rect">
+            <a:avLst/>
+          </a:prstGeom>
+          <a:noFill/>
+        </p:spPr>
+        <p:txBody>
+          <a:bodyPr wrap="square" rtlCol="0">
+            <a:spAutoFit/>
+          </a:bodyPr>
+          <a:lstStyle/>
+          <a:p>
+            <a:pPr marL="457200" indent="-457200">
+              <a:buFont typeface="Arial" panose="020B0604020202020204" pitchFamily="34" charset="0"/>
+              <a:buChar char="•"/>
+            </a:pPr>
+            <a:r>
+              <a:rPr lang="en-US" sz="3200" dirty="0">
+                <a:latin typeface="Garamond" panose="02020404030301010803" pitchFamily="18" charset="0"/>
+              </a:rPr>
+              <a:t>                 #</a:t>
+            </a:r>
+            <a:r>
+              <a:rPr lang="en-US" sz="3200" dirty="0" err="1">
+                <a:latin typeface="Garamond" panose="02020404030301010803" pitchFamily="18" charset="0"/>
+              </a:rPr>
+              <a:t>sxsw</a:t>
+            </a:r>
+            <a:r>
+              <a:rPr lang="en-US" sz="3200" dirty="0">
+                <a:latin typeface="Garamond" panose="02020404030301010803" pitchFamily="18" charset="0"/>
+              </a:rPr>
+              <a:t>   </a:t>
+            </a:r>
+            <a:r>
+              <a:rPr lang="en-US" sz="3200" b="0" i="0" dirty="0">
+                <a:solidFill>
+                  <a:srgbClr val="202122"/>
+                </a:solidFill>
+                <a:effectLst/>
+                <a:latin typeface="Garamond" panose="02020404030301010803" pitchFamily="18" charset="0"/>
+              </a:rPr>
+              <a:t>×</a:t>
+            </a:r>
+            <a:r>
+              <a:rPr lang="en-US" sz="3200" dirty="0">
+                <a:latin typeface="Garamond" panose="02020404030301010803" pitchFamily="18" charset="0"/>
+              </a:rPr>
+              <a:t>9,000</a:t>
+            </a:r>
+          </a:p>
+        </p:txBody>
+      </p:sp>
+      <p:sp>
+        <p:nvSpPr>
+          <p:cNvPr id="5" name="TextBox 4">
+            <a:extLst>
+              <a:ext uri="{FF2B5EF4-FFF2-40B4-BE49-F238E27FC236}">
+                <a16:creationId xmlns:a16="http://schemas.microsoft.com/office/drawing/2014/main" id="{35FD1223-487D-537F-10EC-88A7DFD15F8E}"/>
+              </a:ext>
+            </a:extLst>
+          </p:cNvPr>
+          <p:cNvSpPr txBox="1"/>
+          <p:nvPr/>
+        </p:nvSpPr>
+        <p:spPr>
+          <a:xfrm>
+            <a:off x="2406650" y="3603158"/>
+            <a:ext cx="7378700" cy="584775"/>
+          </a:xfrm>
+          <a:prstGeom prst="rect">
+            <a:avLst/>
+          </a:prstGeom>
+          <a:noFill/>
+        </p:spPr>
+        <p:txBody>
+          <a:bodyPr wrap="square" rtlCol="0">
+            <a:spAutoFit/>
+          </a:bodyPr>
+          <a:lstStyle/>
+          <a:p>
+            <a:pPr marL="457200" indent="-457200">
+              <a:buFont typeface="Arial" panose="020B0604020202020204" pitchFamily="34" charset="0"/>
+              <a:buChar char="•"/>
+            </a:pPr>
+            <a:r>
+              <a:rPr lang="en-US" sz="3200" dirty="0">
+                <a:latin typeface="Garamond" panose="02020404030301010803" pitchFamily="18" charset="0"/>
+              </a:rPr>
+              <a:t> </a:t>
+            </a:r>
+          </a:p>
+        </p:txBody>
+      </p:sp>
+      <p:sp>
+        <p:nvSpPr>
+          <p:cNvPr id="6" name="TextBox 5">
+            <a:extLst>
+              <a:ext uri="{FF2B5EF4-FFF2-40B4-BE49-F238E27FC236}">
+                <a16:creationId xmlns:a16="http://schemas.microsoft.com/office/drawing/2014/main" id="{3B54C456-7AA3-4E1D-E413-6D7F566C2696}"/>
+              </a:ext>
+            </a:extLst>
+          </p:cNvPr>
+          <p:cNvSpPr txBox="1"/>
+          <p:nvPr/>
+        </p:nvSpPr>
+        <p:spPr>
+          <a:xfrm>
+            <a:off x="2406650" y="5227827"/>
+            <a:ext cx="8807450" cy="584775"/>
+          </a:xfrm>
+          <a:prstGeom prst="rect">
+            <a:avLst/>
+          </a:prstGeom>
+          <a:noFill/>
+        </p:spPr>
+        <p:txBody>
+          <a:bodyPr wrap="square" rtlCol="0">
+            <a:spAutoFit/>
+          </a:bodyPr>
+          <a:lstStyle/>
+          <a:p>
+            <a:pPr marL="457200" indent="-457200">
+              <a:buFont typeface="Arial" panose="020B0604020202020204" pitchFamily="34" charset="0"/>
+              <a:buChar char="•"/>
+            </a:pPr>
+            <a:r>
+              <a:rPr lang="en-US" sz="3200" dirty="0">
+                <a:latin typeface="Garamond" panose="02020404030301010803" pitchFamily="18" charset="0"/>
+              </a:rPr>
+              <a:t> </a:t>
+            </a:r>
+          </a:p>
+        </p:txBody>
+      </p:sp>
+      <p:pic>
+        <p:nvPicPr>
+          <p:cNvPr id="4098" name="Picture 2" descr="Smiley Emoticons Icon Positive Neutral And Negative Vector Stock  Illustration - Download Image Now - iStock">
+            <a:extLst>
+              <a:ext uri="{FF2B5EF4-FFF2-40B4-BE49-F238E27FC236}">
+                <a16:creationId xmlns:a16="http://schemas.microsoft.com/office/drawing/2014/main" id="{C68ACAE4-B10B-8BF9-75C1-BD40FED4A643}"/>
+              </a:ext>
+            </a:extLst>
+          </p:cNvPr>
+          <p:cNvPicPr>
+            <a:picLocks noChangeAspect="1" noChangeArrowheads="1"/>
+          </p:cNvPicPr>
+          <p:nvPr/>
+        </p:nvPicPr>
+        <p:blipFill rotWithShape="1">
+          <a:blip r:embed="rId2">
+            <a:extLst>
+              <a:ext uri="{28A0092B-C50C-407E-A947-70E740481C1C}">
+                <a14:useLocalDpi xmlns:a14="http://schemas.microsoft.com/office/drawing/2010/main" val="0"/>
+              </a:ext>
+            </a:extLst>
+          </a:blip>
+          <a:srcRect t="32777" b="32963"/>
+          <a:stretch/>
+        </p:blipFill>
+        <p:spPr bwMode="auto">
+          <a:xfrm>
+            <a:off x="2997200" y="3233716"/>
+            <a:ext cx="3708400" cy="1270498"/>
+          </a:xfrm>
+          <a:prstGeom prst="rect">
+            <a:avLst/>
+          </a:prstGeom>
+          <a:noFill/>
+          <a:extLst>
+            <a:ext uri="{909E8E84-426E-40DD-AFC4-6F175D3DCCD1}">
+              <a14:hiddenFill xmlns:a14="http://schemas.microsoft.com/office/drawing/2010/main">
+                <a:solidFill>
+                  <a:srgbClr val="FFFFFF"/>
+                </a:solidFill>
+              </a14:hiddenFill>
+            </a:ext>
+          </a:extLst>
+        </p:spPr>
+      </p:pic>
+      <p:pic>
+        <p:nvPicPr>
+          <p:cNvPr id="4100" name="Picture 4">
+            <a:extLst>
+              <a:ext uri="{FF2B5EF4-FFF2-40B4-BE49-F238E27FC236}">
+                <a16:creationId xmlns:a16="http://schemas.microsoft.com/office/drawing/2014/main" id="{5F2111B3-806C-16B6-27B6-E5EDE2840434}"/>
+              </a:ext>
+            </a:extLst>
+          </p:cNvPr>
+          <p:cNvPicPr>
+            <a:picLocks noChangeAspect="1" noChangeArrowheads="1"/>
+          </p:cNvPicPr>
+          <p:nvPr/>
+        </p:nvPicPr>
+        <p:blipFill>
+          <a:blip r:embed="rId3">
+            <a:extLst>
+              <a:ext uri="{28A0092B-C50C-407E-A947-70E740481C1C}">
+                <a14:useLocalDpi xmlns:a14="http://schemas.microsoft.com/office/drawing/2010/main" val="0"/>
+              </a:ext>
+            </a:extLst>
+          </a:blip>
+          <a:srcRect/>
+          <a:stretch>
+            <a:fillRect/>
+          </a:stretch>
+        </p:blipFill>
+        <p:spPr bwMode="auto">
+          <a:xfrm>
+            <a:off x="2730500" y="1148428"/>
+            <a:ext cx="2032000" cy="2032000"/>
+          </a:xfrm>
+          <a:prstGeom prst="rect">
+            <a:avLst/>
+          </a:prstGeom>
+          <a:noFill/>
+          <a:extLst>
+            <a:ext uri="{909E8E84-426E-40DD-AFC4-6F175D3DCCD1}">
+              <a14:hiddenFill xmlns:a14="http://schemas.microsoft.com/office/drawing/2010/main">
+                <a:solidFill>
+                  <a:srgbClr val="FFFFFF"/>
+                </a:solidFill>
+              </a14:hiddenFill>
+            </a:ext>
+          </a:extLst>
+        </p:spPr>
+      </p:pic>
+      <p:pic>
+        <p:nvPicPr>
+          <p:cNvPr id="4108" name="Picture 12" descr="Apple Logo PNG Vector (SVG) Free Download">
+            <a:extLst>
+              <a:ext uri="{FF2B5EF4-FFF2-40B4-BE49-F238E27FC236}">
+                <a16:creationId xmlns:a16="http://schemas.microsoft.com/office/drawing/2014/main" id="{C1B91FD7-1F47-224B-D4E4-B117A81C89C3}"/>
+              </a:ext>
+            </a:extLst>
+          </p:cNvPr>
+          <p:cNvPicPr>
+            <a:picLocks noChangeAspect="1" noChangeArrowheads="1"/>
+          </p:cNvPicPr>
+          <p:nvPr/>
+        </p:nvPicPr>
+        <p:blipFill>
+          <a:blip r:embed="rId4">
+            <a:extLst>
+              <a:ext uri="{28A0092B-C50C-407E-A947-70E740481C1C}">
+                <a14:useLocalDpi xmlns:a14="http://schemas.microsoft.com/office/drawing/2010/main" val="0"/>
+              </a:ext>
+            </a:extLst>
+          </a:blip>
+          <a:srcRect/>
+          <a:stretch>
+            <a:fillRect/>
+          </a:stretch>
+        </p:blipFill>
+        <p:spPr bwMode="auto">
+          <a:xfrm>
+            <a:off x="2997200" y="4805839"/>
+            <a:ext cx="1162050" cy="1428750"/>
+          </a:xfrm>
+          <a:prstGeom prst="rect">
+            <a:avLst/>
+          </a:prstGeom>
+          <a:noFill/>
+          <a:extLst>
+            <a:ext uri="{909E8E84-426E-40DD-AFC4-6F175D3DCCD1}">
+              <a14:hiddenFill xmlns:a14="http://schemas.microsoft.com/office/drawing/2010/main">
+                <a:solidFill>
+                  <a:srgbClr val="FFFFFF"/>
+                </a:solidFill>
+              </a14:hiddenFill>
+            </a:ext>
+          </a:extLst>
+        </p:spPr>
+      </p:pic>
+      <p:pic>
+        <p:nvPicPr>
+          <p:cNvPr id="4110" name="Picture 14">
+            <a:extLst>
+              <a:ext uri="{FF2B5EF4-FFF2-40B4-BE49-F238E27FC236}">
+                <a16:creationId xmlns:a16="http://schemas.microsoft.com/office/drawing/2014/main" id="{FD105DB3-A91B-25A9-3DEC-4F1EFEEACD3A}"/>
+              </a:ext>
+            </a:extLst>
+          </p:cNvPr>
+          <p:cNvPicPr>
+            <a:picLocks noChangeAspect="1" noChangeArrowheads="1"/>
+          </p:cNvPicPr>
+          <p:nvPr/>
+        </p:nvPicPr>
+        <p:blipFill>
+          <a:blip r:embed="rId5">
+            <a:extLst>
+              <a:ext uri="{28A0092B-C50C-407E-A947-70E740481C1C}">
+                <a14:useLocalDpi xmlns:a14="http://schemas.microsoft.com/office/drawing/2010/main" val="0"/>
+              </a:ext>
+            </a:extLst>
+          </a:blip>
+          <a:srcRect/>
+          <a:stretch>
+            <a:fillRect/>
+          </a:stretch>
+        </p:blipFill>
+        <p:spPr bwMode="auto">
+          <a:xfrm>
+            <a:off x="4921250" y="4821903"/>
+            <a:ext cx="1524000" cy="1524000"/>
+          </a:xfrm>
+          <a:prstGeom prst="rect">
+            <a:avLst/>
+          </a:prstGeom>
+          <a:noFill/>
+          <a:extLst>
+            <a:ext uri="{909E8E84-426E-40DD-AFC4-6F175D3DCCD1}">
+              <a14:hiddenFill xmlns:a14="http://schemas.microsoft.com/office/drawing/2010/main">
+                <a:solidFill>
+                  <a:srgbClr val="FFFFFF"/>
+                </a:solidFill>
+              </a14:hiddenFill>
+            </a:ext>
+          </a:extLst>
+        </p:spPr>
+      </p:pic>
+    </p:spTree>
+    <p:extLst>
+      <p:ext uri="{BB962C8B-B14F-4D97-AF65-F5344CB8AC3E}">
+        <p14:creationId xmlns:p14="http://schemas.microsoft.com/office/powerpoint/2010/main" val="2546916487"/>
+      </p:ext>
+    </p:extLst>
+  </p:cSld>
+  <p:clrMapOvr>
+    <a:masterClrMapping/>
+  </p:clrMapOvr>
+</p:sld>
+</file>
+
+<file path=ppt/slides/slide5.xml><?xml version="1.0" encoding="utf-8"?>
+<p:sld xmlns:a="http://schemas.openxmlformats.org/drawingml/2006/main" xmlns:r="http://schemas.openxmlformats.org/officeDocument/2006/relationships" xmlns:p="http://schemas.openxmlformats.org/presentationml/2006/main">
+  <p:cSld>
+    <p:spTree>
+      <p:nvGrpSpPr>
+        <p:cNvPr id="1" name=""/>
+        <p:cNvGrpSpPr/>
+        <p:nvPr/>
+      </p:nvGrpSpPr>
+      <p:grpSpPr>
+        <a:xfrm>
+          <a:off x="0" y="0"/>
+          <a:ext cx="0" cy="0"/>
+          <a:chOff x="0" y="0"/>
+          <a:chExt cx="0" cy="0"/>
+        </a:xfrm>
+      </p:grpSpPr>
+      <p:sp>
+        <p:nvSpPr>
+          <p:cNvPr id="2" name="Title 1">
+            <a:extLst>
+              <a:ext uri="{FF2B5EF4-FFF2-40B4-BE49-F238E27FC236}">
+                <a16:creationId xmlns:a16="http://schemas.microsoft.com/office/drawing/2014/main" id="{A1B8A32E-EB10-A5B9-9C0E-BA7D57CC0659}"/>
+              </a:ext>
+            </a:extLst>
+          </p:cNvPr>
+          <p:cNvSpPr>
+            <a:spLocks noGrp="1"/>
+          </p:cNvSpPr>
+          <p:nvPr>
+            <p:ph type="title"/>
+          </p:nvPr>
+        </p:nvSpPr>
+        <p:spPr/>
+        <p:txBody>
+          <a:bodyPr/>
+          <a:lstStyle/>
+          <a:p>
+            <a:r>
+              <a:rPr lang="en-US" dirty="0"/>
+              <a:t>Methods</a:t>
+            </a:r>
+          </a:p>
+        </p:txBody>
+      </p:sp>
+      <p:sp>
+        <p:nvSpPr>
+          <p:cNvPr id="3" name="Content Placeholder 2">
+            <a:extLst>
+              <a:ext uri="{FF2B5EF4-FFF2-40B4-BE49-F238E27FC236}">
+                <a16:creationId xmlns:a16="http://schemas.microsoft.com/office/drawing/2014/main" id="{24CCABEB-6FB2-12A4-8596-E30A72AB630A}"/>
+              </a:ext>
+            </a:extLst>
+          </p:cNvPr>
+          <p:cNvSpPr>
+            <a:spLocks noGrp="1"/>
+          </p:cNvSpPr>
+          <p:nvPr>
+            <p:ph idx="1"/>
+          </p:nvPr>
+        </p:nvSpPr>
+        <p:spPr/>
+        <p:txBody>
+          <a:bodyPr/>
+          <a:lstStyle/>
+          <a:p>
+            <a:endParaRPr lang="en-US"/>
+          </a:p>
+        </p:txBody>
+      </p:sp>
+    </p:spTree>
+    <p:extLst>
+      <p:ext uri="{BB962C8B-B14F-4D97-AF65-F5344CB8AC3E}">
+        <p14:creationId xmlns:p14="http://schemas.microsoft.com/office/powerpoint/2010/main" val="1005340365"/>
+      </p:ext>
+    </p:extLst>
+  </p:cSld>
+  <p:clrMapOvr>
+    <a:masterClrMapping/>
+  </p:clrMapOvr>
+</p:sld>
+</file>
+
+<file path=ppt/slides/slide6.xml><?xml version="1.0" encoding="utf-8"?>
+<p:sld xmlns:a="http://schemas.openxmlformats.org/drawingml/2006/main" xmlns:r="http://schemas.openxmlformats.org/officeDocument/2006/relationships" xmlns:p="http://schemas.openxmlformats.org/presentationml/2006/main">
+  <p:cSld>
+    <p:spTree>
+      <p:nvGrpSpPr>
+        <p:cNvPr id="1" name=""/>
+        <p:cNvGrpSpPr/>
+        <p:nvPr/>
+      </p:nvGrpSpPr>
+      <p:grpSpPr>
+        <a:xfrm>
+          <a:off x="0" y="0"/>
+          <a:ext cx="0" cy="0"/>
+          <a:chOff x="0" y="0"/>
+          <a:chExt cx="0" cy="0"/>
+        </a:xfrm>
+      </p:grpSpPr>
+      <p:sp>
+        <p:nvSpPr>
+          <p:cNvPr id="2" name="Title 1">
+            <a:extLst>
+              <a:ext uri="{FF2B5EF4-FFF2-40B4-BE49-F238E27FC236}">
+                <a16:creationId xmlns:a16="http://schemas.microsoft.com/office/drawing/2014/main" id="{7FF4448D-00C5-9565-DAE0-DCD2ADD79EA8}"/>
+              </a:ext>
+            </a:extLst>
+          </p:cNvPr>
+          <p:cNvSpPr>
+            <a:spLocks noGrp="1"/>
+          </p:cNvSpPr>
+          <p:nvPr>
+            <p:ph type="title"/>
+          </p:nvPr>
+        </p:nvSpPr>
+        <p:spPr/>
+        <p:txBody>
+          <a:bodyPr/>
+          <a:lstStyle/>
+          <a:p>
+            <a:r>
+              <a:rPr lang="en-US" dirty="0"/>
+              <a:t>Results</a:t>
+            </a:r>
+          </a:p>
+        </p:txBody>
+      </p:sp>
+      <p:sp>
+        <p:nvSpPr>
+          <p:cNvPr id="3" name="Content Placeholder 2">
+            <a:extLst>
+              <a:ext uri="{FF2B5EF4-FFF2-40B4-BE49-F238E27FC236}">
+                <a16:creationId xmlns:a16="http://schemas.microsoft.com/office/drawing/2014/main" id="{95FAB2A1-9932-0230-981F-66FECB6E5A91}"/>
+              </a:ext>
+            </a:extLst>
+          </p:cNvPr>
+          <p:cNvSpPr>
+            <a:spLocks noGrp="1"/>
+          </p:cNvSpPr>
+          <p:nvPr>
+            <p:ph idx="1"/>
+          </p:nvPr>
+        </p:nvSpPr>
+        <p:spPr/>
+        <p:txBody>
+          <a:bodyPr/>
+          <a:lstStyle/>
+          <a:p>
+            <a:endParaRPr lang="en-US"/>
+          </a:p>
+        </p:txBody>
+      </p:sp>
+    </p:spTree>
+    <p:extLst>
+      <p:ext uri="{BB962C8B-B14F-4D97-AF65-F5344CB8AC3E}">
+        <p14:creationId xmlns:p14="http://schemas.microsoft.com/office/powerpoint/2010/main" val="3847411403"/>
       </p:ext>
     </p:extLst>
   </p:cSld>

--- a/presentation.pptx
+++ b/presentation.pptx
@@ -9,8 +9,9 @@
     <p:sldId id="257" r:id="rId3"/>
     <p:sldId id="261" r:id="rId4"/>
     <p:sldId id="262" r:id="rId5"/>
-    <p:sldId id="259" r:id="rId6"/>
-    <p:sldId id="260" r:id="rId7"/>
+    <p:sldId id="263" r:id="rId6"/>
+    <p:sldId id="259" r:id="rId7"/>
+    <p:sldId id="260" r:id="rId8"/>
   </p:sldIdLst>
   <p:sldSz cx="12192000" cy="6858000"/>
   <p:notesSz cx="6858000" cy="9144000"/>
@@ -4183,6 +4184,406 @@
           <p:cNvPr id="2" name="Title 1">
             <a:extLst>
               <a:ext uri="{FF2B5EF4-FFF2-40B4-BE49-F238E27FC236}">
+                <a16:creationId xmlns:a16="http://schemas.microsoft.com/office/drawing/2014/main" id="{DCCA6408-7B66-0D9A-6DCA-8E1D30EE108F}"/>
+              </a:ext>
+            </a:extLst>
+          </p:cNvPr>
+          <p:cNvSpPr>
+            <a:spLocks noGrp="1"/>
+          </p:cNvSpPr>
+          <p:nvPr>
+            <p:ph type="title"/>
+          </p:nvPr>
+        </p:nvSpPr>
+        <p:spPr/>
+        <p:txBody>
+          <a:bodyPr>
+            <a:normAutofit/>
+          </a:bodyPr>
+          <a:lstStyle/>
+          <a:p>
+            <a:pPr algn="ctr"/>
+            <a:r>
+              <a:rPr lang="en-US" sz="4800" b="1" dirty="0">
+                <a:latin typeface="Garamond" panose="02020404030301010803" pitchFamily="18" charset="0"/>
+              </a:rPr>
+              <a:t>Methods</a:t>
+            </a:r>
+          </a:p>
+        </p:txBody>
+      </p:sp>
+      <p:sp>
+        <p:nvSpPr>
+          <p:cNvPr id="3" name="TextBox 2">
+            <a:extLst>
+              <a:ext uri="{FF2B5EF4-FFF2-40B4-BE49-F238E27FC236}">
+                <a16:creationId xmlns:a16="http://schemas.microsoft.com/office/drawing/2014/main" id="{31B11DEF-156D-A95B-9A97-B134AB875250}"/>
+              </a:ext>
+            </a:extLst>
+          </p:cNvPr>
+          <p:cNvSpPr txBox="1"/>
+          <p:nvPr/>
+        </p:nvSpPr>
+        <p:spPr>
+          <a:xfrm>
+            <a:off x="2406650" y="1872040"/>
+            <a:ext cx="7378700" cy="584775"/>
+          </a:xfrm>
+          <a:prstGeom prst="rect">
+            <a:avLst/>
+          </a:prstGeom>
+          <a:noFill/>
+        </p:spPr>
+        <p:txBody>
+          <a:bodyPr wrap="square" rtlCol="0">
+            <a:spAutoFit/>
+          </a:bodyPr>
+          <a:lstStyle/>
+          <a:p>
+            <a:pPr marL="457200" indent="-457200">
+              <a:buFont typeface="Arial" panose="020B0604020202020204" pitchFamily="34" charset="0"/>
+              <a:buChar char="•"/>
+            </a:pPr>
+            <a:r>
+              <a:rPr lang="en-US" sz="3200" dirty="0">
+                <a:latin typeface="Garamond" panose="02020404030301010803" pitchFamily="18" charset="0"/>
+              </a:rPr>
+              <a:t>                 #</a:t>
+            </a:r>
+            <a:r>
+              <a:rPr lang="en-US" sz="3200" dirty="0" err="1">
+                <a:latin typeface="Garamond" panose="02020404030301010803" pitchFamily="18" charset="0"/>
+              </a:rPr>
+              <a:t>sxsw</a:t>
+            </a:r>
+            <a:r>
+              <a:rPr lang="en-US" sz="3200" dirty="0">
+                <a:latin typeface="Garamond" panose="02020404030301010803" pitchFamily="18" charset="0"/>
+              </a:rPr>
+              <a:t>   </a:t>
+            </a:r>
+            <a:r>
+              <a:rPr lang="en-US" sz="3200" b="0" i="0" dirty="0">
+                <a:solidFill>
+                  <a:srgbClr val="202122"/>
+                </a:solidFill>
+                <a:effectLst/>
+                <a:latin typeface="Garamond" panose="02020404030301010803" pitchFamily="18" charset="0"/>
+              </a:rPr>
+              <a:t>×</a:t>
+            </a:r>
+            <a:r>
+              <a:rPr lang="en-US" sz="3200" dirty="0">
+                <a:latin typeface="Garamond" panose="02020404030301010803" pitchFamily="18" charset="0"/>
+              </a:rPr>
+              <a:t>9,000</a:t>
+            </a:r>
+          </a:p>
+        </p:txBody>
+      </p:sp>
+      <p:sp>
+        <p:nvSpPr>
+          <p:cNvPr id="5" name="TextBox 4">
+            <a:extLst>
+              <a:ext uri="{FF2B5EF4-FFF2-40B4-BE49-F238E27FC236}">
+                <a16:creationId xmlns:a16="http://schemas.microsoft.com/office/drawing/2014/main" id="{35FD1223-487D-537F-10EC-88A7DFD15F8E}"/>
+              </a:ext>
+            </a:extLst>
+          </p:cNvPr>
+          <p:cNvSpPr txBox="1"/>
+          <p:nvPr/>
+        </p:nvSpPr>
+        <p:spPr>
+          <a:xfrm>
+            <a:off x="2406650" y="3603158"/>
+            <a:ext cx="7378700" cy="584775"/>
+          </a:xfrm>
+          <a:prstGeom prst="rect">
+            <a:avLst/>
+          </a:prstGeom>
+          <a:noFill/>
+        </p:spPr>
+        <p:txBody>
+          <a:bodyPr wrap="square" rtlCol="0">
+            <a:spAutoFit/>
+          </a:bodyPr>
+          <a:lstStyle/>
+          <a:p>
+            <a:pPr marL="457200" indent="-457200">
+              <a:buFont typeface="Arial" panose="020B0604020202020204" pitchFamily="34" charset="0"/>
+              <a:buChar char="•"/>
+            </a:pPr>
+            <a:r>
+              <a:rPr lang="en-US" sz="3200" dirty="0">
+                <a:latin typeface="Garamond" panose="02020404030301010803" pitchFamily="18" charset="0"/>
+              </a:rPr>
+              <a:t> </a:t>
+            </a:r>
+          </a:p>
+        </p:txBody>
+      </p:sp>
+      <p:sp>
+        <p:nvSpPr>
+          <p:cNvPr id="6" name="TextBox 5">
+            <a:extLst>
+              <a:ext uri="{FF2B5EF4-FFF2-40B4-BE49-F238E27FC236}">
+                <a16:creationId xmlns:a16="http://schemas.microsoft.com/office/drawing/2014/main" id="{3B54C456-7AA3-4E1D-E413-6D7F566C2696}"/>
+              </a:ext>
+            </a:extLst>
+          </p:cNvPr>
+          <p:cNvSpPr txBox="1"/>
+          <p:nvPr/>
+        </p:nvSpPr>
+        <p:spPr>
+          <a:xfrm>
+            <a:off x="2406650" y="5227827"/>
+            <a:ext cx="8807450" cy="584775"/>
+          </a:xfrm>
+          <a:prstGeom prst="rect">
+            <a:avLst/>
+          </a:prstGeom>
+          <a:noFill/>
+        </p:spPr>
+        <p:txBody>
+          <a:bodyPr wrap="square" rtlCol="0">
+            <a:spAutoFit/>
+          </a:bodyPr>
+          <a:lstStyle/>
+          <a:p>
+            <a:pPr marL="457200" indent="-457200">
+              <a:buFont typeface="Arial" panose="020B0604020202020204" pitchFamily="34" charset="0"/>
+              <a:buChar char="•"/>
+            </a:pPr>
+            <a:r>
+              <a:rPr lang="en-US" sz="3200" dirty="0">
+                <a:latin typeface="Garamond" panose="02020404030301010803" pitchFamily="18" charset="0"/>
+              </a:rPr>
+              <a:t> </a:t>
+            </a:r>
+          </a:p>
+        </p:txBody>
+      </p:sp>
+      <p:pic>
+        <p:nvPicPr>
+          <p:cNvPr id="4098" name="Picture 2" descr="Smiley Emoticons Icon Positive Neutral And Negative Vector Stock  Illustration - Download Image Now - iStock">
+            <a:extLst>
+              <a:ext uri="{FF2B5EF4-FFF2-40B4-BE49-F238E27FC236}">
+                <a16:creationId xmlns:a16="http://schemas.microsoft.com/office/drawing/2014/main" id="{C68ACAE4-B10B-8BF9-75C1-BD40FED4A643}"/>
+              </a:ext>
+            </a:extLst>
+          </p:cNvPr>
+          <p:cNvPicPr>
+            <a:picLocks noChangeAspect="1" noChangeArrowheads="1"/>
+          </p:cNvPicPr>
+          <p:nvPr/>
+        </p:nvPicPr>
+        <p:blipFill rotWithShape="1">
+          <a:blip r:embed="rId2">
+            <a:extLst>
+              <a:ext uri="{28A0092B-C50C-407E-A947-70E740481C1C}">
+                <a14:useLocalDpi xmlns:a14="http://schemas.microsoft.com/office/drawing/2010/main" val="0"/>
+              </a:ext>
+            </a:extLst>
+          </a:blip>
+          <a:srcRect t="32777" b="32963"/>
+          <a:stretch/>
+        </p:blipFill>
+        <p:spPr bwMode="auto">
+          <a:xfrm>
+            <a:off x="2997200" y="3233716"/>
+            <a:ext cx="3708400" cy="1270498"/>
+          </a:xfrm>
+          <a:prstGeom prst="rect">
+            <a:avLst/>
+          </a:prstGeom>
+          <a:noFill/>
+          <a:extLst>
+            <a:ext uri="{909E8E84-426E-40DD-AFC4-6F175D3DCCD1}">
+              <a14:hiddenFill xmlns:a14="http://schemas.microsoft.com/office/drawing/2010/main">
+                <a:solidFill>
+                  <a:srgbClr val="FFFFFF"/>
+                </a:solidFill>
+              </a14:hiddenFill>
+            </a:ext>
+          </a:extLst>
+        </p:spPr>
+      </p:pic>
+      <p:pic>
+        <p:nvPicPr>
+          <p:cNvPr id="4100" name="Picture 4">
+            <a:extLst>
+              <a:ext uri="{FF2B5EF4-FFF2-40B4-BE49-F238E27FC236}">
+                <a16:creationId xmlns:a16="http://schemas.microsoft.com/office/drawing/2014/main" id="{5F2111B3-806C-16B6-27B6-E5EDE2840434}"/>
+              </a:ext>
+            </a:extLst>
+          </p:cNvPr>
+          <p:cNvPicPr>
+            <a:picLocks noChangeAspect="1" noChangeArrowheads="1"/>
+          </p:cNvPicPr>
+          <p:nvPr/>
+        </p:nvPicPr>
+        <p:blipFill>
+          <a:blip r:embed="rId3">
+            <a:extLst>
+              <a:ext uri="{28A0092B-C50C-407E-A947-70E740481C1C}">
+                <a14:useLocalDpi xmlns:a14="http://schemas.microsoft.com/office/drawing/2010/main" val="0"/>
+              </a:ext>
+            </a:extLst>
+          </a:blip>
+          <a:srcRect/>
+          <a:stretch>
+            <a:fillRect/>
+          </a:stretch>
+        </p:blipFill>
+        <p:spPr bwMode="auto">
+          <a:xfrm>
+            <a:off x="2730500" y="1148428"/>
+            <a:ext cx="2032000" cy="2032000"/>
+          </a:xfrm>
+          <a:prstGeom prst="rect">
+            <a:avLst/>
+          </a:prstGeom>
+          <a:noFill/>
+          <a:extLst>
+            <a:ext uri="{909E8E84-426E-40DD-AFC4-6F175D3DCCD1}">
+              <a14:hiddenFill xmlns:a14="http://schemas.microsoft.com/office/drawing/2010/main">
+                <a:solidFill>
+                  <a:srgbClr val="FFFFFF"/>
+                </a:solidFill>
+              </a14:hiddenFill>
+            </a:ext>
+          </a:extLst>
+        </p:spPr>
+      </p:pic>
+      <p:pic>
+        <p:nvPicPr>
+          <p:cNvPr id="4108" name="Picture 12" descr="Apple Logo PNG Vector (SVG) Free Download">
+            <a:extLst>
+              <a:ext uri="{FF2B5EF4-FFF2-40B4-BE49-F238E27FC236}">
+                <a16:creationId xmlns:a16="http://schemas.microsoft.com/office/drawing/2014/main" id="{C1B91FD7-1F47-224B-D4E4-B117A81C89C3}"/>
+              </a:ext>
+            </a:extLst>
+          </p:cNvPr>
+          <p:cNvPicPr>
+            <a:picLocks noChangeAspect="1" noChangeArrowheads="1"/>
+          </p:cNvPicPr>
+          <p:nvPr/>
+        </p:nvPicPr>
+        <p:blipFill>
+          <a:blip r:embed="rId4">
+            <a:extLst>
+              <a:ext uri="{28A0092B-C50C-407E-A947-70E740481C1C}">
+                <a14:useLocalDpi xmlns:a14="http://schemas.microsoft.com/office/drawing/2010/main" val="0"/>
+              </a:ext>
+            </a:extLst>
+          </a:blip>
+          <a:srcRect/>
+          <a:stretch>
+            <a:fillRect/>
+          </a:stretch>
+        </p:blipFill>
+        <p:spPr bwMode="auto">
+          <a:xfrm>
+            <a:off x="2997200" y="4805839"/>
+            <a:ext cx="1162050" cy="1428750"/>
+          </a:xfrm>
+          <a:prstGeom prst="rect">
+            <a:avLst/>
+          </a:prstGeom>
+          <a:noFill/>
+          <a:extLst>
+            <a:ext uri="{909E8E84-426E-40DD-AFC4-6F175D3DCCD1}">
+              <a14:hiddenFill xmlns:a14="http://schemas.microsoft.com/office/drawing/2010/main">
+                <a:solidFill>
+                  <a:srgbClr val="FFFFFF"/>
+                </a:solidFill>
+              </a14:hiddenFill>
+            </a:ext>
+          </a:extLst>
+        </p:spPr>
+      </p:pic>
+      <p:pic>
+        <p:nvPicPr>
+          <p:cNvPr id="4110" name="Picture 14">
+            <a:extLst>
+              <a:ext uri="{FF2B5EF4-FFF2-40B4-BE49-F238E27FC236}">
+                <a16:creationId xmlns:a16="http://schemas.microsoft.com/office/drawing/2014/main" id="{FD105DB3-A91B-25A9-3DEC-4F1EFEEACD3A}"/>
+              </a:ext>
+            </a:extLst>
+          </p:cNvPr>
+          <p:cNvPicPr>
+            <a:picLocks noChangeAspect="1" noChangeArrowheads="1"/>
+          </p:cNvPicPr>
+          <p:nvPr/>
+        </p:nvPicPr>
+        <p:blipFill>
+          <a:blip r:embed="rId5">
+            <a:extLst>
+              <a:ext uri="{28A0092B-C50C-407E-A947-70E740481C1C}">
+                <a14:useLocalDpi xmlns:a14="http://schemas.microsoft.com/office/drawing/2010/main" val="0"/>
+              </a:ext>
+            </a:extLst>
+          </a:blip>
+          <a:srcRect/>
+          <a:stretch>
+            <a:fillRect/>
+          </a:stretch>
+        </p:blipFill>
+        <p:spPr bwMode="auto">
+          <a:xfrm>
+            <a:off x="4921250" y="4821903"/>
+            <a:ext cx="1524000" cy="1524000"/>
+          </a:xfrm>
+          <a:prstGeom prst="rect">
+            <a:avLst/>
+          </a:prstGeom>
+          <a:noFill/>
+          <a:extLst>
+            <a:ext uri="{909E8E84-426E-40DD-AFC4-6F175D3DCCD1}">
+              <a14:hiddenFill xmlns:a14="http://schemas.microsoft.com/office/drawing/2010/main">
+                <a:solidFill>
+                  <a:srgbClr val="FFFFFF"/>
+                </a:solidFill>
+              </a14:hiddenFill>
+            </a:ext>
+          </a:extLst>
+        </p:spPr>
+      </p:pic>
+    </p:spTree>
+    <p:extLst>
+      <p:ext uri="{BB962C8B-B14F-4D97-AF65-F5344CB8AC3E}">
+        <p14:creationId xmlns:p14="http://schemas.microsoft.com/office/powerpoint/2010/main" val="4141209850"/>
+      </p:ext>
+    </p:extLst>
+  </p:cSld>
+  <p:clrMapOvr>
+    <a:masterClrMapping/>
+  </p:clrMapOvr>
+</p:sld>
+</file>
+
+<file path=ppt/slides/slide6.xml><?xml version="1.0" encoding="utf-8"?>
+<p:sld xmlns:a="http://schemas.openxmlformats.org/drawingml/2006/main" xmlns:r="http://schemas.openxmlformats.org/officeDocument/2006/relationships" xmlns:p="http://schemas.openxmlformats.org/presentationml/2006/main">
+  <p:cSld>
+    <p:spTree>
+      <p:nvGrpSpPr>
+        <p:cNvPr id="1" name=""/>
+        <p:cNvGrpSpPr/>
+        <p:nvPr/>
+      </p:nvGrpSpPr>
+      <p:grpSpPr>
+        <a:xfrm>
+          <a:off x="0" y="0"/>
+          <a:ext cx="0" cy="0"/>
+          <a:chOff x="0" y="0"/>
+          <a:chExt cx="0" cy="0"/>
+        </a:xfrm>
+      </p:grpSpPr>
+      <p:sp>
+        <p:nvSpPr>
+          <p:cNvPr id="2" name="Title 1">
+            <a:extLst>
+              <a:ext uri="{FF2B5EF4-FFF2-40B4-BE49-F238E27FC236}">
                 <a16:creationId xmlns:a16="http://schemas.microsoft.com/office/drawing/2014/main" id="{A1B8A32E-EB10-A5B9-9C0E-BA7D57CC0659}"/>
               </a:ext>
             </a:extLst>
@@ -4244,7 +4645,7 @@
 </p:sld>
 </file>
 
-<file path=ppt/slides/slide6.xml><?xml version="1.0" encoding="utf-8"?>
+<file path=ppt/slides/slide7.xml><?xml version="1.0" encoding="utf-8"?>
 <p:sld xmlns:a="http://schemas.openxmlformats.org/drawingml/2006/main" xmlns:r="http://schemas.openxmlformats.org/officeDocument/2006/relationships" xmlns:p="http://schemas.openxmlformats.org/presentationml/2006/main">
   <p:cSld>
     <p:spTree>

--- a/presentation.pptx
+++ b/presentation.pptx
@@ -9,9 +9,13 @@
     <p:sldId id="257" r:id="rId3"/>
     <p:sldId id="261" r:id="rId4"/>
     <p:sldId id="262" r:id="rId5"/>
-    <p:sldId id="263" r:id="rId6"/>
-    <p:sldId id="259" r:id="rId7"/>
-    <p:sldId id="260" r:id="rId8"/>
+    <p:sldId id="268" r:id="rId6"/>
+    <p:sldId id="269" r:id="rId7"/>
+    <p:sldId id="263" r:id="rId8"/>
+    <p:sldId id="264" r:id="rId9"/>
+    <p:sldId id="266" r:id="rId10"/>
+    <p:sldId id="267" r:id="rId11"/>
+    <p:sldId id="265" r:id="rId12"/>
   </p:sldIdLst>
   <p:sldSz cx="12192000" cy="6858000"/>
   <p:notesSz cx="6858000" cy="9144000"/>
@@ -3457,10 +3461,449 @@
           </a:p>
         </p:txBody>
       </p:sp>
+      <p:pic>
+        <p:nvPicPr>
+          <p:cNvPr id="1032" name="Picture 8" descr="Texas Icons - Free SVG &amp; PNG Texas Images - Noun Project">
+            <a:extLst>
+              <a:ext uri="{FF2B5EF4-FFF2-40B4-BE49-F238E27FC236}">
+                <a16:creationId xmlns:a16="http://schemas.microsoft.com/office/drawing/2014/main" id="{07234330-94B6-3DC2-CDFE-3E9F99C0FF24}"/>
+              </a:ext>
+            </a:extLst>
+          </p:cNvPr>
+          <p:cNvPicPr>
+            <a:picLocks noChangeAspect="1" noChangeArrowheads="1"/>
+          </p:cNvPicPr>
+          <p:nvPr/>
+        </p:nvPicPr>
+        <p:blipFill rotWithShape="1">
+          <a:blip r:embed="rId2">
+            <a:extLst>
+              <a:ext uri="{28A0092B-C50C-407E-A947-70E740481C1C}">
+                <a14:useLocalDpi xmlns:a14="http://schemas.microsoft.com/office/drawing/2010/main" val="0"/>
+              </a:ext>
+            </a:extLst>
+          </a:blip>
+          <a:srcRect r="13125"/>
+          <a:stretch/>
+        </p:blipFill>
+        <p:spPr bwMode="auto">
+          <a:xfrm>
+            <a:off x="4826000" y="3302000"/>
+            <a:ext cx="2206625" cy="2540000"/>
+          </a:xfrm>
+          <a:prstGeom prst="rect">
+            <a:avLst/>
+          </a:prstGeom>
+          <a:noFill/>
+          <a:extLst>
+            <a:ext uri="{909E8E84-426E-40DD-AFC4-6F175D3DCCD1}">
+              <a14:hiddenFill xmlns:a14="http://schemas.microsoft.com/office/drawing/2010/main">
+                <a:solidFill>
+                  <a:srgbClr val="FFFFFF"/>
+                </a:solidFill>
+              </a14:hiddenFill>
+            </a:ext>
+          </a:extLst>
+        </p:spPr>
+      </p:pic>
+      <p:pic>
+        <p:nvPicPr>
+          <p:cNvPr id="1042" name="Picture 18" descr="apple logo png 17221836 PNG">
+            <a:extLst>
+              <a:ext uri="{FF2B5EF4-FFF2-40B4-BE49-F238E27FC236}">
+                <a16:creationId xmlns:a16="http://schemas.microsoft.com/office/drawing/2014/main" id="{2F5DB445-4619-D014-E402-1E11DC71E2F9}"/>
+              </a:ext>
+            </a:extLst>
+          </p:cNvPr>
+          <p:cNvPicPr>
+            <a:picLocks noChangeAspect="1" noChangeArrowheads="1"/>
+          </p:cNvPicPr>
+          <p:nvPr/>
+        </p:nvPicPr>
+        <p:blipFill rotWithShape="1">
+          <a:blip r:embed="rId3">
+            <a:extLst>
+              <a:ext uri="{28A0092B-C50C-407E-A947-70E740481C1C}">
+                <a14:useLocalDpi xmlns:a14="http://schemas.microsoft.com/office/drawing/2010/main" val="0"/>
+              </a:ext>
+            </a:extLst>
+          </a:blip>
+          <a:srcRect l="43290" b="23006"/>
+          <a:stretch/>
+        </p:blipFill>
+        <p:spPr bwMode="auto">
+          <a:xfrm>
+            <a:off x="6438900" y="3352800"/>
+            <a:ext cx="1164590" cy="1581150"/>
+          </a:xfrm>
+          <a:prstGeom prst="rect">
+            <a:avLst/>
+          </a:prstGeom>
+          <a:noFill/>
+          <a:extLst>
+            <a:ext uri="{909E8E84-426E-40DD-AFC4-6F175D3DCCD1}">
+              <a14:hiddenFill xmlns:a14="http://schemas.microsoft.com/office/drawing/2010/main">
+                <a:solidFill>
+                  <a:srgbClr val="FFFFFF"/>
+                </a:solidFill>
+              </a14:hiddenFill>
+            </a:ext>
+          </a:extLst>
+        </p:spPr>
+      </p:pic>
     </p:spTree>
     <p:extLst>
       <p:ext uri="{BB962C8B-B14F-4D97-AF65-F5344CB8AC3E}">
         <p14:creationId xmlns:p14="http://schemas.microsoft.com/office/powerpoint/2010/main" val="3550184879"/>
+      </p:ext>
+    </p:extLst>
+  </p:cSld>
+  <p:clrMapOvr>
+    <a:masterClrMapping/>
+  </p:clrMapOvr>
+</p:sld>
+</file>
+
+<file path=ppt/slides/slide10.xml><?xml version="1.0" encoding="utf-8"?>
+<p:sld xmlns:a="http://schemas.openxmlformats.org/drawingml/2006/main" xmlns:r="http://schemas.openxmlformats.org/officeDocument/2006/relationships" xmlns:p="http://schemas.openxmlformats.org/presentationml/2006/main">
+  <p:cSld>
+    <p:spTree>
+      <p:nvGrpSpPr>
+        <p:cNvPr id="1" name=""/>
+        <p:cNvGrpSpPr/>
+        <p:nvPr/>
+      </p:nvGrpSpPr>
+      <p:grpSpPr>
+        <a:xfrm>
+          <a:off x="0" y="0"/>
+          <a:ext cx="0" cy="0"/>
+          <a:chOff x="0" y="0"/>
+          <a:chExt cx="0" cy="0"/>
+        </a:xfrm>
+      </p:grpSpPr>
+      <p:sp>
+        <p:nvSpPr>
+          <p:cNvPr id="2" name="Title 1">
+            <a:extLst>
+              <a:ext uri="{FF2B5EF4-FFF2-40B4-BE49-F238E27FC236}">
+                <a16:creationId xmlns:a16="http://schemas.microsoft.com/office/drawing/2014/main" id="{DCCA6408-7B66-0D9A-6DCA-8E1D30EE108F}"/>
+              </a:ext>
+            </a:extLst>
+          </p:cNvPr>
+          <p:cNvSpPr>
+            <a:spLocks noGrp="1"/>
+          </p:cNvSpPr>
+          <p:nvPr>
+            <p:ph type="title"/>
+          </p:nvPr>
+        </p:nvSpPr>
+        <p:spPr/>
+        <p:txBody>
+          <a:bodyPr>
+            <a:normAutofit/>
+          </a:bodyPr>
+          <a:lstStyle/>
+          <a:p>
+            <a:pPr algn="ctr"/>
+            <a:r>
+              <a:rPr lang="en-US" sz="4800" b="1" dirty="0">
+                <a:latin typeface="Garamond" panose="02020404030301010803" pitchFamily="18" charset="0"/>
+              </a:rPr>
+              <a:t>Further Inquiry</a:t>
+            </a:r>
+          </a:p>
+        </p:txBody>
+      </p:sp>
+    </p:spTree>
+    <p:extLst>
+      <p:ext uri="{BB962C8B-B14F-4D97-AF65-F5344CB8AC3E}">
+        <p14:creationId xmlns:p14="http://schemas.microsoft.com/office/powerpoint/2010/main" val="4172983938"/>
+      </p:ext>
+    </p:extLst>
+  </p:cSld>
+  <p:clrMapOvr>
+    <a:masterClrMapping/>
+  </p:clrMapOvr>
+</p:sld>
+</file>
+
+<file path=ppt/slides/slide11.xml><?xml version="1.0" encoding="utf-8"?>
+<p:sld xmlns:a="http://schemas.openxmlformats.org/drawingml/2006/main" xmlns:r="http://schemas.openxmlformats.org/officeDocument/2006/relationships" xmlns:p="http://schemas.openxmlformats.org/presentationml/2006/main">
+  <p:cSld>
+    <p:spTree>
+      <p:nvGrpSpPr>
+        <p:cNvPr id="1" name=""/>
+        <p:cNvGrpSpPr/>
+        <p:nvPr/>
+      </p:nvGrpSpPr>
+      <p:grpSpPr>
+        <a:xfrm>
+          <a:off x="0" y="0"/>
+          <a:ext cx="0" cy="0"/>
+          <a:chOff x="0" y="0"/>
+          <a:chExt cx="0" cy="0"/>
+        </a:xfrm>
+      </p:grpSpPr>
+      <p:sp>
+        <p:nvSpPr>
+          <p:cNvPr id="3" name="TextBox 2">
+            <a:extLst>
+              <a:ext uri="{FF2B5EF4-FFF2-40B4-BE49-F238E27FC236}">
+                <a16:creationId xmlns:a16="http://schemas.microsoft.com/office/drawing/2014/main" id="{3793EAED-75FE-3FCA-B719-3E3F092C6C7A}"/>
+              </a:ext>
+            </a:extLst>
+          </p:cNvPr>
+          <p:cNvSpPr txBox="1"/>
+          <p:nvPr/>
+        </p:nvSpPr>
+        <p:spPr>
+          <a:xfrm>
+            <a:off x="5303154" y="6067994"/>
+            <a:ext cx="1585692" cy="276999"/>
+          </a:xfrm>
+          <a:prstGeom prst="rect">
+            <a:avLst/>
+          </a:prstGeom>
+        </p:spPr>
+        <p:style>
+          <a:lnRef idx="2">
+            <a:schemeClr val="dk1"/>
+          </a:lnRef>
+          <a:fillRef idx="1">
+            <a:schemeClr val="lt1"/>
+          </a:fillRef>
+          <a:effectRef idx="0">
+            <a:schemeClr val="dk1"/>
+          </a:effectRef>
+          <a:fontRef idx="minor">
+            <a:schemeClr val="dk1"/>
+          </a:fontRef>
+        </p:style>
+        <p:txBody>
+          <a:bodyPr wrap="none" rtlCol="0">
+            <a:spAutoFit/>
+          </a:bodyPr>
+          <a:lstStyle/>
+          <a:p>
+            <a:pPr algn="ctr"/>
+            <a:r>
+              <a:rPr lang="en-US" sz="1200" dirty="0">
+                <a:latin typeface="Garamond" panose="02020404030301010803" pitchFamily="18" charset="0"/>
+              </a:rPr>
+              <a:t>Aaron Galbraith • 2023</a:t>
+            </a:r>
+          </a:p>
+        </p:txBody>
+      </p:sp>
+      <p:sp>
+        <p:nvSpPr>
+          <p:cNvPr id="4" name="TextBox 3">
+            <a:extLst>
+              <a:ext uri="{FF2B5EF4-FFF2-40B4-BE49-F238E27FC236}">
+                <a16:creationId xmlns:a16="http://schemas.microsoft.com/office/drawing/2014/main" id="{8B4987AB-B7D3-0D16-0A5B-8A6D98F84A4D}"/>
+              </a:ext>
+            </a:extLst>
+          </p:cNvPr>
+          <p:cNvSpPr txBox="1"/>
+          <p:nvPr/>
+        </p:nvSpPr>
+        <p:spPr>
+          <a:xfrm>
+            <a:off x="4896152" y="6436294"/>
+            <a:ext cx="2399696" cy="276999"/>
+          </a:xfrm>
+          <a:prstGeom prst="rect">
+            <a:avLst/>
+          </a:prstGeom>
+        </p:spPr>
+        <p:style>
+          <a:lnRef idx="2">
+            <a:schemeClr val="dk1"/>
+          </a:lnRef>
+          <a:fillRef idx="1">
+            <a:schemeClr val="lt1"/>
+          </a:fillRef>
+          <a:effectRef idx="0">
+            <a:schemeClr val="dk1"/>
+          </a:effectRef>
+          <a:fontRef idx="minor">
+            <a:schemeClr val="dk1"/>
+          </a:fontRef>
+        </p:style>
+        <p:txBody>
+          <a:bodyPr wrap="none" rtlCol="0">
+            <a:spAutoFit/>
+          </a:bodyPr>
+          <a:lstStyle/>
+          <a:p>
+            <a:pPr algn="ctr"/>
+            <a:r>
+              <a:rPr lang="en-US" sz="1200" dirty="0" err="1"/>
+              <a:t>www.linkedin.com</a:t>
+            </a:r>
+            <a:r>
+              <a:rPr lang="en-US" sz="1200" dirty="0"/>
+              <a:t>/in/</a:t>
+            </a:r>
+            <a:r>
+              <a:rPr lang="en-US" sz="1200" dirty="0" err="1"/>
+              <a:t>aarongalbraith</a:t>
+            </a:r>
+            <a:endParaRPr lang="en-US" sz="1200" dirty="0"/>
+          </a:p>
+        </p:txBody>
+      </p:sp>
+      <p:sp>
+        <p:nvSpPr>
+          <p:cNvPr id="5" name="Title 1">
+            <a:extLst>
+              <a:ext uri="{FF2B5EF4-FFF2-40B4-BE49-F238E27FC236}">
+                <a16:creationId xmlns:a16="http://schemas.microsoft.com/office/drawing/2014/main" id="{18B38B8F-0451-13D6-D1FB-6ED1C7475728}"/>
+              </a:ext>
+            </a:extLst>
+          </p:cNvPr>
+          <p:cNvSpPr txBox="1">
+            <a:spLocks/>
+          </p:cNvSpPr>
+          <p:nvPr/>
+        </p:nvSpPr>
+        <p:spPr>
+          <a:xfrm>
+            <a:off x="3444423" y="2275681"/>
+            <a:ext cx="5303154" cy="1189037"/>
+          </a:xfrm>
+          <a:prstGeom prst="rect">
+            <a:avLst/>
+          </a:prstGeom>
+        </p:spPr>
+        <p:txBody>
+          <a:bodyPr vert="horz" lIns="91440" tIns="45720" rIns="91440" bIns="45720" rtlCol="0" anchor="ctr">
+            <a:normAutofit/>
+          </a:bodyPr>
+          <a:lstStyle>
+            <a:lvl1pPr algn="l" defTabSz="914400" rtl="0" eaLnBrk="1" latinLnBrk="0" hangingPunct="1">
+              <a:lnSpc>
+                <a:spcPct val="90000"/>
+              </a:lnSpc>
+              <a:spcBef>
+                <a:spcPct val="0"/>
+              </a:spcBef>
+              <a:buNone/>
+              <a:defRPr sz="4400" kern="1200">
+                <a:solidFill>
+                  <a:schemeClr val="tx1"/>
+                </a:solidFill>
+                <a:latin typeface="+mj-lt"/>
+                <a:ea typeface="+mj-ea"/>
+                <a:cs typeface="+mj-cs"/>
+              </a:defRPr>
+            </a:lvl1pPr>
+          </a:lstStyle>
+          <a:p>
+            <a:pPr algn="ctr"/>
+            <a:r>
+              <a:rPr lang="en-US" sz="3200" b="1" dirty="0">
+                <a:latin typeface="Garamond" panose="02020404030301010803" pitchFamily="18" charset="0"/>
+              </a:rPr>
+              <a:t>Thank you</a:t>
+            </a:r>
+          </a:p>
+        </p:txBody>
+      </p:sp>
+      <p:pic>
+        <p:nvPicPr>
+          <p:cNvPr id="8" name="Picture 8" descr="Texas Icons - Free SVG &amp; PNG Texas Images - Noun Project">
+            <a:extLst>
+              <a:ext uri="{FF2B5EF4-FFF2-40B4-BE49-F238E27FC236}">
+                <a16:creationId xmlns:a16="http://schemas.microsoft.com/office/drawing/2014/main" id="{34C570C4-164F-CA6C-D89D-CAFB18B60335}"/>
+              </a:ext>
+            </a:extLst>
+          </p:cNvPr>
+          <p:cNvPicPr>
+            <a:picLocks noChangeAspect="1" noChangeArrowheads="1"/>
+          </p:cNvPicPr>
+          <p:nvPr/>
+        </p:nvPicPr>
+        <p:blipFill rotWithShape="1">
+          <a:blip r:embed="rId2">
+            <a:extLst>
+              <a:ext uri="{28A0092B-C50C-407E-A947-70E740481C1C}">
+                <a14:useLocalDpi xmlns:a14="http://schemas.microsoft.com/office/drawing/2010/main" val="0"/>
+              </a:ext>
+            </a:extLst>
+          </a:blip>
+          <a:srcRect r="13125"/>
+          <a:stretch/>
+        </p:blipFill>
+        <p:spPr bwMode="auto">
+          <a:xfrm>
+            <a:off x="4826000" y="3302000"/>
+            <a:ext cx="2206625" cy="2540000"/>
+          </a:xfrm>
+          <a:prstGeom prst="rect">
+            <a:avLst/>
+          </a:prstGeom>
+          <a:noFill/>
+          <a:extLst>
+            <a:ext uri="{909E8E84-426E-40DD-AFC4-6F175D3DCCD1}">
+              <a14:hiddenFill xmlns:a14="http://schemas.microsoft.com/office/drawing/2010/main">
+                <a:solidFill>
+                  <a:srgbClr val="FFFFFF"/>
+                </a:solidFill>
+              </a14:hiddenFill>
+            </a:ext>
+          </a:extLst>
+        </p:spPr>
+      </p:pic>
+      <p:pic>
+        <p:nvPicPr>
+          <p:cNvPr id="9" name="Picture 18" descr="apple logo png 17221836 PNG">
+            <a:extLst>
+              <a:ext uri="{FF2B5EF4-FFF2-40B4-BE49-F238E27FC236}">
+                <a16:creationId xmlns:a16="http://schemas.microsoft.com/office/drawing/2014/main" id="{B6713056-1DFE-C040-642D-4683BF72A240}"/>
+              </a:ext>
+            </a:extLst>
+          </p:cNvPr>
+          <p:cNvPicPr>
+            <a:picLocks noChangeAspect="1" noChangeArrowheads="1"/>
+          </p:cNvPicPr>
+          <p:nvPr/>
+        </p:nvPicPr>
+        <p:blipFill rotWithShape="1">
+          <a:blip r:embed="rId3">
+            <a:extLst>
+              <a:ext uri="{28A0092B-C50C-407E-A947-70E740481C1C}">
+                <a14:useLocalDpi xmlns:a14="http://schemas.microsoft.com/office/drawing/2010/main" val="0"/>
+              </a:ext>
+            </a:extLst>
+          </a:blip>
+          <a:srcRect l="44991" b="23006"/>
+          <a:stretch/>
+        </p:blipFill>
+        <p:spPr bwMode="auto">
+          <a:xfrm>
+            <a:off x="6473824" y="3352800"/>
+            <a:ext cx="1129665" cy="1581150"/>
+          </a:xfrm>
+          <a:prstGeom prst="rect">
+            <a:avLst/>
+          </a:prstGeom>
+          <a:noFill/>
+          <a:extLst>
+            <a:ext uri="{909E8E84-426E-40DD-AFC4-6F175D3DCCD1}">
+              <a14:hiddenFill xmlns:a14="http://schemas.microsoft.com/office/drawing/2010/main">
+                <a:solidFill>
+                  <a:srgbClr val="FFFFFF"/>
+                </a:solidFill>
+              </a14:hiddenFill>
+            </a:ext>
+          </a:extLst>
+        </p:spPr>
+      </p:pic>
+    </p:spTree>
+    <p:extLst>
+      <p:ext uri="{BB962C8B-B14F-4D97-AF65-F5344CB8AC3E}">
+        <p14:creationId xmlns:p14="http://schemas.microsoft.com/office/powerpoint/2010/main" val="2013377400"/>
       </p:ext>
     </p:extLst>
   </p:cSld>
@@ -3812,6 +4255,53 @@
           </a:p>
         </p:txBody>
       </p:sp>
+      <p:pic>
+        <p:nvPicPr>
+          <p:cNvPr id="4100" name="Picture 4">
+            <a:extLst>
+              <a:ext uri="{FF2B5EF4-FFF2-40B4-BE49-F238E27FC236}">
+                <a16:creationId xmlns:a16="http://schemas.microsoft.com/office/drawing/2014/main" id="{5F2111B3-806C-16B6-27B6-E5EDE2840434}"/>
+              </a:ext>
+            </a:extLst>
+          </p:cNvPr>
+          <p:cNvPicPr>
+            <a:picLocks noChangeAspect="1" noChangeArrowheads="1"/>
+          </p:cNvPicPr>
+          <p:nvPr/>
+        </p:nvPicPr>
+        <p:blipFill>
+          <a:blip r:embed="rId2">
+            <a:extLst>
+              <a:ext uri="{28A0092B-C50C-407E-A947-70E740481C1C}">
+                <a14:useLocalDpi xmlns:a14="http://schemas.microsoft.com/office/drawing/2010/main" val="0"/>
+              </a:ext>
+            </a:extLst>
+          </a:blip>
+          <a:srcRect/>
+          <a:stretch>
+            <a:fillRect/>
+          </a:stretch>
+        </p:blipFill>
+        <p:spPr bwMode="auto">
+          <a:xfrm>
+            <a:off x="3860800" y="1110328"/>
+            <a:ext cx="2479040" cy="2479040"/>
+          </a:xfrm>
+          <a:prstGeom prst="rect">
+            <a:avLst/>
+          </a:prstGeom>
+          <a:noFill/>
+          <a:extLst>
+            <a:ext uri="{909E8E84-426E-40DD-AFC4-6F175D3DCCD1}">
+              <a14:hiddenFill xmlns:a14="http://schemas.microsoft.com/office/drawing/2010/main">
+                <a:solidFill>
+                  <a:srgbClr val="FFFFFF"/>
+                </a:solidFill>
+              </a14:hiddenFill>
+            </a:ext>
+          </a:extLst>
+        </p:spPr>
+      </p:pic>
       <p:sp>
         <p:nvSpPr>
           <p:cNvPr id="3" name="TextBox 2">
@@ -3826,7 +4316,7 @@
         </p:nvSpPr>
         <p:spPr>
           <a:xfrm>
-            <a:off x="2406650" y="1872040"/>
+            <a:off x="3714750" y="1986340"/>
             <a:ext cx="7378700" cy="584775"/>
           </a:xfrm>
           <a:prstGeom prst="rect">
@@ -3848,10 +4338,22 @@
               <a:rPr lang="en-US" sz="3200" dirty="0">
                 <a:latin typeface="Garamond" panose="02020404030301010803" pitchFamily="18" charset="0"/>
               </a:rPr>
-              <a:t>                 #</a:t>
-            </a:r>
-            <a:r>
-              <a:rPr lang="en-US" sz="3200" dirty="0" err="1">
+              <a:t>   </a:t>
+            </a:r>
+            <a:r>
+              <a:rPr lang="en-US" sz="3200" b="1" dirty="0">
+                <a:solidFill>
+                  <a:schemeClr val="bg1"/>
+                </a:solidFill>
+                <a:latin typeface="Garamond" panose="02020404030301010803" pitchFamily="18" charset="0"/>
+              </a:rPr>
+              <a:t>#</a:t>
+            </a:r>
+            <a:r>
+              <a:rPr lang="en-US" sz="3200" b="1" dirty="0" err="1">
+                <a:solidFill>
+                  <a:schemeClr val="bg1"/>
+                </a:solidFill>
                 <a:latin typeface="Garamond" panose="02020404030301010803" pitchFamily="18" charset="0"/>
               </a:rPr>
               <a:t>sxsw</a:t>
@@ -3870,7 +4372,7 @@
                 <a:effectLst/>
                 <a:latin typeface="Garamond" panose="02020404030301010803" pitchFamily="18" charset="0"/>
               </a:rPr>
-              <a:t>×</a:t>
+              <a:t>× </a:t>
             </a:r>
             <a:r>
               <a:rPr lang="en-US" sz="3200" dirty="0">
@@ -3895,7 +4397,7 @@
         </p:nvSpPr>
         <p:spPr>
           <a:xfrm>
-            <a:off x="2406650" y="3603158"/>
+            <a:off x="3714750" y="3717458"/>
             <a:ext cx="7378700" cy="584775"/>
           </a:xfrm>
           <a:prstGeom prst="rect">
@@ -3936,7 +4438,7 @@
         </p:nvSpPr>
         <p:spPr>
           <a:xfrm>
-            <a:off x="2406650" y="5227827"/>
+            <a:off x="3714750" y="5342127"/>
             <a:ext cx="8807450" cy="584775"/>
           </a:xfrm>
           <a:prstGeom prst="rect">
@@ -3978,7 +4480,7 @@
           <p:nvPr/>
         </p:nvPicPr>
         <p:blipFill rotWithShape="1">
-          <a:blip r:embed="rId2">
+          <a:blip r:embed="rId3">
             <a:extLst>
               <a:ext uri="{28A0092B-C50C-407E-A947-70E740481C1C}">
                 <a14:useLocalDpi xmlns:a14="http://schemas.microsoft.com/office/drawing/2010/main" val="0"/>
@@ -3990,7 +4492,7 @@
         </p:blipFill>
         <p:spPr bwMode="auto">
           <a:xfrm>
-            <a:off x="2997200" y="3233716"/>
+            <a:off x="4305300" y="3348016"/>
             <a:ext cx="3708400" cy="1270498"/>
           </a:xfrm>
           <a:prstGeom prst="rect">
@@ -4010,10 +4512,10 @@
       </p:pic>
       <p:pic>
         <p:nvPicPr>
-          <p:cNvPr id="4100" name="Picture 4">
-            <a:extLst>
-              <a:ext uri="{FF2B5EF4-FFF2-40B4-BE49-F238E27FC236}">
-                <a16:creationId xmlns:a16="http://schemas.microsoft.com/office/drawing/2014/main" id="{5F2111B3-806C-16B6-27B6-E5EDE2840434}"/>
+          <p:cNvPr id="4108" name="Picture 12" descr="Apple Logo PNG Vector (SVG) Free Download">
+            <a:extLst>
+              <a:ext uri="{FF2B5EF4-FFF2-40B4-BE49-F238E27FC236}">
+                <a16:creationId xmlns:a16="http://schemas.microsoft.com/office/drawing/2014/main" id="{C1B91FD7-1F47-224B-D4E4-B117A81C89C3}"/>
               </a:ext>
             </a:extLst>
           </p:cNvPr>
@@ -4023,7 +4525,7 @@
           <p:nvPr/>
         </p:nvPicPr>
         <p:blipFill>
-          <a:blip r:embed="rId3">
+          <a:blip r:embed="rId4">
             <a:extLst>
               <a:ext uri="{28A0092B-C50C-407E-A947-70E740481C1C}">
                 <a14:useLocalDpi xmlns:a14="http://schemas.microsoft.com/office/drawing/2010/main" val="0"/>
@@ -4037,54 +4539,7 @@
         </p:blipFill>
         <p:spPr bwMode="auto">
           <a:xfrm>
-            <a:off x="2730500" y="1148428"/>
-            <a:ext cx="2032000" cy="2032000"/>
-          </a:xfrm>
-          <a:prstGeom prst="rect">
-            <a:avLst/>
-          </a:prstGeom>
-          <a:noFill/>
-          <a:extLst>
-            <a:ext uri="{909E8E84-426E-40DD-AFC4-6F175D3DCCD1}">
-              <a14:hiddenFill xmlns:a14="http://schemas.microsoft.com/office/drawing/2010/main">
-                <a:solidFill>
-                  <a:srgbClr val="FFFFFF"/>
-                </a:solidFill>
-              </a14:hiddenFill>
-            </a:ext>
-          </a:extLst>
-        </p:spPr>
-      </p:pic>
-      <p:pic>
-        <p:nvPicPr>
-          <p:cNvPr id="4108" name="Picture 12" descr="Apple Logo PNG Vector (SVG) Free Download">
-            <a:extLst>
-              <a:ext uri="{FF2B5EF4-FFF2-40B4-BE49-F238E27FC236}">
-                <a16:creationId xmlns:a16="http://schemas.microsoft.com/office/drawing/2014/main" id="{C1B91FD7-1F47-224B-D4E4-B117A81C89C3}"/>
-              </a:ext>
-            </a:extLst>
-          </p:cNvPr>
-          <p:cNvPicPr>
-            <a:picLocks noChangeAspect="1" noChangeArrowheads="1"/>
-          </p:cNvPicPr>
-          <p:nvPr/>
-        </p:nvPicPr>
-        <p:blipFill>
-          <a:blip r:embed="rId4">
-            <a:extLst>
-              <a:ext uri="{28A0092B-C50C-407E-A947-70E740481C1C}">
-                <a14:useLocalDpi xmlns:a14="http://schemas.microsoft.com/office/drawing/2010/main" val="0"/>
-              </a:ext>
-            </a:extLst>
-          </a:blip>
-          <a:srcRect/>
-          <a:stretch>
-            <a:fillRect/>
-          </a:stretch>
-        </p:blipFill>
-        <p:spPr bwMode="auto">
-          <a:xfrm>
-            <a:off x="2997200" y="4805839"/>
+            <a:off x="4305300" y="4920139"/>
             <a:ext cx="1162050" cy="1428750"/>
           </a:xfrm>
           <a:prstGeom prst="rect">
@@ -4131,7 +4586,7 @@
         </p:blipFill>
         <p:spPr bwMode="auto">
           <a:xfrm>
-            <a:off x="4921250" y="4821903"/>
+            <a:off x="6229350" y="4936203"/>
             <a:ext cx="1524000" cy="1524000"/>
           </a:xfrm>
           <a:prstGeom prst="rect">
@@ -4207,213 +4662,17 @@
               <a:rPr lang="en-US" sz="4800" b="1" dirty="0">
                 <a:latin typeface="Garamond" panose="02020404030301010803" pitchFamily="18" charset="0"/>
               </a:rPr>
-              <a:t>Methods</a:t>
-            </a:r>
-          </a:p>
-        </p:txBody>
-      </p:sp>
-      <p:sp>
-        <p:nvSpPr>
-          <p:cNvPr id="3" name="TextBox 2">
-            <a:extLst>
-              <a:ext uri="{FF2B5EF4-FFF2-40B4-BE49-F238E27FC236}">
-                <a16:creationId xmlns:a16="http://schemas.microsoft.com/office/drawing/2014/main" id="{31B11DEF-156D-A95B-9A97-B134AB875250}"/>
-              </a:ext>
-            </a:extLst>
-          </p:cNvPr>
-          <p:cNvSpPr txBox="1"/>
-          <p:nvPr/>
-        </p:nvSpPr>
-        <p:spPr>
-          <a:xfrm>
-            <a:off x="2406650" y="1872040"/>
-            <a:ext cx="7378700" cy="584775"/>
-          </a:xfrm>
-          <a:prstGeom prst="rect">
-            <a:avLst/>
-          </a:prstGeom>
-          <a:noFill/>
-        </p:spPr>
-        <p:txBody>
-          <a:bodyPr wrap="square" rtlCol="0">
-            <a:spAutoFit/>
-          </a:bodyPr>
-          <a:lstStyle/>
-          <a:p>
-            <a:pPr marL="457200" indent="-457200">
-              <a:buFont typeface="Arial" panose="020B0604020202020204" pitchFamily="34" charset="0"/>
-              <a:buChar char="•"/>
-            </a:pPr>
-            <a:r>
-              <a:rPr lang="en-US" sz="3200" dirty="0">
-                <a:latin typeface="Garamond" panose="02020404030301010803" pitchFamily="18" charset="0"/>
-              </a:rPr>
-              <a:t>                 #</a:t>
-            </a:r>
-            <a:r>
-              <a:rPr lang="en-US" sz="3200" dirty="0" err="1">
-                <a:latin typeface="Garamond" panose="02020404030301010803" pitchFamily="18" charset="0"/>
-              </a:rPr>
-              <a:t>sxsw</a:t>
-            </a:r>
-            <a:r>
-              <a:rPr lang="en-US" sz="3200" dirty="0">
-                <a:latin typeface="Garamond" panose="02020404030301010803" pitchFamily="18" charset="0"/>
-              </a:rPr>
-              <a:t>   </a:t>
-            </a:r>
-            <a:r>
-              <a:rPr lang="en-US" sz="3200" b="0" i="0" dirty="0">
-                <a:solidFill>
-                  <a:srgbClr val="202122"/>
-                </a:solidFill>
-                <a:effectLst/>
-                <a:latin typeface="Garamond" panose="02020404030301010803" pitchFamily="18" charset="0"/>
-              </a:rPr>
-              <a:t>×</a:t>
-            </a:r>
-            <a:r>
-              <a:rPr lang="en-US" sz="3200" dirty="0">
-                <a:latin typeface="Garamond" panose="02020404030301010803" pitchFamily="18" charset="0"/>
-              </a:rPr>
-              <a:t>9,000</a:t>
-            </a:r>
-          </a:p>
-        </p:txBody>
-      </p:sp>
-      <p:sp>
-        <p:nvSpPr>
-          <p:cNvPr id="5" name="TextBox 4">
-            <a:extLst>
-              <a:ext uri="{FF2B5EF4-FFF2-40B4-BE49-F238E27FC236}">
-                <a16:creationId xmlns:a16="http://schemas.microsoft.com/office/drawing/2014/main" id="{35FD1223-487D-537F-10EC-88A7DFD15F8E}"/>
-              </a:ext>
-            </a:extLst>
-          </p:cNvPr>
-          <p:cNvSpPr txBox="1"/>
-          <p:nvPr/>
-        </p:nvSpPr>
-        <p:spPr>
-          <a:xfrm>
-            <a:off x="2406650" y="3603158"/>
-            <a:ext cx="7378700" cy="584775"/>
-          </a:xfrm>
-          <a:prstGeom prst="rect">
-            <a:avLst/>
-          </a:prstGeom>
-          <a:noFill/>
-        </p:spPr>
-        <p:txBody>
-          <a:bodyPr wrap="square" rtlCol="0">
-            <a:spAutoFit/>
-          </a:bodyPr>
-          <a:lstStyle/>
-          <a:p>
-            <a:pPr marL="457200" indent="-457200">
-              <a:buFont typeface="Arial" panose="020B0604020202020204" pitchFamily="34" charset="0"/>
-              <a:buChar char="•"/>
-            </a:pPr>
-            <a:r>
-              <a:rPr lang="en-US" sz="3200" dirty="0">
-                <a:latin typeface="Garamond" panose="02020404030301010803" pitchFamily="18" charset="0"/>
-              </a:rPr>
-              <a:t> </a:t>
-            </a:r>
-          </a:p>
-        </p:txBody>
-      </p:sp>
-      <p:sp>
-        <p:nvSpPr>
-          <p:cNvPr id="6" name="TextBox 5">
-            <a:extLst>
-              <a:ext uri="{FF2B5EF4-FFF2-40B4-BE49-F238E27FC236}">
-                <a16:creationId xmlns:a16="http://schemas.microsoft.com/office/drawing/2014/main" id="{3B54C456-7AA3-4E1D-E413-6D7F566C2696}"/>
-              </a:ext>
-            </a:extLst>
-          </p:cNvPr>
-          <p:cNvSpPr txBox="1"/>
-          <p:nvPr/>
-        </p:nvSpPr>
-        <p:spPr>
-          <a:xfrm>
-            <a:off x="2406650" y="5227827"/>
-            <a:ext cx="8807450" cy="584775"/>
-          </a:xfrm>
-          <a:prstGeom prst="rect">
-            <a:avLst/>
-          </a:prstGeom>
-          <a:noFill/>
-        </p:spPr>
-        <p:txBody>
-          <a:bodyPr wrap="square" rtlCol="0">
-            <a:spAutoFit/>
-          </a:bodyPr>
-          <a:lstStyle/>
-          <a:p>
-            <a:pPr marL="457200" indent="-457200">
-              <a:buFont typeface="Arial" panose="020B0604020202020204" pitchFamily="34" charset="0"/>
-              <a:buChar char="•"/>
-            </a:pPr>
-            <a:r>
-              <a:rPr lang="en-US" sz="3200" dirty="0">
-                <a:latin typeface="Garamond" panose="02020404030301010803" pitchFamily="18" charset="0"/>
-              </a:rPr>
-              <a:t> </a:t>
+              <a:t>Apple Overview</a:t>
             </a:r>
           </a:p>
         </p:txBody>
       </p:sp>
       <p:pic>
         <p:nvPicPr>
-          <p:cNvPr id="4098" name="Picture 2" descr="Smiley Emoticons Icon Positive Neutral And Negative Vector Stock  Illustration - Download Image Now - iStock">
-            <a:extLst>
-              <a:ext uri="{FF2B5EF4-FFF2-40B4-BE49-F238E27FC236}">
-                <a16:creationId xmlns:a16="http://schemas.microsoft.com/office/drawing/2014/main" id="{C68ACAE4-B10B-8BF9-75C1-BD40FED4A643}"/>
-              </a:ext>
-            </a:extLst>
-          </p:cNvPr>
-          <p:cNvPicPr>
-            <a:picLocks noChangeAspect="1" noChangeArrowheads="1"/>
-          </p:cNvPicPr>
-          <p:nvPr/>
-        </p:nvPicPr>
-        <p:blipFill rotWithShape="1">
-          <a:blip r:embed="rId2">
-            <a:extLst>
-              <a:ext uri="{28A0092B-C50C-407E-A947-70E740481C1C}">
-                <a14:useLocalDpi xmlns:a14="http://schemas.microsoft.com/office/drawing/2010/main" val="0"/>
-              </a:ext>
-            </a:extLst>
-          </a:blip>
-          <a:srcRect t="32777" b="32963"/>
-          <a:stretch/>
-        </p:blipFill>
-        <p:spPr bwMode="auto">
-          <a:xfrm>
-            <a:off x="2997200" y="3233716"/>
-            <a:ext cx="3708400" cy="1270498"/>
-          </a:xfrm>
-          <a:prstGeom prst="rect">
-            <a:avLst/>
-          </a:prstGeom>
-          <a:noFill/>
-          <a:extLst>
-            <a:ext uri="{909E8E84-426E-40DD-AFC4-6F175D3DCCD1}">
-              <a14:hiddenFill xmlns:a14="http://schemas.microsoft.com/office/drawing/2010/main">
-                <a:solidFill>
-                  <a:srgbClr val="FFFFFF"/>
-                </a:solidFill>
-              </a14:hiddenFill>
-            </a:ext>
-          </a:extLst>
-        </p:spPr>
-      </p:pic>
-      <p:pic>
-        <p:nvPicPr>
-          <p:cNvPr id="4100" name="Picture 4">
-            <a:extLst>
-              <a:ext uri="{FF2B5EF4-FFF2-40B4-BE49-F238E27FC236}">
-                <a16:creationId xmlns:a16="http://schemas.microsoft.com/office/drawing/2014/main" id="{5F2111B3-806C-16B6-27B6-E5EDE2840434}"/>
+          <p:cNvPr id="9218" name="Picture 2">
+            <a:extLst>
+              <a:ext uri="{FF2B5EF4-FFF2-40B4-BE49-F238E27FC236}">
+                <a16:creationId xmlns:a16="http://schemas.microsoft.com/office/drawing/2014/main" id="{52E53E23-FC2E-568A-B75D-F67F14AAC7BB}"/>
               </a:ext>
             </a:extLst>
           </p:cNvPr>
@@ -4423,7 +4682,7 @@
           <p:nvPr/>
         </p:nvPicPr>
         <p:blipFill>
-          <a:blip r:embed="rId3">
+          <a:blip r:embed="rId2">
             <a:extLst>
               <a:ext uri="{28A0092B-C50C-407E-A947-70E740481C1C}">
                 <a14:useLocalDpi xmlns:a14="http://schemas.microsoft.com/office/drawing/2010/main" val="0"/>
@@ -4437,102 +4696,8 @@
         </p:blipFill>
         <p:spPr bwMode="auto">
           <a:xfrm>
-            <a:off x="2730500" y="1148428"/>
-            <a:ext cx="2032000" cy="2032000"/>
-          </a:xfrm>
-          <a:prstGeom prst="rect">
-            <a:avLst/>
-          </a:prstGeom>
-          <a:noFill/>
-          <a:extLst>
-            <a:ext uri="{909E8E84-426E-40DD-AFC4-6F175D3DCCD1}">
-              <a14:hiddenFill xmlns:a14="http://schemas.microsoft.com/office/drawing/2010/main">
-                <a:solidFill>
-                  <a:srgbClr val="FFFFFF"/>
-                </a:solidFill>
-              </a14:hiddenFill>
-            </a:ext>
-          </a:extLst>
-        </p:spPr>
-      </p:pic>
-      <p:pic>
-        <p:nvPicPr>
-          <p:cNvPr id="4108" name="Picture 12" descr="Apple Logo PNG Vector (SVG) Free Download">
-            <a:extLst>
-              <a:ext uri="{FF2B5EF4-FFF2-40B4-BE49-F238E27FC236}">
-                <a16:creationId xmlns:a16="http://schemas.microsoft.com/office/drawing/2014/main" id="{C1B91FD7-1F47-224B-D4E4-B117A81C89C3}"/>
-              </a:ext>
-            </a:extLst>
-          </p:cNvPr>
-          <p:cNvPicPr>
-            <a:picLocks noChangeAspect="1" noChangeArrowheads="1"/>
-          </p:cNvPicPr>
-          <p:nvPr/>
-        </p:nvPicPr>
-        <p:blipFill>
-          <a:blip r:embed="rId4">
-            <a:extLst>
-              <a:ext uri="{28A0092B-C50C-407E-A947-70E740481C1C}">
-                <a14:useLocalDpi xmlns:a14="http://schemas.microsoft.com/office/drawing/2010/main" val="0"/>
-              </a:ext>
-            </a:extLst>
-          </a:blip>
-          <a:srcRect/>
-          <a:stretch>
-            <a:fillRect/>
-          </a:stretch>
-        </p:blipFill>
-        <p:spPr bwMode="auto">
-          <a:xfrm>
-            <a:off x="2997200" y="4805839"/>
-            <a:ext cx="1162050" cy="1428750"/>
-          </a:xfrm>
-          <a:prstGeom prst="rect">
-            <a:avLst/>
-          </a:prstGeom>
-          <a:noFill/>
-          <a:extLst>
-            <a:ext uri="{909E8E84-426E-40DD-AFC4-6F175D3DCCD1}">
-              <a14:hiddenFill xmlns:a14="http://schemas.microsoft.com/office/drawing/2010/main">
-                <a:solidFill>
-                  <a:srgbClr val="FFFFFF"/>
-                </a:solidFill>
-              </a14:hiddenFill>
-            </a:ext>
-          </a:extLst>
-        </p:spPr>
-      </p:pic>
-      <p:pic>
-        <p:nvPicPr>
-          <p:cNvPr id="4110" name="Picture 14">
-            <a:extLst>
-              <a:ext uri="{FF2B5EF4-FFF2-40B4-BE49-F238E27FC236}">
-                <a16:creationId xmlns:a16="http://schemas.microsoft.com/office/drawing/2014/main" id="{FD105DB3-A91B-25A9-3DEC-4F1EFEEACD3A}"/>
-              </a:ext>
-            </a:extLst>
-          </p:cNvPr>
-          <p:cNvPicPr>
-            <a:picLocks noChangeAspect="1" noChangeArrowheads="1"/>
-          </p:cNvPicPr>
-          <p:nvPr/>
-        </p:nvPicPr>
-        <p:blipFill>
-          <a:blip r:embed="rId5">
-            <a:extLst>
-              <a:ext uri="{28A0092B-C50C-407E-A947-70E740481C1C}">
-                <a14:useLocalDpi xmlns:a14="http://schemas.microsoft.com/office/drawing/2010/main" val="0"/>
-              </a:ext>
-            </a:extLst>
-          </a:blip>
-          <a:srcRect/>
-          <a:stretch>
-            <a:fillRect/>
-          </a:stretch>
-        </p:blipFill>
-        <p:spPr bwMode="auto">
-          <a:xfrm>
-            <a:off x="4921250" y="4821903"/>
-            <a:ext cx="1524000" cy="1524000"/>
+            <a:off x="993140" y="1952628"/>
+            <a:ext cx="10205720" cy="3427095"/>
           </a:xfrm>
           <a:prstGeom prst="rect">
             <a:avLst/>
@@ -4552,7 +4717,7 @@
     </p:spTree>
     <p:extLst>
       <p:ext uri="{BB962C8B-B14F-4D97-AF65-F5344CB8AC3E}">
-        <p14:creationId xmlns:p14="http://schemas.microsoft.com/office/powerpoint/2010/main" val="4141209850"/>
+        <p14:creationId xmlns:p14="http://schemas.microsoft.com/office/powerpoint/2010/main" val="192764600"/>
       </p:ext>
     </p:extLst>
   </p:cSld>
@@ -4584,7 +4749,7 @@
           <p:cNvPr id="2" name="Title 1">
             <a:extLst>
               <a:ext uri="{FF2B5EF4-FFF2-40B4-BE49-F238E27FC236}">
-                <a16:creationId xmlns:a16="http://schemas.microsoft.com/office/drawing/2014/main" id="{A1B8A32E-EB10-A5B9-9C0E-BA7D57CC0659}"/>
+                <a16:creationId xmlns:a16="http://schemas.microsoft.com/office/drawing/2014/main" id="{DCCA6408-7B66-0D9A-6DCA-8E1D30EE108F}"/>
               </a:ext>
             </a:extLst>
           </p:cNvPr>
@@ -4597,45 +4762,72 @@
         </p:nvSpPr>
         <p:spPr/>
         <p:txBody>
-          <a:bodyPr/>
-          <a:lstStyle/>
-          <a:p>
-            <a:r>
-              <a:rPr lang="en-US" dirty="0"/>
-              <a:t>Methods</a:t>
-            </a:r>
-          </a:p>
-        </p:txBody>
-      </p:sp>
-      <p:sp>
-        <p:nvSpPr>
-          <p:cNvPr id="3" name="Content Placeholder 2">
-            <a:extLst>
-              <a:ext uri="{FF2B5EF4-FFF2-40B4-BE49-F238E27FC236}">
-                <a16:creationId xmlns:a16="http://schemas.microsoft.com/office/drawing/2014/main" id="{24CCABEB-6FB2-12A4-8596-E30A72AB630A}"/>
-              </a:ext>
-            </a:extLst>
-          </p:cNvPr>
-          <p:cNvSpPr>
-            <a:spLocks noGrp="1"/>
-          </p:cNvSpPr>
-          <p:nvPr>
-            <p:ph idx="1"/>
-          </p:nvPr>
-        </p:nvSpPr>
-        <p:spPr/>
-        <p:txBody>
-          <a:bodyPr/>
-          <a:lstStyle/>
-          <a:p>
-            <a:endParaRPr lang="en-US"/>
-          </a:p>
-        </p:txBody>
-      </p:sp>
+          <a:bodyPr>
+            <a:normAutofit/>
+          </a:bodyPr>
+          <a:lstStyle/>
+          <a:p>
+            <a:pPr algn="ctr"/>
+            <a:r>
+              <a:rPr lang="en-US" sz="4800" b="1" dirty="0">
+                <a:latin typeface="Garamond" panose="02020404030301010803" pitchFamily="18" charset="0"/>
+              </a:rPr>
+              <a:t>Google Overview</a:t>
+            </a:r>
+          </a:p>
+        </p:txBody>
+      </p:sp>
+      <p:pic>
+        <p:nvPicPr>
+          <p:cNvPr id="11266" name="Picture 2">
+            <a:extLst>
+              <a:ext uri="{FF2B5EF4-FFF2-40B4-BE49-F238E27FC236}">
+                <a16:creationId xmlns:a16="http://schemas.microsoft.com/office/drawing/2014/main" id="{723762AB-2D15-3826-B4F3-A3CB6E9D6B89}"/>
+              </a:ext>
+            </a:extLst>
+          </p:cNvPr>
+          <p:cNvPicPr>
+            <a:picLocks noChangeAspect="1" noChangeArrowheads="1"/>
+          </p:cNvPicPr>
+          <p:nvPr/>
+        </p:nvPicPr>
+        <p:blipFill>
+          <a:blip r:embed="rId2">
+            <a:extLst>
+              <a:ext uri="{28A0092B-C50C-407E-A947-70E740481C1C}">
+                <a14:useLocalDpi xmlns:a14="http://schemas.microsoft.com/office/drawing/2010/main" val="0"/>
+              </a:ext>
+            </a:extLst>
+          </a:blip>
+          <a:srcRect/>
+          <a:stretch>
+            <a:fillRect/>
+          </a:stretch>
+        </p:blipFill>
+        <p:spPr bwMode="auto">
+          <a:xfrm>
+            <a:off x="996696" y="1956816"/>
+            <a:ext cx="10205720" cy="3427095"/>
+          </a:xfrm>
+          <a:prstGeom prst="rect">
+            <a:avLst/>
+          </a:prstGeom>
+          <a:noFill/>
+          <a:extLst>
+            <a:ext uri="{909E8E84-426E-40DD-AFC4-6F175D3DCCD1}">
+              <a14:hiddenFill xmlns:a14="http://schemas.microsoft.com/office/drawing/2010/main">
+                <a:solidFill>
+                  <a:srgbClr val="FFFFFF"/>
+                </a:solidFill>
+              </a14:hiddenFill>
+            </a:ext>
+          </a:extLst>
+        </p:spPr>
+      </p:pic>
     </p:spTree>
     <p:extLst>
       <p:ext uri="{BB962C8B-B14F-4D97-AF65-F5344CB8AC3E}">
-        <p14:creationId xmlns:p14="http://schemas.microsoft.com/office/powerpoint/2010/main" val="1005340365"/>
+        <p14:creationId xmlns:p14="http://schemas.microsoft.com/office/powerpoint/2010/main" val="3534051907"/>
       </p:ext>
     </p:extLst>
   </p:cSld>
@@ -4667,7 +4859,7 @@
           <p:cNvPr id="2" name="Title 1">
             <a:extLst>
               <a:ext uri="{FF2B5EF4-FFF2-40B4-BE49-F238E27FC236}">
-                <a16:creationId xmlns:a16="http://schemas.microsoft.com/office/drawing/2014/main" id="{7FF4448D-00C5-9565-DAE0-DCD2ADD79EA8}"/>
+                <a16:creationId xmlns:a16="http://schemas.microsoft.com/office/drawing/2014/main" id="{DCCA6408-7B66-0D9A-6DCA-8E1D30EE108F}"/>
               </a:ext>
             </a:extLst>
           </p:cNvPr>
@@ -4680,45 +4872,990 @@
         </p:nvSpPr>
         <p:spPr/>
         <p:txBody>
-          <a:bodyPr/>
-          <a:lstStyle/>
-          <a:p>
-            <a:r>
-              <a:rPr lang="en-US" dirty="0"/>
-              <a:t>Results</a:t>
-            </a:r>
-          </a:p>
-        </p:txBody>
-      </p:sp>
-      <p:sp>
-        <p:nvSpPr>
-          <p:cNvPr id="3" name="Content Placeholder 2">
-            <a:extLst>
-              <a:ext uri="{FF2B5EF4-FFF2-40B4-BE49-F238E27FC236}">
-                <a16:creationId xmlns:a16="http://schemas.microsoft.com/office/drawing/2014/main" id="{95FAB2A1-9932-0230-981F-66FECB6E5A91}"/>
-              </a:ext>
-            </a:extLst>
-          </p:cNvPr>
-          <p:cNvSpPr>
-            <a:spLocks noGrp="1"/>
-          </p:cNvSpPr>
-          <p:nvPr>
-            <p:ph idx="1"/>
-          </p:nvPr>
-        </p:nvSpPr>
-        <p:spPr/>
-        <p:txBody>
-          <a:bodyPr/>
-          <a:lstStyle/>
-          <a:p>
-            <a:endParaRPr lang="en-US"/>
+          <a:bodyPr>
+            <a:normAutofit/>
+          </a:bodyPr>
+          <a:lstStyle/>
+          <a:p>
+            <a:pPr algn="ctr"/>
+            <a:r>
+              <a:rPr lang="en-US" sz="4800" b="1" dirty="0">
+                <a:latin typeface="Garamond" panose="02020404030301010803" pitchFamily="18" charset="0"/>
+              </a:rPr>
+              <a:t>Methods</a:t>
+            </a:r>
+          </a:p>
+        </p:txBody>
+      </p:sp>
+      <p:sp>
+        <p:nvSpPr>
+          <p:cNvPr id="8" name="TextBox 7">
+            <a:extLst>
+              <a:ext uri="{FF2B5EF4-FFF2-40B4-BE49-F238E27FC236}">
+                <a16:creationId xmlns:a16="http://schemas.microsoft.com/office/drawing/2014/main" id="{D1B34136-DA6E-4D39-5F5A-450602D54F43}"/>
+              </a:ext>
+            </a:extLst>
+          </p:cNvPr>
+          <p:cNvSpPr txBox="1"/>
+          <p:nvPr/>
+        </p:nvSpPr>
+        <p:spPr>
+          <a:xfrm>
+            <a:off x="838200" y="1690688"/>
+            <a:ext cx="9251950" cy="584775"/>
+          </a:xfrm>
+          <a:prstGeom prst="rect">
+            <a:avLst/>
+          </a:prstGeom>
+          <a:noFill/>
+        </p:spPr>
+        <p:txBody>
+          <a:bodyPr wrap="square" rtlCol="0">
+            <a:spAutoFit/>
+          </a:bodyPr>
+          <a:lstStyle/>
+          <a:p>
+            <a:pPr marL="457200" indent="-457200">
+              <a:buFont typeface="Arial" panose="020B0604020202020204" pitchFamily="34" charset="0"/>
+              <a:buChar char="•"/>
+            </a:pPr>
+            <a:r>
+              <a:rPr lang="en-US" sz="3200" dirty="0">
+                <a:latin typeface="Garamond" panose="02020404030301010803" pitchFamily="18" charset="0"/>
+              </a:rPr>
+              <a:t>tokenize + remove common words + vectorize tweets</a:t>
+            </a:r>
+          </a:p>
+        </p:txBody>
+      </p:sp>
+      <p:sp>
+        <p:nvSpPr>
+          <p:cNvPr id="9" name="TextBox 8">
+            <a:extLst>
+              <a:ext uri="{FF2B5EF4-FFF2-40B4-BE49-F238E27FC236}">
+                <a16:creationId xmlns:a16="http://schemas.microsoft.com/office/drawing/2014/main" id="{BA80EDEE-E0D5-3C42-FB70-4506F1527BA8}"/>
+              </a:ext>
+            </a:extLst>
+          </p:cNvPr>
+          <p:cNvSpPr txBox="1"/>
+          <p:nvPr/>
+        </p:nvSpPr>
+        <p:spPr>
+          <a:xfrm>
+            <a:off x="838200" y="2846388"/>
+            <a:ext cx="7931150" cy="584775"/>
+          </a:xfrm>
+          <a:prstGeom prst="rect">
+            <a:avLst/>
+          </a:prstGeom>
+          <a:noFill/>
+        </p:spPr>
+        <p:txBody>
+          <a:bodyPr wrap="square" rtlCol="0">
+            <a:spAutoFit/>
+          </a:bodyPr>
+          <a:lstStyle/>
+          <a:p>
+            <a:pPr marL="457200" indent="-457200">
+              <a:buFont typeface="Arial" panose="020B0604020202020204" pitchFamily="34" charset="0"/>
+              <a:buChar char="•"/>
+            </a:pPr>
+            <a:r>
+              <a:rPr lang="en-US" sz="3200" dirty="0">
+                <a:latin typeface="Garamond" panose="02020404030301010803" pitchFamily="18" charset="0"/>
+              </a:rPr>
+              <a:t>binary classification: positive / NON-positive</a:t>
+            </a:r>
+          </a:p>
+        </p:txBody>
+      </p:sp>
+      <p:sp>
+        <p:nvSpPr>
+          <p:cNvPr id="10" name="TextBox 9">
+            <a:extLst>
+              <a:ext uri="{FF2B5EF4-FFF2-40B4-BE49-F238E27FC236}">
+                <a16:creationId xmlns:a16="http://schemas.microsoft.com/office/drawing/2014/main" id="{6BC93E2D-CBD7-69EE-6154-0874E7253361}"/>
+              </a:ext>
+            </a:extLst>
+          </p:cNvPr>
+          <p:cNvSpPr txBox="1"/>
+          <p:nvPr/>
+        </p:nvSpPr>
+        <p:spPr>
+          <a:xfrm>
+            <a:off x="838200" y="4002088"/>
+            <a:ext cx="10293350" cy="584775"/>
+          </a:xfrm>
+          <a:prstGeom prst="rect">
+            <a:avLst/>
+          </a:prstGeom>
+          <a:noFill/>
+        </p:spPr>
+        <p:txBody>
+          <a:bodyPr wrap="square" rtlCol="0">
+            <a:spAutoFit/>
+          </a:bodyPr>
+          <a:lstStyle/>
+          <a:p>
+            <a:pPr marL="457200" indent="-457200">
+              <a:buFont typeface="Arial" panose="020B0604020202020204" pitchFamily="34" charset="0"/>
+              <a:buChar char="•"/>
+            </a:pPr>
+            <a:r>
+              <a:rPr lang="en-US" sz="3200" dirty="0">
+                <a:latin typeface="Garamond" panose="02020404030301010803" pitchFamily="18" charset="0"/>
+              </a:rPr>
+              <a:t>ML classifiers: Naïve Bayes, Random Forest, Gradient Boost</a:t>
+            </a:r>
+          </a:p>
+        </p:txBody>
+      </p:sp>
+      <p:sp>
+        <p:nvSpPr>
+          <p:cNvPr id="11" name="TextBox 10">
+            <a:extLst>
+              <a:ext uri="{FF2B5EF4-FFF2-40B4-BE49-F238E27FC236}">
+                <a16:creationId xmlns:a16="http://schemas.microsoft.com/office/drawing/2014/main" id="{D52F3DCF-144B-2479-F9E8-810DBB13F6CB}"/>
+              </a:ext>
+            </a:extLst>
+          </p:cNvPr>
+          <p:cNvSpPr txBox="1"/>
+          <p:nvPr/>
+        </p:nvSpPr>
+        <p:spPr>
+          <a:xfrm>
+            <a:off x="838200" y="5157788"/>
+            <a:ext cx="7613650" cy="584775"/>
+          </a:xfrm>
+          <a:prstGeom prst="rect">
+            <a:avLst/>
+          </a:prstGeom>
+          <a:noFill/>
+        </p:spPr>
+        <p:txBody>
+          <a:bodyPr wrap="square" rtlCol="0">
+            <a:spAutoFit/>
+          </a:bodyPr>
+          <a:lstStyle/>
+          <a:p>
+            <a:pPr marL="457200" indent="-457200">
+              <a:buFont typeface="Arial" panose="020B0604020202020204" pitchFamily="34" charset="0"/>
+              <a:buChar char="•"/>
+            </a:pPr>
+            <a:r>
+              <a:rPr lang="en-US" sz="3200" dirty="0">
+                <a:latin typeface="Garamond" panose="02020404030301010803" pitchFamily="18" charset="0"/>
+              </a:rPr>
+              <a:t>metric: simple accuracy</a:t>
+            </a:r>
           </a:p>
         </p:txBody>
       </p:sp>
     </p:spTree>
     <p:extLst>
       <p:ext uri="{BB962C8B-B14F-4D97-AF65-F5344CB8AC3E}">
-        <p14:creationId xmlns:p14="http://schemas.microsoft.com/office/powerpoint/2010/main" val="3847411403"/>
+        <p14:creationId xmlns:p14="http://schemas.microsoft.com/office/powerpoint/2010/main" val="4141209850"/>
+      </p:ext>
+    </p:extLst>
+  </p:cSld>
+  <p:clrMapOvr>
+    <a:masterClrMapping/>
+  </p:clrMapOvr>
+</p:sld>
+</file>
+
+<file path=ppt/slides/slide8.xml><?xml version="1.0" encoding="utf-8"?>
+<p:sld xmlns:a="http://schemas.openxmlformats.org/drawingml/2006/main" xmlns:r="http://schemas.openxmlformats.org/officeDocument/2006/relationships" xmlns:p="http://schemas.openxmlformats.org/presentationml/2006/main">
+  <p:cSld>
+    <p:spTree>
+      <p:nvGrpSpPr>
+        <p:cNvPr id="1" name=""/>
+        <p:cNvGrpSpPr/>
+        <p:nvPr/>
+      </p:nvGrpSpPr>
+      <p:grpSpPr>
+        <a:xfrm>
+          <a:off x="0" y="0"/>
+          <a:ext cx="0" cy="0"/>
+          <a:chOff x="0" y="0"/>
+          <a:chExt cx="0" cy="0"/>
+        </a:xfrm>
+      </p:grpSpPr>
+      <p:sp>
+        <p:nvSpPr>
+          <p:cNvPr id="2" name="Title 1">
+            <a:extLst>
+              <a:ext uri="{FF2B5EF4-FFF2-40B4-BE49-F238E27FC236}">
+                <a16:creationId xmlns:a16="http://schemas.microsoft.com/office/drawing/2014/main" id="{DCCA6408-7B66-0D9A-6DCA-8E1D30EE108F}"/>
+              </a:ext>
+            </a:extLst>
+          </p:cNvPr>
+          <p:cNvSpPr>
+            <a:spLocks noGrp="1"/>
+          </p:cNvSpPr>
+          <p:nvPr>
+            <p:ph type="title"/>
+          </p:nvPr>
+        </p:nvSpPr>
+        <p:spPr/>
+        <p:txBody>
+          <a:bodyPr>
+            <a:normAutofit/>
+          </a:bodyPr>
+          <a:lstStyle/>
+          <a:p>
+            <a:pPr algn="ctr"/>
+            <a:r>
+              <a:rPr lang="en-US" sz="4800" b="1" dirty="0">
+                <a:latin typeface="Garamond" panose="02020404030301010803" pitchFamily="18" charset="0"/>
+              </a:rPr>
+              <a:t>Results</a:t>
+            </a:r>
+          </a:p>
+        </p:txBody>
+      </p:sp>
+      <p:graphicFrame>
+        <p:nvGraphicFramePr>
+          <p:cNvPr id="3" name="Table 2">
+            <a:extLst>
+              <a:ext uri="{FF2B5EF4-FFF2-40B4-BE49-F238E27FC236}">
+                <a16:creationId xmlns:a16="http://schemas.microsoft.com/office/drawing/2014/main" id="{721E68FA-16D2-59A3-75AE-240A907C18D2}"/>
+              </a:ext>
+            </a:extLst>
+          </p:cNvPr>
+          <p:cNvGraphicFramePr>
+            <a:graphicFrameLocks noGrp="1"/>
+          </p:cNvGraphicFramePr>
+          <p:nvPr>
+            <p:extLst>
+              <p:ext uri="{D42A27DB-BD31-4B8C-83A1-F6EECF244321}">
+                <p14:modId xmlns:p14="http://schemas.microsoft.com/office/powerpoint/2010/main" val="1404812593"/>
+              </p:ext>
+            </p:extLst>
+          </p:nvPr>
+        </p:nvGraphicFramePr>
+        <p:xfrm>
+          <a:off x="2889250" y="1760220"/>
+          <a:ext cx="6413500" cy="3337560"/>
+        </p:xfrm>
+        <a:graphic>
+          <a:graphicData uri="http://schemas.openxmlformats.org/drawingml/2006/table">
+            <a:tbl>
+              <a:tblPr firstRow="1" bandRow="1">
+                <a:tableStyleId>{93296810-A885-4BE3-A3E7-6D5BEEA58F35}</a:tableStyleId>
+              </a:tblPr>
+              <a:tblGrid>
+                <a:gridCol w="3048000">
+                  <a:extLst>
+                    <a:ext uri="{9D8B030D-6E8A-4147-A177-3AD203B41FA5}">
+                      <a16:colId xmlns:a16="http://schemas.microsoft.com/office/drawing/2014/main" val="215092316"/>
+                    </a:ext>
+                  </a:extLst>
+                </a:gridCol>
+                <a:gridCol w="1663700">
+                  <a:extLst>
+                    <a:ext uri="{9D8B030D-6E8A-4147-A177-3AD203B41FA5}">
+                      <a16:colId xmlns:a16="http://schemas.microsoft.com/office/drawing/2014/main" val="1255610065"/>
+                    </a:ext>
+                  </a:extLst>
+                </a:gridCol>
+                <a:gridCol w="1701800">
+                  <a:extLst>
+                    <a:ext uri="{9D8B030D-6E8A-4147-A177-3AD203B41FA5}">
+                      <a16:colId xmlns:a16="http://schemas.microsoft.com/office/drawing/2014/main" val="803344780"/>
+                    </a:ext>
+                  </a:extLst>
+                </a:gridCol>
+              </a:tblGrid>
+              <a:tr h="370840">
+                <a:tc>
+                  <a:txBody>
+                    <a:bodyPr/>
+                    <a:lstStyle/>
+                    <a:p>
+                      <a:pPr algn="ctr"/>
+                      <a:r>
+                        <a:rPr lang="en-US" dirty="0">
+                          <a:latin typeface="Garamond" panose="02020404030301010803" pitchFamily="18" charset="0"/>
+                        </a:rPr>
+                        <a:t>model</a:t>
+                      </a:r>
+                    </a:p>
+                  </a:txBody>
+                  <a:tcPr/>
+                </a:tc>
+                <a:tc>
+                  <a:txBody>
+                    <a:bodyPr/>
+                    <a:lstStyle/>
+                    <a:p>
+                      <a:pPr algn="ctr"/>
+                      <a:r>
+                        <a:rPr lang="en-US" dirty="0">
+                          <a:latin typeface="Garamond" panose="02020404030301010803" pitchFamily="18" charset="0"/>
+                        </a:rPr>
+                        <a:t>training score</a:t>
+                      </a:r>
+                    </a:p>
+                  </a:txBody>
+                  <a:tcPr/>
+                </a:tc>
+                <a:tc>
+                  <a:txBody>
+                    <a:bodyPr/>
+                    <a:lstStyle/>
+                    <a:p>
+                      <a:pPr algn="ctr"/>
+                      <a:r>
+                        <a:rPr lang="en-US" dirty="0">
+                          <a:latin typeface="Garamond" panose="02020404030301010803" pitchFamily="18" charset="0"/>
+                        </a:rPr>
+                        <a:t>test score</a:t>
+                      </a:r>
+                    </a:p>
+                  </a:txBody>
+                  <a:tcPr/>
+                </a:tc>
+                <a:extLst>
+                  <a:ext uri="{0D108BD9-81ED-4DB2-BD59-A6C34878D82A}">
+                    <a16:rowId xmlns:a16="http://schemas.microsoft.com/office/drawing/2014/main" val="1219465152"/>
+                  </a:ext>
+                </a:extLst>
+              </a:tr>
+              <a:tr h="370840">
+                <a:tc>
+                  <a:txBody>
+                    <a:bodyPr/>
+                    <a:lstStyle/>
+                    <a:p>
+                      <a:r>
+                        <a:rPr lang="en-US" b="1" dirty="0">
+                          <a:latin typeface="Garamond" panose="02020404030301010803" pitchFamily="18" charset="0"/>
+                        </a:rPr>
+                        <a:t>Naïve Bayes (BASELINE)</a:t>
+                      </a:r>
+                    </a:p>
+                  </a:txBody>
+                  <a:tcPr/>
+                </a:tc>
+                <a:tc>
+                  <a:txBody>
+                    <a:bodyPr/>
+                    <a:lstStyle/>
+                    <a:p>
+                      <a:pPr algn="ctr"/>
+                      <a:r>
+                        <a:rPr lang="en-US" dirty="0">
+                          <a:latin typeface="Garamond" panose="02020404030301010803" pitchFamily="18" charset="0"/>
+                        </a:rPr>
+                        <a:t>79.4%</a:t>
+                      </a:r>
+                    </a:p>
+                  </a:txBody>
+                  <a:tcPr/>
+                </a:tc>
+                <a:tc>
+                  <a:txBody>
+                    <a:bodyPr/>
+                    <a:lstStyle/>
+                    <a:p>
+                      <a:pPr algn="ctr"/>
+                      <a:r>
+                        <a:rPr lang="en-US" dirty="0">
+                          <a:latin typeface="Garamond" panose="02020404030301010803" pitchFamily="18" charset="0"/>
+                        </a:rPr>
+                        <a:t>71.5%</a:t>
+                      </a:r>
+                    </a:p>
+                  </a:txBody>
+                  <a:tcPr/>
+                </a:tc>
+                <a:extLst>
+                  <a:ext uri="{0D108BD9-81ED-4DB2-BD59-A6C34878D82A}">
+                    <a16:rowId xmlns:a16="http://schemas.microsoft.com/office/drawing/2014/main" val="4285249374"/>
+                  </a:ext>
+                </a:extLst>
+              </a:tr>
+              <a:tr h="370840">
+                <a:tc>
+                  <a:txBody>
+                    <a:bodyPr/>
+                    <a:lstStyle/>
+                    <a:p>
+                      <a:pPr marL="0" marR="0" lvl="0" indent="0" algn="l" defTabSz="914400" rtl="0" eaLnBrk="1" fontAlgn="auto" latinLnBrk="0" hangingPunct="1">
+                        <a:lnSpc>
+                          <a:spcPct val="100000"/>
+                        </a:lnSpc>
+                        <a:spcBef>
+                          <a:spcPts val="0"/>
+                        </a:spcBef>
+                        <a:spcAft>
+                          <a:spcPts val="0"/>
+                        </a:spcAft>
+                        <a:buClrTx/>
+                        <a:buSzTx/>
+                        <a:buFontTx/>
+                        <a:buNone/>
+                        <a:tabLst/>
+                        <a:defRPr/>
+                      </a:pPr>
+                      <a:r>
+                        <a:rPr lang="en-US" dirty="0">
+                          <a:latin typeface="Garamond" panose="02020404030301010803" pitchFamily="18" charset="0"/>
+                        </a:rPr>
+                        <a:t>… with hyperparameter tuning</a:t>
+                      </a:r>
+                    </a:p>
+                  </a:txBody>
+                  <a:tcPr/>
+                </a:tc>
+                <a:tc>
+                  <a:txBody>
+                    <a:bodyPr/>
+                    <a:lstStyle/>
+                    <a:p>
+                      <a:pPr algn="ctr"/>
+                      <a:r>
+                        <a:rPr lang="en-US" dirty="0">
+                          <a:latin typeface="Garamond" panose="02020404030301010803" pitchFamily="18" charset="0"/>
+                        </a:rPr>
+                        <a:t>89.0%</a:t>
+                      </a:r>
+                    </a:p>
+                  </a:txBody>
+                  <a:tcPr/>
+                </a:tc>
+                <a:tc>
+                  <a:txBody>
+                    <a:bodyPr/>
+                    <a:lstStyle/>
+                    <a:p>
+                      <a:pPr algn="ctr"/>
+                      <a:r>
+                        <a:rPr lang="en-US" dirty="0">
+                          <a:latin typeface="Garamond" panose="02020404030301010803" pitchFamily="18" charset="0"/>
+                        </a:rPr>
+                        <a:t>72.2%</a:t>
+                      </a:r>
+                    </a:p>
+                  </a:txBody>
+                  <a:tcPr/>
+                </a:tc>
+                <a:extLst>
+                  <a:ext uri="{0D108BD9-81ED-4DB2-BD59-A6C34878D82A}">
+                    <a16:rowId xmlns:a16="http://schemas.microsoft.com/office/drawing/2014/main" val="710235381"/>
+                  </a:ext>
+                </a:extLst>
+              </a:tr>
+              <a:tr h="370840">
+                <a:tc>
+                  <a:txBody>
+                    <a:bodyPr/>
+                    <a:lstStyle/>
+                    <a:p>
+                      <a:r>
+                        <a:rPr lang="en-US" dirty="0">
+                          <a:latin typeface="Garamond" panose="02020404030301010803" pitchFamily="18" charset="0"/>
+                        </a:rPr>
+                        <a:t>… with over sampling</a:t>
+                      </a:r>
+                    </a:p>
+                  </a:txBody>
+                  <a:tcPr/>
+                </a:tc>
+                <a:tc>
+                  <a:txBody>
+                    <a:bodyPr/>
+                    <a:lstStyle/>
+                    <a:p>
+                      <a:pPr algn="ctr"/>
+                      <a:r>
+                        <a:rPr lang="en-US" dirty="0">
+                          <a:latin typeface="Garamond" panose="02020404030301010803" pitchFamily="18" charset="0"/>
+                        </a:rPr>
+                        <a:t>86.7%</a:t>
+                      </a:r>
+                    </a:p>
+                  </a:txBody>
+                  <a:tcPr/>
+                </a:tc>
+                <a:tc>
+                  <a:txBody>
+                    <a:bodyPr/>
+                    <a:lstStyle/>
+                    <a:p>
+                      <a:pPr algn="ctr"/>
+                      <a:r>
+                        <a:rPr lang="en-US" dirty="0">
+                          <a:latin typeface="Garamond" panose="02020404030301010803" pitchFamily="18" charset="0"/>
+                        </a:rPr>
+                        <a:t>68.0%</a:t>
+                      </a:r>
+                    </a:p>
+                  </a:txBody>
+                  <a:tcPr/>
+                </a:tc>
+                <a:extLst>
+                  <a:ext uri="{0D108BD9-81ED-4DB2-BD59-A6C34878D82A}">
+                    <a16:rowId xmlns:a16="http://schemas.microsoft.com/office/drawing/2014/main" val="3587662564"/>
+                  </a:ext>
+                </a:extLst>
+              </a:tr>
+              <a:tr h="370840">
+                <a:tc>
+                  <a:txBody>
+                    <a:bodyPr/>
+                    <a:lstStyle/>
+                    <a:p>
+                      <a:endParaRPr lang="en-US" dirty="0">
+                        <a:latin typeface="Garamond" panose="02020404030301010803" pitchFamily="18" charset="0"/>
+                      </a:endParaRPr>
+                    </a:p>
+                  </a:txBody>
+                  <a:tcPr/>
+                </a:tc>
+                <a:tc>
+                  <a:txBody>
+                    <a:bodyPr/>
+                    <a:lstStyle/>
+                    <a:p>
+                      <a:pPr algn="ctr"/>
+                      <a:endParaRPr lang="en-US" dirty="0">
+                        <a:latin typeface="Garamond" panose="02020404030301010803" pitchFamily="18" charset="0"/>
+                      </a:endParaRPr>
+                    </a:p>
+                  </a:txBody>
+                  <a:tcPr/>
+                </a:tc>
+                <a:tc>
+                  <a:txBody>
+                    <a:bodyPr/>
+                    <a:lstStyle/>
+                    <a:p>
+                      <a:pPr algn="ctr"/>
+                      <a:endParaRPr lang="en-US" dirty="0">
+                        <a:latin typeface="Garamond" panose="02020404030301010803" pitchFamily="18" charset="0"/>
+                      </a:endParaRPr>
+                    </a:p>
+                  </a:txBody>
+                  <a:tcPr/>
+                </a:tc>
+                <a:extLst>
+                  <a:ext uri="{0D108BD9-81ED-4DB2-BD59-A6C34878D82A}">
+                    <a16:rowId xmlns:a16="http://schemas.microsoft.com/office/drawing/2014/main" val="1978321807"/>
+                  </a:ext>
+                </a:extLst>
+              </a:tr>
+              <a:tr h="370840">
+                <a:tc>
+                  <a:txBody>
+                    <a:bodyPr/>
+                    <a:lstStyle/>
+                    <a:p>
+                      <a:r>
+                        <a:rPr lang="en-US" b="1" dirty="0">
+                          <a:latin typeface="Garamond" panose="02020404030301010803" pitchFamily="18" charset="0"/>
+                        </a:rPr>
+                        <a:t>Random Forest</a:t>
+                      </a:r>
+                    </a:p>
+                  </a:txBody>
+                  <a:tcPr/>
+                </a:tc>
+                <a:tc>
+                  <a:txBody>
+                    <a:bodyPr/>
+                    <a:lstStyle/>
+                    <a:p>
+                      <a:pPr algn="ctr"/>
+                      <a:r>
+                        <a:rPr lang="en-US" dirty="0">
+                          <a:latin typeface="Garamond" panose="02020404030301010803" pitchFamily="18" charset="0"/>
+                        </a:rPr>
+                        <a:t>96.5%</a:t>
+                      </a:r>
+                    </a:p>
+                  </a:txBody>
+                  <a:tcPr/>
+                </a:tc>
+                <a:tc>
+                  <a:txBody>
+                    <a:bodyPr/>
+                    <a:lstStyle/>
+                    <a:p>
+                      <a:pPr algn="ctr"/>
+                      <a:r>
+                        <a:rPr lang="en-US" dirty="0">
+                          <a:latin typeface="Garamond" panose="02020404030301010803" pitchFamily="18" charset="0"/>
+                        </a:rPr>
+                        <a:t>73.2%</a:t>
+                      </a:r>
+                    </a:p>
+                  </a:txBody>
+                  <a:tcPr/>
+                </a:tc>
+                <a:extLst>
+                  <a:ext uri="{0D108BD9-81ED-4DB2-BD59-A6C34878D82A}">
+                    <a16:rowId xmlns:a16="http://schemas.microsoft.com/office/drawing/2014/main" val="109079101"/>
+                  </a:ext>
+                </a:extLst>
+              </a:tr>
+              <a:tr h="370840">
+                <a:tc>
+                  <a:txBody>
+                    <a:bodyPr/>
+                    <a:lstStyle/>
+                    <a:p>
+                      <a:r>
+                        <a:rPr lang="en-US" dirty="0">
+                          <a:latin typeface="Garamond" panose="02020404030301010803" pitchFamily="18" charset="0"/>
+                        </a:rPr>
+                        <a:t>… with hyperparameter tuning</a:t>
+                      </a:r>
+                    </a:p>
+                  </a:txBody>
+                  <a:tcPr/>
+                </a:tc>
+                <a:tc>
+                  <a:txBody>
+                    <a:bodyPr/>
+                    <a:lstStyle/>
+                    <a:p>
+                      <a:pPr algn="ctr"/>
+                      <a:r>
+                        <a:rPr lang="en-US" dirty="0">
+                          <a:latin typeface="Garamond" panose="02020404030301010803" pitchFamily="18" charset="0"/>
+                        </a:rPr>
+                        <a:t>86.4%</a:t>
+                      </a:r>
+                    </a:p>
+                  </a:txBody>
+                  <a:tcPr/>
+                </a:tc>
+                <a:tc>
+                  <a:txBody>
+                    <a:bodyPr/>
+                    <a:lstStyle/>
+                    <a:p>
+                      <a:pPr algn="ctr"/>
+                      <a:r>
+                        <a:rPr lang="en-US" dirty="0">
+                          <a:latin typeface="Garamond" panose="02020404030301010803" pitchFamily="18" charset="0"/>
+                        </a:rPr>
+                        <a:t>72.5%</a:t>
+                      </a:r>
+                    </a:p>
+                  </a:txBody>
+                  <a:tcPr/>
+                </a:tc>
+                <a:extLst>
+                  <a:ext uri="{0D108BD9-81ED-4DB2-BD59-A6C34878D82A}">
+                    <a16:rowId xmlns:a16="http://schemas.microsoft.com/office/drawing/2014/main" val="1865839340"/>
+                  </a:ext>
+                </a:extLst>
+              </a:tr>
+              <a:tr h="370840">
+                <a:tc>
+                  <a:txBody>
+                    <a:bodyPr/>
+                    <a:lstStyle/>
+                    <a:p>
+                      <a:endParaRPr lang="en-US" b="1" dirty="0">
+                        <a:latin typeface="Garamond" panose="02020404030301010803" pitchFamily="18" charset="0"/>
+                      </a:endParaRPr>
+                    </a:p>
+                  </a:txBody>
+                  <a:tcPr/>
+                </a:tc>
+                <a:tc>
+                  <a:txBody>
+                    <a:bodyPr/>
+                    <a:lstStyle/>
+                    <a:p>
+                      <a:pPr algn="ctr"/>
+                      <a:endParaRPr lang="en-US" dirty="0">
+                        <a:latin typeface="Garamond" panose="02020404030301010803" pitchFamily="18" charset="0"/>
+                      </a:endParaRPr>
+                    </a:p>
+                  </a:txBody>
+                  <a:tcPr/>
+                </a:tc>
+                <a:tc>
+                  <a:txBody>
+                    <a:bodyPr/>
+                    <a:lstStyle/>
+                    <a:p>
+                      <a:pPr algn="ctr"/>
+                      <a:endParaRPr lang="en-US" dirty="0">
+                        <a:latin typeface="Garamond" panose="02020404030301010803" pitchFamily="18" charset="0"/>
+                      </a:endParaRPr>
+                    </a:p>
+                  </a:txBody>
+                  <a:tcPr/>
+                </a:tc>
+                <a:extLst>
+                  <a:ext uri="{0D108BD9-81ED-4DB2-BD59-A6C34878D82A}">
+                    <a16:rowId xmlns:a16="http://schemas.microsoft.com/office/drawing/2014/main" val="3605553166"/>
+                  </a:ext>
+                </a:extLst>
+              </a:tr>
+              <a:tr h="370840">
+                <a:tc>
+                  <a:txBody>
+                    <a:bodyPr/>
+                    <a:lstStyle/>
+                    <a:p>
+                      <a:r>
+                        <a:rPr lang="en-US" b="1" dirty="0">
+                          <a:latin typeface="Garamond" panose="02020404030301010803" pitchFamily="18" charset="0"/>
+                        </a:rPr>
+                        <a:t>Gradient Boost (FINAL)</a:t>
+                      </a:r>
+                    </a:p>
+                  </a:txBody>
+                  <a:tcPr/>
+                </a:tc>
+                <a:tc>
+                  <a:txBody>
+                    <a:bodyPr/>
+                    <a:lstStyle/>
+                    <a:p>
+                      <a:pPr algn="ctr"/>
+                      <a:r>
+                        <a:rPr lang="en-US" dirty="0">
+                          <a:latin typeface="Garamond" panose="02020404030301010803" pitchFamily="18" charset="0"/>
+                        </a:rPr>
+                        <a:t>74.9%</a:t>
+                      </a:r>
+                    </a:p>
+                  </a:txBody>
+                  <a:tcPr/>
+                </a:tc>
+                <a:tc>
+                  <a:txBody>
+                    <a:bodyPr/>
+                    <a:lstStyle/>
+                    <a:p>
+                      <a:pPr algn="ctr"/>
+                      <a:r>
+                        <a:rPr lang="en-US" dirty="0">
+                          <a:latin typeface="Garamond" panose="02020404030301010803" pitchFamily="18" charset="0"/>
+                        </a:rPr>
+                        <a:t>72.3%</a:t>
+                      </a:r>
+                    </a:p>
+                  </a:txBody>
+                  <a:tcPr/>
+                </a:tc>
+                <a:extLst>
+                  <a:ext uri="{0D108BD9-81ED-4DB2-BD59-A6C34878D82A}">
+                    <a16:rowId xmlns:a16="http://schemas.microsoft.com/office/drawing/2014/main" val="3812854985"/>
+                  </a:ext>
+                </a:extLst>
+              </a:tr>
+            </a:tbl>
+          </a:graphicData>
+        </a:graphic>
+      </p:graphicFrame>
+    </p:spTree>
+    <p:extLst>
+      <p:ext uri="{BB962C8B-B14F-4D97-AF65-F5344CB8AC3E}">
+        <p14:creationId xmlns:p14="http://schemas.microsoft.com/office/powerpoint/2010/main" val="1181540655"/>
+      </p:ext>
+    </p:extLst>
+  </p:cSld>
+  <p:clrMapOvr>
+    <a:masterClrMapping/>
+  </p:clrMapOvr>
+</p:sld>
+</file>
+
+<file path=ppt/slides/slide9.xml><?xml version="1.0" encoding="utf-8"?>
+<p:sld xmlns:a="http://schemas.openxmlformats.org/drawingml/2006/main" xmlns:r="http://schemas.openxmlformats.org/officeDocument/2006/relationships" xmlns:p="http://schemas.openxmlformats.org/presentationml/2006/main">
+  <p:cSld>
+    <p:spTree>
+      <p:nvGrpSpPr>
+        <p:cNvPr id="1" name=""/>
+        <p:cNvGrpSpPr/>
+        <p:nvPr/>
+      </p:nvGrpSpPr>
+      <p:grpSpPr>
+        <a:xfrm>
+          <a:off x="0" y="0"/>
+          <a:ext cx="0" cy="0"/>
+          <a:chOff x="0" y="0"/>
+          <a:chExt cx="0" cy="0"/>
+        </a:xfrm>
+      </p:grpSpPr>
+      <p:sp>
+        <p:nvSpPr>
+          <p:cNvPr id="2" name="Title 1">
+            <a:extLst>
+              <a:ext uri="{FF2B5EF4-FFF2-40B4-BE49-F238E27FC236}">
+                <a16:creationId xmlns:a16="http://schemas.microsoft.com/office/drawing/2014/main" id="{DCCA6408-7B66-0D9A-6DCA-8E1D30EE108F}"/>
+              </a:ext>
+            </a:extLst>
+          </p:cNvPr>
+          <p:cNvSpPr>
+            <a:spLocks noGrp="1"/>
+          </p:cNvSpPr>
+          <p:nvPr>
+            <p:ph type="title"/>
+          </p:nvPr>
+        </p:nvSpPr>
+        <p:spPr/>
+        <p:txBody>
+          <a:bodyPr>
+            <a:normAutofit/>
+          </a:bodyPr>
+          <a:lstStyle/>
+          <a:p>
+            <a:pPr algn="ctr"/>
+            <a:r>
+              <a:rPr lang="en-US" sz="4800" b="1" dirty="0">
+                <a:latin typeface="Garamond" panose="02020404030301010803" pitchFamily="18" charset="0"/>
+              </a:rPr>
+              <a:t>Recommendations</a:t>
+            </a:r>
+          </a:p>
+        </p:txBody>
+      </p:sp>
+      <p:sp>
+        <p:nvSpPr>
+          <p:cNvPr id="4" name="TextBox 3">
+            <a:extLst>
+              <a:ext uri="{FF2B5EF4-FFF2-40B4-BE49-F238E27FC236}">
+                <a16:creationId xmlns:a16="http://schemas.microsoft.com/office/drawing/2014/main" id="{16D08C40-2E81-C530-A8F0-A96344B25941}"/>
+              </a:ext>
+            </a:extLst>
+          </p:cNvPr>
+          <p:cNvSpPr txBox="1"/>
+          <p:nvPr/>
+        </p:nvSpPr>
+        <p:spPr>
+          <a:xfrm>
+            <a:off x="2146300" y="2033588"/>
+            <a:ext cx="9251950" cy="584775"/>
+          </a:xfrm>
+          <a:prstGeom prst="rect">
+            <a:avLst/>
+          </a:prstGeom>
+          <a:noFill/>
+        </p:spPr>
+        <p:txBody>
+          <a:bodyPr wrap="square" rtlCol="0">
+            <a:spAutoFit/>
+          </a:bodyPr>
+          <a:lstStyle/>
+          <a:p>
+            <a:pPr marL="457200" indent="-457200">
+              <a:buFont typeface="Arial" panose="020B0604020202020204" pitchFamily="34" charset="0"/>
+              <a:buChar char="•"/>
+            </a:pPr>
+            <a:r>
+              <a:rPr lang="en-US" sz="3200" dirty="0">
+                <a:latin typeface="Garamond" panose="02020404030301010803" pitchFamily="18" charset="0"/>
+              </a:rPr>
+              <a:t>pop-up store + event synergy = great idea</a:t>
+            </a:r>
+          </a:p>
+        </p:txBody>
+      </p:sp>
+      <p:sp>
+        <p:nvSpPr>
+          <p:cNvPr id="5" name="TextBox 4">
+            <a:extLst>
+              <a:ext uri="{FF2B5EF4-FFF2-40B4-BE49-F238E27FC236}">
+                <a16:creationId xmlns:a16="http://schemas.microsoft.com/office/drawing/2014/main" id="{5E776DBA-E680-CF41-333A-9A0CE9585FE0}"/>
+              </a:ext>
+            </a:extLst>
+          </p:cNvPr>
+          <p:cNvSpPr txBox="1"/>
+          <p:nvPr/>
+        </p:nvSpPr>
+        <p:spPr>
+          <a:xfrm>
+            <a:off x="2146300" y="3066763"/>
+            <a:ext cx="9251950" cy="584775"/>
+          </a:xfrm>
+          <a:prstGeom prst="rect">
+            <a:avLst/>
+          </a:prstGeom>
+          <a:noFill/>
+        </p:spPr>
+        <p:txBody>
+          <a:bodyPr wrap="square" rtlCol="0">
+            <a:spAutoFit/>
+          </a:bodyPr>
+          <a:lstStyle/>
+          <a:p>
+            <a:pPr marL="457200" indent="-457200">
+              <a:buFont typeface="Arial" panose="020B0604020202020204" pitchFamily="34" charset="0"/>
+              <a:buChar char="•"/>
+            </a:pPr>
+            <a:r>
+              <a:rPr lang="en-US" sz="3200" dirty="0">
+                <a:latin typeface="Garamond" panose="02020404030301010803" pitchFamily="18" charset="0"/>
+              </a:rPr>
+              <a:t>throw a party</a:t>
+            </a:r>
+          </a:p>
+        </p:txBody>
+      </p:sp>
+      <p:sp>
+        <p:nvSpPr>
+          <p:cNvPr id="6" name="TextBox 5">
+            <a:extLst>
+              <a:ext uri="{FF2B5EF4-FFF2-40B4-BE49-F238E27FC236}">
+                <a16:creationId xmlns:a16="http://schemas.microsoft.com/office/drawing/2014/main" id="{1EB45B62-A812-DD3A-3E67-A66E5FF3B97E}"/>
+              </a:ext>
+            </a:extLst>
+          </p:cNvPr>
+          <p:cNvSpPr txBox="1"/>
+          <p:nvPr/>
+        </p:nvSpPr>
+        <p:spPr>
+          <a:xfrm>
+            <a:off x="2146300" y="4099938"/>
+            <a:ext cx="9251950" cy="1077218"/>
+          </a:xfrm>
+          <a:prstGeom prst="rect">
+            <a:avLst/>
+          </a:prstGeom>
+          <a:noFill/>
+        </p:spPr>
+        <p:txBody>
+          <a:bodyPr wrap="square" rtlCol="0">
+            <a:spAutoFit/>
+          </a:bodyPr>
+          <a:lstStyle/>
+          <a:p>
+            <a:pPr marL="457200" indent="-457200">
+              <a:buFont typeface="Arial" panose="020B0604020202020204" pitchFamily="34" charset="0"/>
+              <a:buChar char="•"/>
+            </a:pPr>
+            <a:r>
+              <a:rPr lang="en-US" sz="3200" dirty="0">
+                <a:latin typeface="Garamond" panose="02020404030301010803" pitchFamily="18" charset="0"/>
+              </a:rPr>
+              <a:t>address battery life and design issues</a:t>
+            </a:r>
+          </a:p>
+          <a:p>
+            <a:pPr marL="457200" indent="-457200">
+              <a:buFont typeface="Arial" panose="020B0604020202020204" pitchFamily="34" charset="0"/>
+              <a:buChar char="•"/>
+            </a:pPr>
+            <a:endParaRPr lang="en-US" sz="3200" dirty="0">
+              <a:latin typeface="Garamond" panose="02020404030301010803" pitchFamily="18" charset="0"/>
+            </a:endParaRPr>
+          </a:p>
+        </p:txBody>
+      </p:sp>
+    </p:spTree>
+    <p:extLst>
+      <p:ext uri="{BB962C8B-B14F-4D97-AF65-F5344CB8AC3E}">
+        <p14:creationId xmlns:p14="http://schemas.microsoft.com/office/powerpoint/2010/main" val="1782141185"/>
       </p:ext>
     </p:extLst>
   </p:cSld>

--- a/presentation.pptx
+++ b/presentation.pptx
@@ -269,7 +269,7 @@
           <a:p>
             <a:fld id="{B53C49C8-4B05-EE40-8396-8AD4B7C5BFD8}" type="datetimeFigureOut">
               <a:rPr lang="en-US" smtClean="0"/>
-              <a:t>10/9/23</a:t>
+              <a:t>10/10/23</a:t>
             </a:fld>
             <a:endParaRPr lang="en-US"/>
           </a:p>
@@ -467,7 +467,7 @@
           <a:p>
             <a:fld id="{B53C49C8-4B05-EE40-8396-8AD4B7C5BFD8}" type="datetimeFigureOut">
               <a:rPr lang="en-US" smtClean="0"/>
-              <a:t>10/9/23</a:t>
+              <a:t>10/10/23</a:t>
             </a:fld>
             <a:endParaRPr lang="en-US"/>
           </a:p>
@@ -675,7 +675,7 @@
           <a:p>
             <a:fld id="{B53C49C8-4B05-EE40-8396-8AD4B7C5BFD8}" type="datetimeFigureOut">
               <a:rPr lang="en-US" smtClean="0"/>
-              <a:t>10/9/23</a:t>
+              <a:t>10/10/23</a:t>
             </a:fld>
             <a:endParaRPr lang="en-US"/>
           </a:p>
@@ -873,7 +873,7 @@
           <a:p>
             <a:fld id="{B53C49C8-4B05-EE40-8396-8AD4B7C5BFD8}" type="datetimeFigureOut">
               <a:rPr lang="en-US" smtClean="0"/>
-              <a:t>10/9/23</a:t>
+              <a:t>10/10/23</a:t>
             </a:fld>
             <a:endParaRPr lang="en-US"/>
           </a:p>
@@ -1148,7 +1148,7 @@
           <a:p>
             <a:fld id="{B53C49C8-4B05-EE40-8396-8AD4B7C5BFD8}" type="datetimeFigureOut">
               <a:rPr lang="en-US" smtClean="0"/>
-              <a:t>10/9/23</a:t>
+              <a:t>10/10/23</a:t>
             </a:fld>
             <a:endParaRPr lang="en-US"/>
           </a:p>
@@ -1413,7 +1413,7 @@
           <a:p>
             <a:fld id="{B53C49C8-4B05-EE40-8396-8AD4B7C5BFD8}" type="datetimeFigureOut">
               <a:rPr lang="en-US" smtClean="0"/>
-              <a:t>10/9/23</a:t>
+              <a:t>10/10/23</a:t>
             </a:fld>
             <a:endParaRPr lang="en-US"/>
           </a:p>
@@ -1825,7 +1825,7 @@
           <a:p>
             <a:fld id="{B53C49C8-4B05-EE40-8396-8AD4B7C5BFD8}" type="datetimeFigureOut">
               <a:rPr lang="en-US" smtClean="0"/>
-              <a:t>10/9/23</a:t>
+              <a:t>10/10/23</a:t>
             </a:fld>
             <a:endParaRPr lang="en-US"/>
           </a:p>
@@ -1966,7 +1966,7 @@
           <a:p>
             <a:fld id="{B53C49C8-4B05-EE40-8396-8AD4B7C5BFD8}" type="datetimeFigureOut">
               <a:rPr lang="en-US" smtClean="0"/>
-              <a:t>10/9/23</a:t>
+              <a:t>10/10/23</a:t>
             </a:fld>
             <a:endParaRPr lang="en-US"/>
           </a:p>
@@ -2079,7 +2079,7 @@
           <a:p>
             <a:fld id="{B53C49C8-4B05-EE40-8396-8AD4B7C5BFD8}" type="datetimeFigureOut">
               <a:rPr lang="en-US" smtClean="0"/>
-              <a:t>10/9/23</a:t>
+              <a:t>10/10/23</a:t>
             </a:fld>
             <a:endParaRPr lang="en-US"/>
           </a:p>
@@ -2390,7 +2390,7 @@
           <a:p>
             <a:fld id="{B53C49C8-4B05-EE40-8396-8AD4B7C5BFD8}" type="datetimeFigureOut">
               <a:rPr lang="en-US" smtClean="0"/>
-              <a:t>10/9/23</a:t>
+              <a:t>10/10/23</a:t>
             </a:fld>
             <a:endParaRPr lang="en-US"/>
           </a:p>
@@ -2678,7 +2678,7 @@
           <a:p>
             <a:fld id="{B53C49C8-4B05-EE40-8396-8AD4B7C5BFD8}" type="datetimeFigureOut">
               <a:rPr lang="en-US" smtClean="0"/>
-              <a:t>10/9/23</a:t>
+              <a:t>10/10/23</a:t>
             </a:fld>
             <a:endParaRPr lang="en-US"/>
           </a:p>
@@ -2925,7 +2925,7 @@
           <a:p>
             <a:fld id="{B53C49C8-4B05-EE40-8396-8AD4B7C5BFD8}" type="datetimeFigureOut">
               <a:rPr lang="en-US" smtClean="0"/>
-              <a:t>10/9/23</a:t>
+              <a:t>10/10/23</a:t>
             </a:fld>
             <a:endParaRPr lang="en-US"/>
           </a:p>

--- a/presentation.pptx
+++ b/presentation.pptx
@@ -269,7 +269,7 @@
           <a:p>
             <a:fld id="{B53C49C8-4B05-EE40-8396-8AD4B7C5BFD8}" type="datetimeFigureOut">
               <a:rPr lang="en-US" smtClean="0"/>
-              <a:t>10/10/23</a:t>
+              <a:t>10/11/23</a:t>
             </a:fld>
             <a:endParaRPr lang="en-US"/>
           </a:p>
@@ -467,7 +467,7 @@
           <a:p>
             <a:fld id="{B53C49C8-4B05-EE40-8396-8AD4B7C5BFD8}" type="datetimeFigureOut">
               <a:rPr lang="en-US" smtClean="0"/>
-              <a:t>10/10/23</a:t>
+              <a:t>10/11/23</a:t>
             </a:fld>
             <a:endParaRPr lang="en-US"/>
           </a:p>
@@ -675,7 +675,7 @@
           <a:p>
             <a:fld id="{B53C49C8-4B05-EE40-8396-8AD4B7C5BFD8}" type="datetimeFigureOut">
               <a:rPr lang="en-US" smtClean="0"/>
-              <a:t>10/10/23</a:t>
+              <a:t>10/11/23</a:t>
             </a:fld>
             <a:endParaRPr lang="en-US"/>
           </a:p>
@@ -873,7 +873,7 @@
           <a:p>
             <a:fld id="{B53C49C8-4B05-EE40-8396-8AD4B7C5BFD8}" type="datetimeFigureOut">
               <a:rPr lang="en-US" smtClean="0"/>
-              <a:t>10/10/23</a:t>
+              <a:t>10/11/23</a:t>
             </a:fld>
             <a:endParaRPr lang="en-US"/>
           </a:p>
@@ -1148,7 +1148,7 @@
           <a:p>
             <a:fld id="{B53C49C8-4B05-EE40-8396-8AD4B7C5BFD8}" type="datetimeFigureOut">
               <a:rPr lang="en-US" smtClean="0"/>
-              <a:t>10/10/23</a:t>
+              <a:t>10/11/23</a:t>
             </a:fld>
             <a:endParaRPr lang="en-US"/>
           </a:p>
@@ -1413,7 +1413,7 @@
           <a:p>
             <a:fld id="{B53C49C8-4B05-EE40-8396-8AD4B7C5BFD8}" type="datetimeFigureOut">
               <a:rPr lang="en-US" smtClean="0"/>
-              <a:t>10/10/23</a:t>
+              <a:t>10/11/23</a:t>
             </a:fld>
             <a:endParaRPr lang="en-US"/>
           </a:p>
@@ -1825,7 +1825,7 @@
           <a:p>
             <a:fld id="{B53C49C8-4B05-EE40-8396-8AD4B7C5BFD8}" type="datetimeFigureOut">
               <a:rPr lang="en-US" smtClean="0"/>
-              <a:t>10/10/23</a:t>
+              <a:t>10/11/23</a:t>
             </a:fld>
             <a:endParaRPr lang="en-US"/>
           </a:p>
@@ -1966,7 +1966,7 @@
           <a:p>
             <a:fld id="{B53C49C8-4B05-EE40-8396-8AD4B7C5BFD8}" type="datetimeFigureOut">
               <a:rPr lang="en-US" smtClean="0"/>
-              <a:t>10/10/23</a:t>
+              <a:t>10/11/23</a:t>
             </a:fld>
             <a:endParaRPr lang="en-US"/>
           </a:p>
@@ -2079,7 +2079,7 @@
           <a:p>
             <a:fld id="{B53C49C8-4B05-EE40-8396-8AD4B7C5BFD8}" type="datetimeFigureOut">
               <a:rPr lang="en-US" smtClean="0"/>
-              <a:t>10/10/23</a:t>
+              <a:t>10/11/23</a:t>
             </a:fld>
             <a:endParaRPr lang="en-US"/>
           </a:p>
@@ -2390,7 +2390,7 @@
           <a:p>
             <a:fld id="{B53C49C8-4B05-EE40-8396-8AD4B7C5BFD8}" type="datetimeFigureOut">
               <a:rPr lang="en-US" smtClean="0"/>
-              <a:t>10/10/23</a:t>
+              <a:t>10/11/23</a:t>
             </a:fld>
             <a:endParaRPr lang="en-US"/>
           </a:p>
@@ -2678,7 +2678,7 @@
           <a:p>
             <a:fld id="{B53C49C8-4B05-EE40-8396-8AD4B7C5BFD8}" type="datetimeFigureOut">
               <a:rPr lang="en-US" smtClean="0"/>
-              <a:t>10/10/23</a:t>
+              <a:t>10/11/23</a:t>
             </a:fld>
             <a:endParaRPr lang="en-US"/>
           </a:p>
@@ -2925,7 +2925,7 @@
           <a:p>
             <a:fld id="{B53C49C8-4B05-EE40-8396-8AD4B7C5BFD8}" type="datetimeFigureOut">
               <a:rPr lang="en-US" smtClean="0"/>
-              <a:t>10/10/23</a:t>
+              <a:t>10/11/23</a:t>
             </a:fld>
             <a:endParaRPr lang="en-US"/>
           </a:p>
@@ -3614,6 +3614,129 @@
           </a:p>
         </p:txBody>
       </p:sp>
+      <p:sp>
+        <p:nvSpPr>
+          <p:cNvPr id="3" name="TextBox 2">
+            <a:extLst>
+              <a:ext uri="{FF2B5EF4-FFF2-40B4-BE49-F238E27FC236}">
+                <a16:creationId xmlns:a16="http://schemas.microsoft.com/office/drawing/2014/main" id="{2306E396-E512-0477-F0EF-0F53CBBA6C05}"/>
+              </a:ext>
+            </a:extLst>
+          </p:cNvPr>
+          <p:cNvSpPr txBox="1"/>
+          <p:nvPr/>
+        </p:nvSpPr>
+        <p:spPr>
+          <a:xfrm>
+            <a:off x="838200" y="1690688"/>
+            <a:ext cx="9251950" cy="584775"/>
+          </a:xfrm>
+          <a:prstGeom prst="rect">
+            <a:avLst/>
+          </a:prstGeom>
+          <a:noFill/>
+        </p:spPr>
+        <p:txBody>
+          <a:bodyPr wrap="square" rtlCol="0">
+            <a:spAutoFit/>
+          </a:bodyPr>
+          <a:lstStyle/>
+          <a:p>
+            <a:pPr marL="457200" indent="-457200">
+              <a:buFont typeface="Arial" panose="020B0604020202020204" pitchFamily="34" charset="0"/>
+              <a:buChar char="•"/>
+            </a:pPr>
+            <a:r>
+              <a:rPr lang="en-US" sz="3200" dirty="0">
+                <a:latin typeface="Garamond" panose="02020404030301010803" pitchFamily="18" charset="0"/>
+              </a:rPr>
+              <a:t>analyze all three sentiments</a:t>
+            </a:r>
+          </a:p>
+        </p:txBody>
+      </p:sp>
+      <p:sp>
+        <p:nvSpPr>
+          <p:cNvPr id="5" name="TextBox 4">
+            <a:extLst>
+              <a:ext uri="{FF2B5EF4-FFF2-40B4-BE49-F238E27FC236}">
+                <a16:creationId xmlns:a16="http://schemas.microsoft.com/office/drawing/2014/main" id="{C4000F46-69B5-EDDA-78D7-43BB9CD8000D}"/>
+              </a:ext>
+            </a:extLst>
+          </p:cNvPr>
+          <p:cNvSpPr txBox="1"/>
+          <p:nvPr/>
+        </p:nvSpPr>
+        <p:spPr>
+          <a:xfrm>
+            <a:off x="838200" y="3016251"/>
+            <a:ext cx="9251950" cy="1077218"/>
+          </a:xfrm>
+          <a:prstGeom prst="rect">
+            <a:avLst/>
+          </a:prstGeom>
+          <a:noFill/>
+        </p:spPr>
+        <p:txBody>
+          <a:bodyPr wrap="square" rtlCol="0">
+            <a:spAutoFit/>
+          </a:bodyPr>
+          <a:lstStyle/>
+          <a:p>
+            <a:pPr marL="457200" indent="-457200">
+              <a:buFont typeface="Arial" panose="020B0604020202020204" pitchFamily="34" charset="0"/>
+              <a:buChar char="•"/>
+            </a:pPr>
+            <a:r>
+              <a:rPr lang="en-US" sz="3200" dirty="0">
+                <a:latin typeface="Garamond" panose="02020404030301010803" pitchFamily="18" charset="0"/>
+              </a:rPr>
+              <a:t>incorporate more features to the model (e.g. tweet length)</a:t>
+            </a:r>
+          </a:p>
+        </p:txBody>
+      </p:sp>
+      <p:sp>
+        <p:nvSpPr>
+          <p:cNvPr id="6" name="TextBox 5">
+            <a:extLst>
+              <a:ext uri="{FF2B5EF4-FFF2-40B4-BE49-F238E27FC236}">
+                <a16:creationId xmlns:a16="http://schemas.microsoft.com/office/drawing/2014/main" id="{CB9AB30D-0FDB-AF3A-7242-1534C80F2FD3}"/>
+              </a:ext>
+            </a:extLst>
+          </p:cNvPr>
+          <p:cNvSpPr txBox="1"/>
+          <p:nvPr/>
+        </p:nvSpPr>
+        <p:spPr>
+          <a:xfrm>
+            <a:off x="838200" y="4834257"/>
+            <a:ext cx="9251950" cy="584775"/>
+          </a:xfrm>
+          <a:prstGeom prst="rect">
+            <a:avLst/>
+          </a:prstGeom>
+          <a:noFill/>
+        </p:spPr>
+        <p:txBody>
+          <a:bodyPr wrap="square" rtlCol="0">
+            <a:spAutoFit/>
+          </a:bodyPr>
+          <a:lstStyle/>
+          <a:p>
+            <a:pPr marL="457200" indent="-457200">
+              <a:buFont typeface="Arial" panose="020B0604020202020204" pitchFamily="34" charset="0"/>
+              <a:buChar char="•"/>
+            </a:pPr>
+            <a:r>
+              <a:rPr lang="en-US" sz="3200" dirty="0">
+                <a:latin typeface="Garamond" panose="02020404030301010803" pitchFamily="18" charset="0"/>
+              </a:rPr>
+              <a:t>get to the bottom of overfitting issues</a:t>
+            </a:r>
+          </a:p>
+        </p:txBody>
+      </p:sp>
     </p:spTree>
     <p:extLst>
       <p:ext uri="{BB962C8B-B14F-4D97-AF65-F5344CB8AC3E}">
@@ -3624,6 +3747,219 @@
   <p:clrMapOvr>
     <a:masterClrMapping/>
   </p:clrMapOvr>
+  <p:timing>
+    <p:tnLst>
+      <p:par>
+        <p:cTn id="1" dur="indefinite" restart="never" nodeType="tmRoot">
+          <p:childTnLst>
+            <p:seq concurrent="1" nextAc="seek">
+              <p:cTn id="2" dur="indefinite" nodeType="mainSeq">
+                <p:childTnLst>
+                  <p:par>
+                    <p:cTn id="3" fill="hold">
+                      <p:stCondLst>
+                        <p:cond delay="indefinite"/>
+                      </p:stCondLst>
+                      <p:childTnLst>
+                        <p:par>
+                          <p:cTn id="4" fill="hold">
+                            <p:stCondLst>
+                              <p:cond delay="0"/>
+                            </p:stCondLst>
+                            <p:childTnLst>
+                              <p:par>
+                                <p:cTn id="5" presetID="9" presetClass="entr" presetSubtype="0" fill="hold" nodeType="clickEffect">
+                                  <p:stCondLst>
+                                    <p:cond delay="0"/>
+                                  </p:stCondLst>
+                                  <p:childTnLst>
+                                    <p:set>
+                                      <p:cBhvr>
+                                        <p:cTn id="6" dur="1" fill="hold">
+                                          <p:stCondLst>
+                                            <p:cond delay="0"/>
+                                          </p:stCondLst>
+                                        </p:cTn>
+                                        <p:tgtEl>
+                                          <p:spTgt spid="3">
+                                            <p:txEl>
+                                              <p:pRg st="0" end="0"/>
+                                            </p:txEl>
+                                          </p:spTgt>
+                                        </p:tgtEl>
+                                        <p:attrNameLst>
+                                          <p:attrName>style.visibility</p:attrName>
+                                        </p:attrNameLst>
+                                      </p:cBhvr>
+                                      <p:to>
+                                        <p:strVal val="visible"/>
+                                      </p:to>
+                                    </p:set>
+                                    <p:animEffect transition="in" filter="dissolve">
+                                      <p:cBhvr>
+                                        <p:cTn id="7" dur="500"/>
+                                        <p:tgtEl>
+                                          <p:spTgt spid="3">
+                                            <p:txEl>
+                                              <p:pRg st="0" end="0"/>
+                                            </p:txEl>
+                                          </p:spTgt>
+                                        </p:tgtEl>
+                                      </p:cBhvr>
+                                    </p:animEffect>
+                                  </p:childTnLst>
+                                </p:cTn>
+                              </p:par>
+                            </p:childTnLst>
+                          </p:cTn>
+                        </p:par>
+                      </p:childTnLst>
+                    </p:cTn>
+                  </p:par>
+                  <p:par>
+                    <p:cTn id="8" fill="hold">
+                      <p:stCondLst>
+                        <p:cond delay="indefinite"/>
+                      </p:stCondLst>
+                      <p:childTnLst>
+                        <p:par>
+                          <p:cTn id="9" fill="hold">
+                            <p:stCondLst>
+                              <p:cond delay="0"/>
+                            </p:stCondLst>
+                            <p:childTnLst>
+                              <p:par>
+                                <p:cTn id="10" presetID="9" presetClass="entr" presetSubtype="0" fill="hold" nodeType="clickEffect">
+                                  <p:stCondLst>
+                                    <p:cond delay="0"/>
+                                  </p:stCondLst>
+                                  <p:childTnLst>
+                                    <p:set>
+                                      <p:cBhvr>
+                                        <p:cTn id="11" dur="1" fill="hold">
+                                          <p:stCondLst>
+                                            <p:cond delay="0"/>
+                                          </p:stCondLst>
+                                        </p:cTn>
+                                        <p:tgtEl>
+                                          <p:spTgt spid="5">
+                                            <p:txEl>
+                                              <p:pRg st="0" end="0"/>
+                                            </p:txEl>
+                                          </p:spTgt>
+                                        </p:tgtEl>
+                                        <p:attrNameLst>
+                                          <p:attrName>style.visibility</p:attrName>
+                                        </p:attrNameLst>
+                                      </p:cBhvr>
+                                      <p:to>
+                                        <p:strVal val="visible"/>
+                                      </p:to>
+                                    </p:set>
+                                    <p:animEffect transition="in" filter="dissolve">
+                                      <p:cBhvr>
+                                        <p:cTn id="12" dur="500"/>
+                                        <p:tgtEl>
+                                          <p:spTgt spid="5">
+                                            <p:txEl>
+                                              <p:pRg st="0" end="0"/>
+                                            </p:txEl>
+                                          </p:spTgt>
+                                        </p:tgtEl>
+                                      </p:cBhvr>
+                                    </p:animEffect>
+                                  </p:childTnLst>
+                                </p:cTn>
+                              </p:par>
+                            </p:childTnLst>
+                          </p:cTn>
+                        </p:par>
+                      </p:childTnLst>
+                    </p:cTn>
+                  </p:par>
+                  <p:par>
+                    <p:cTn id="13" fill="hold">
+                      <p:stCondLst>
+                        <p:cond delay="indefinite"/>
+                      </p:stCondLst>
+                      <p:childTnLst>
+                        <p:par>
+                          <p:cTn id="14" fill="hold">
+                            <p:stCondLst>
+                              <p:cond delay="0"/>
+                            </p:stCondLst>
+                            <p:childTnLst>
+                              <p:par>
+                                <p:cTn id="15" presetID="9" presetClass="entr" presetSubtype="0" fill="hold" nodeType="clickEffect">
+                                  <p:stCondLst>
+                                    <p:cond delay="0"/>
+                                  </p:stCondLst>
+                                  <p:childTnLst>
+                                    <p:set>
+                                      <p:cBhvr>
+                                        <p:cTn id="16" dur="1" fill="hold">
+                                          <p:stCondLst>
+                                            <p:cond delay="0"/>
+                                          </p:stCondLst>
+                                        </p:cTn>
+                                        <p:tgtEl>
+                                          <p:spTgt spid="6">
+                                            <p:txEl>
+                                              <p:pRg st="0" end="0"/>
+                                            </p:txEl>
+                                          </p:spTgt>
+                                        </p:tgtEl>
+                                        <p:attrNameLst>
+                                          <p:attrName>style.visibility</p:attrName>
+                                        </p:attrNameLst>
+                                      </p:cBhvr>
+                                      <p:to>
+                                        <p:strVal val="visible"/>
+                                      </p:to>
+                                    </p:set>
+                                    <p:animEffect transition="in" filter="dissolve">
+                                      <p:cBhvr>
+                                        <p:cTn id="17" dur="500"/>
+                                        <p:tgtEl>
+                                          <p:spTgt spid="6">
+                                            <p:txEl>
+                                              <p:pRg st="0" end="0"/>
+                                            </p:txEl>
+                                          </p:spTgt>
+                                        </p:tgtEl>
+                                      </p:cBhvr>
+                                    </p:animEffect>
+                                  </p:childTnLst>
+                                </p:cTn>
+                              </p:par>
+                            </p:childTnLst>
+                          </p:cTn>
+                        </p:par>
+                      </p:childTnLst>
+                    </p:cTn>
+                  </p:par>
+                </p:childTnLst>
+              </p:cTn>
+              <p:prevCondLst>
+                <p:cond evt="onPrev" delay="0">
+                  <p:tgtEl>
+                    <p:sldTgt/>
+                  </p:tgtEl>
+                </p:cond>
+              </p:prevCondLst>
+              <p:nextCondLst>
+                <p:cond evt="onNext" delay="0">
+                  <p:tgtEl>
+                    <p:sldTgt/>
+                  </p:tgtEl>
+                </p:cond>
+              </p:nextCondLst>
+            </p:seq>
+          </p:childTnLst>
+        </p:cTn>
+      </p:par>
+    </p:tnLst>
+  </p:timing>
 </p:sld>
 </file>
 
@@ -4065,6 +4401,142 @@
   <p:clrMapOvr>
     <a:masterClrMapping/>
   </p:clrMapOvr>
+  <p:timing>
+    <p:tnLst>
+      <p:par>
+        <p:cTn id="1" dur="indefinite" restart="never" nodeType="tmRoot">
+          <p:childTnLst>
+            <p:seq concurrent="1" nextAc="seek">
+              <p:cTn id="2" dur="indefinite" nodeType="mainSeq">
+                <p:childTnLst>
+                  <p:par>
+                    <p:cTn id="3" fill="hold">
+                      <p:stCondLst>
+                        <p:cond delay="indefinite"/>
+                      </p:stCondLst>
+                      <p:childTnLst>
+                        <p:par>
+                          <p:cTn id="4" fill="hold">
+                            <p:stCondLst>
+                              <p:cond delay="0"/>
+                            </p:stCondLst>
+                            <p:childTnLst>
+                              <p:par>
+                                <p:cTn id="5" presetID="9" presetClass="entr" presetSubtype="0" fill="hold" nodeType="clickEffect">
+                                  <p:stCondLst>
+                                    <p:cond delay="0"/>
+                                  </p:stCondLst>
+                                  <p:childTnLst>
+                                    <p:set>
+                                      <p:cBhvr>
+                                        <p:cTn id="6" dur="1" fill="hold">
+                                          <p:stCondLst>
+                                            <p:cond delay="0"/>
+                                          </p:stCondLst>
+                                        </p:cTn>
+                                        <p:tgtEl>
+                                          <p:spTgt spid="2054"/>
+                                        </p:tgtEl>
+                                        <p:attrNameLst>
+                                          <p:attrName>style.visibility</p:attrName>
+                                        </p:attrNameLst>
+                                      </p:cBhvr>
+                                      <p:to>
+                                        <p:strVal val="visible"/>
+                                      </p:to>
+                                    </p:set>
+                                    <p:animEffect transition="in" filter="dissolve">
+                                      <p:cBhvr>
+                                        <p:cTn id="7" dur="500"/>
+                                        <p:tgtEl>
+                                          <p:spTgt spid="2054"/>
+                                        </p:tgtEl>
+                                      </p:cBhvr>
+                                    </p:animEffect>
+                                  </p:childTnLst>
+                                </p:cTn>
+                              </p:par>
+                            </p:childTnLst>
+                          </p:cTn>
+                        </p:par>
+                      </p:childTnLst>
+                    </p:cTn>
+                  </p:par>
+                  <p:par>
+                    <p:cTn id="8" fill="hold">
+                      <p:stCondLst>
+                        <p:cond delay="indefinite"/>
+                      </p:stCondLst>
+                      <p:childTnLst>
+                        <p:par>
+                          <p:cTn id="9" fill="hold">
+                            <p:stCondLst>
+                              <p:cond delay="0"/>
+                            </p:stCondLst>
+                            <p:childTnLst>
+                              <p:par>
+                                <p:cTn id="10" presetID="9" presetClass="entr" presetSubtype="0" fill="hold" nodeType="clickEffect">
+                                  <p:stCondLst>
+                                    <p:cond delay="0"/>
+                                  </p:stCondLst>
+                                  <p:childTnLst>
+                                    <p:set>
+                                      <p:cBhvr>
+                                        <p:cTn id="11" dur="1" fill="hold">
+                                          <p:stCondLst>
+                                            <p:cond delay="0"/>
+                                          </p:stCondLst>
+                                        </p:cTn>
+                                        <p:tgtEl>
+                                          <p:spTgt spid="2050"/>
+                                        </p:tgtEl>
+                                        <p:attrNameLst>
+                                          <p:attrName>style.visibility</p:attrName>
+                                        </p:attrNameLst>
+                                      </p:cBhvr>
+                                      <p:to>
+                                        <p:strVal val="visible"/>
+                                      </p:to>
+                                    </p:set>
+                                    <p:animEffect transition="in" filter="dissolve">
+                                      <p:cBhvr>
+                                        <p:cTn id="12" dur="500"/>
+                                        <p:tgtEl>
+                                          <p:spTgt spid="2050"/>
+                                        </p:tgtEl>
+                                      </p:cBhvr>
+                                    </p:animEffect>
+                                  </p:childTnLst>
+                                </p:cTn>
+                              </p:par>
+                            </p:childTnLst>
+                          </p:cTn>
+                        </p:par>
+                      </p:childTnLst>
+                    </p:cTn>
+                  </p:par>
+                </p:childTnLst>
+              </p:cTn>
+              <p:prevCondLst>
+                <p:cond evt="onPrev" delay="0">
+                  <p:tgtEl>
+                    <p:sldTgt/>
+                  </p:tgtEl>
+                </p:cond>
+              </p:prevCondLst>
+              <p:nextCondLst>
+                <p:cond evt="onNext" delay="0">
+                  <p:tgtEl>
+                    <p:sldTgt/>
+                  </p:tgtEl>
+                </p:cond>
+              </p:nextCondLst>
+            </p:seq>
+          </p:childTnLst>
+        </p:cTn>
+      </p:par>
+    </p:tnLst>
+  </p:timing>
 </p:sld>
 </file>
 
@@ -4202,6 +4674,146 @@
   <p:clrMapOvr>
     <a:masterClrMapping/>
   </p:clrMapOvr>
+  <p:timing>
+    <p:tnLst>
+      <p:par>
+        <p:cTn id="1" dur="indefinite" restart="never" nodeType="tmRoot">
+          <p:childTnLst>
+            <p:seq concurrent="1" nextAc="seek">
+              <p:cTn id="2" dur="indefinite" nodeType="mainSeq">
+                <p:childTnLst>
+                  <p:par>
+                    <p:cTn id="3" fill="hold">
+                      <p:stCondLst>
+                        <p:cond delay="indefinite"/>
+                      </p:stCondLst>
+                      <p:childTnLst>
+                        <p:par>
+                          <p:cTn id="4" fill="hold">
+                            <p:stCondLst>
+                              <p:cond delay="0"/>
+                            </p:stCondLst>
+                            <p:childTnLst>
+                              <p:par>
+                                <p:cTn id="5" presetID="9" presetClass="entr" presetSubtype="0" fill="hold" grpId="0" nodeType="clickEffect">
+                                  <p:stCondLst>
+                                    <p:cond delay="0"/>
+                                  </p:stCondLst>
+                                  <p:childTnLst>
+                                    <p:set>
+                                      <p:cBhvr>
+                                        <p:cTn id="6" dur="1" fill="hold">
+                                          <p:stCondLst>
+                                            <p:cond delay="0"/>
+                                          </p:stCondLst>
+                                        </p:cTn>
+                                        <p:tgtEl>
+                                          <p:spTgt spid="3"/>
+                                        </p:tgtEl>
+                                        <p:attrNameLst>
+                                          <p:attrName>style.visibility</p:attrName>
+                                        </p:attrNameLst>
+                                      </p:cBhvr>
+                                      <p:to>
+                                        <p:strVal val="visible"/>
+                                      </p:to>
+                                    </p:set>
+                                    <p:animEffect transition="in" filter="dissolve">
+                                      <p:cBhvr>
+                                        <p:cTn id="7" dur="500"/>
+                                        <p:tgtEl>
+                                          <p:spTgt spid="3"/>
+                                        </p:tgtEl>
+                                      </p:cBhvr>
+                                    </p:animEffect>
+                                  </p:childTnLst>
+                                </p:cTn>
+                              </p:par>
+                            </p:childTnLst>
+                          </p:cTn>
+                        </p:par>
+                      </p:childTnLst>
+                    </p:cTn>
+                  </p:par>
+                  <p:par>
+                    <p:cTn id="8" fill="hold">
+                      <p:stCondLst>
+                        <p:cond delay="indefinite"/>
+                      </p:stCondLst>
+                      <p:childTnLst>
+                        <p:par>
+                          <p:cTn id="9" fill="hold">
+                            <p:stCondLst>
+                              <p:cond delay="0"/>
+                            </p:stCondLst>
+                            <p:childTnLst>
+                              <p:par>
+                                <p:cTn id="10" presetID="9" presetClass="entr" presetSubtype="0" fill="hold" grpId="0" nodeType="clickEffect">
+                                  <p:stCondLst>
+                                    <p:cond delay="0"/>
+                                  </p:stCondLst>
+                                  <p:childTnLst>
+                                    <p:set>
+                                      <p:cBhvr>
+                                        <p:cTn id="11" dur="1" fill="hold">
+                                          <p:stCondLst>
+                                            <p:cond delay="0"/>
+                                          </p:stCondLst>
+                                        </p:cTn>
+                                        <p:tgtEl>
+                                          <p:spTgt spid="4"/>
+                                        </p:tgtEl>
+                                        <p:attrNameLst>
+                                          <p:attrName>style.visibility</p:attrName>
+                                        </p:attrNameLst>
+                                      </p:cBhvr>
+                                      <p:to>
+                                        <p:strVal val="visible"/>
+                                      </p:to>
+                                    </p:set>
+                                    <p:animEffect transition="in" filter="dissolve">
+                                      <p:cBhvr>
+                                        <p:cTn id="12" dur="500"/>
+                                        <p:tgtEl>
+                                          <p:spTgt spid="4"/>
+                                        </p:tgtEl>
+                                      </p:cBhvr>
+                                    </p:animEffect>
+                                  </p:childTnLst>
+                                </p:cTn>
+                              </p:par>
+                            </p:childTnLst>
+                          </p:cTn>
+                        </p:par>
+                      </p:childTnLst>
+                    </p:cTn>
+                  </p:par>
+                </p:childTnLst>
+              </p:cTn>
+              <p:prevCondLst>
+                <p:cond evt="onPrev" delay="0">
+                  <p:tgtEl>
+                    <p:sldTgt/>
+                  </p:tgtEl>
+                </p:cond>
+              </p:prevCondLst>
+              <p:nextCondLst>
+                <p:cond evt="onNext" delay="0">
+                  <p:tgtEl>
+                    <p:sldTgt/>
+                  </p:tgtEl>
+                </p:cond>
+              </p:nextCondLst>
+            </p:seq>
+          </p:childTnLst>
+        </p:cTn>
+      </p:par>
+    </p:tnLst>
+    <p:bldLst>
+      <p:bldP spid="3" grpId="0"/>
+      <p:bldP spid="4" grpId="0"/>
+    </p:bldLst>
+  </p:timing>
 </p:sld>
 </file>
 
@@ -4614,6 +5226,606 @@
   <p:clrMapOvr>
     <a:masterClrMapping/>
   </p:clrMapOvr>
+  <p:timing>
+    <p:tnLst>
+      <p:par>
+        <p:cTn id="1" dur="indefinite" restart="never" nodeType="tmRoot">
+          <p:childTnLst>
+            <p:seq concurrent="1" nextAc="seek">
+              <p:cTn id="2" dur="indefinite" nodeType="mainSeq">
+                <p:childTnLst>
+                  <p:par>
+                    <p:cTn id="3" fill="hold">
+                      <p:stCondLst>
+                        <p:cond delay="indefinite"/>
+                      </p:stCondLst>
+                      <p:childTnLst>
+                        <p:par>
+                          <p:cTn id="4" fill="hold">
+                            <p:stCondLst>
+                              <p:cond delay="0"/>
+                            </p:stCondLst>
+                            <p:childTnLst>
+                              <p:par>
+                                <p:cTn id="5" presetID="2" presetClass="entr" presetSubtype="8" fill="hold" grpId="0" nodeType="clickEffect">
+                                  <p:stCondLst>
+                                    <p:cond delay="0"/>
+                                  </p:stCondLst>
+                                  <p:childTnLst>
+                                    <p:set>
+                                      <p:cBhvr>
+                                        <p:cTn id="6" dur="1" fill="hold">
+                                          <p:stCondLst>
+                                            <p:cond delay="0"/>
+                                          </p:stCondLst>
+                                        </p:cTn>
+                                        <p:tgtEl>
+                                          <p:spTgt spid="3"/>
+                                        </p:tgtEl>
+                                        <p:attrNameLst>
+                                          <p:attrName>style.visibility</p:attrName>
+                                        </p:attrNameLst>
+                                      </p:cBhvr>
+                                      <p:to>
+                                        <p:strVal val="visible"/>
+                                      </p:to>
+                                    </p:set>
+                                    <p:anim calcmode="lin" valueType="num">
+                                      <p:cBhvr additive="base">
+                                        <p:cTn id="7" dur="500" fill="hold"/>
+                                        <p:tgtEl>
+                                          <p:spTgt spid="3"/>
+                                        </p:tgtEl>
+                                        <p:attrNameLst>
+                                          <p:attrName>ppt_x</p:attrName>
+                                        </p:attrNameLst>
+                                      </p:cBhvr>
+                                      <p:tavLst>
+                                        <p:tav tm="0">
+                                          <p:val>
+                                            <p:strVal val="0-#ppt_w/2"/>
+                                          </p:val>
+                                        </p:tav>
+                                        <p:tav tm="100000">
+                                          <p:val>
+                                            <p:strVal val="#ppt_x"/>
+                                          </p:val>
+                                        </p:tav>
+                                      </p:tavLst>
+                                    </p:anim>
+                                    <p:anim calcmode="lin" valueType="num">
+                                      <p:cBhvr additive="base">
+                                        <p:cTn id="8" dur="500" fill="hold"/>
+                                        <p:tgtEl>
+                                          <p:spTgt spid="3"/>
+                                        </p:tgtEl>
+                                        <p:attrNameLst>
+                                          <p:attrName>ppt_y</p:attrName>
+                                        </p:attrNameLst>
+                                      </p:cBhvr>
+                                      <p:tavLst>
+                                        <p:tav tm="0">
+                                          <p:val>
+                                            <p:strVal val="#ppt_y"/>
+                                          </p:val>
+                                        </p:tav>
+                                        <p:tav tm="100000">
+                                          <p:val>
+                                            <p:strVal val="#ppt_y"/>
+                                          </p:val>
+                                        </p:tav>
+                                      </p:tavLst>
+                                    </p:anim>
+                                  </p:childTnLst>
+                                </p:cTn>
+                              </p:par>
+                              <p:par>
+                                <p:cTn id="9" presetID="2" presetClass="entr" presetSubtype="8" fill="hold" nodeType="withEffect">
+                                  <p:stCondLst>
+                                    <p:cond delay="0"/>
+                                  </p:stCondLst>
+                                  <p:childTnLst>
+                                    <p:set>
+                                      <p:cBhvr>
+                                        <p:cTn id="10" dur="1" fill="hold">
+                                          <p:stCondLst>
+                                            <p:cond delay="0"/>
+                                          </p:stCondLst>
+                                        </p:cTn>
+                                        <p:tgtEl>
+                                          <p:spTgt spid="4100"/>
+                                        </p:tgtEl>
+                                        <p:attrNameLst>
+                                          <p:attrName>style.visibility</p:attrName>
+                                        </p:attrNameLst>
+                                      </p:cBhvr>
+                                      <p:to>
+                                        <p:strVal val="visible"/>
+                                      </p:to>
+                                    </p:set>
+                                    <p:anim calcmode="lin" valueType="num">
+                                      <p:cBhvr additive="base">
+                                        <p:cTn id="11" dur="500" fill="hold"/>
+                                        <p:tgtEl>
+                                          <p:spTgt spid="4100"/>
+                                        </p:tgtEl>
+                                        <p:attrNameLst>
+                                          <p:attrName>ppt_x</p:attrName>
+                                        </p:attrNameLst>
+                                      </p:cBhvr>
+                                      <p:tavLst>
+                                        <p:tav tm="0">
+                                          <p:val>
+                                            <p:strVal val="0-#ppt_w/2"/>
+                                          </p:val>
+                                        </p:tav>
+                                        <p:tav tm="100000">
+                                          <p:val>
+                                            <p:strVal val="#ppt_x"/>
+                                          </p:val>
+                                        </p:tav>
+                                      </p:tavLst>
+                                    </p:anim>
+                                    <p:anim calcmode="lin" valueType="num">
+                                      <p:cBhvr additive="base">
+                                        <p:cTn id="12" dur="500" fill="hold"/>
+                                        <p:tgtEl>
+                                          <p:spTgt spid="4100"/>
+                                        </p:tgtEl>
+                                        <p:attrNameLst>
+                                          <p:attrName>ppt_y</p:attrName>
+                                        </p:attrNameLst>
+                                      </p:cBhvr>
+                                      <p:tavLst>
+                                        <p:tav tm="0">
+                                          <p:val>
+                                            <p:strVal val="#ppt_y"/>
+                                          </p:val>
+                                        </p:tav>
+                                        <p:tav tm="100000">
+                                          <p:val>
+                                            <p:strVal val="#ppt_y"/>
+                                          </p:val>
+                                        </p:tav>
+                                      </p:tavLst>
+                                    </p:anim>
+                                  </p:childTnLst>
+                                </p:cTn>
+                              </p:par>
+                            </p:childTnLst>
+                          </p:cTn>
+                        </p:par>
+                      </p:childTnLst>
+                    </p:cTn>
+                  </p:par>
+                  <p:par>
+                    <p:cTn id="13" fill="hold">
+                      <p:stCondLst>
+                        <p:cond delay="indefinite"/>
+                      </p:stCondLst>
+                      <p:childTnLst>
+                        <p:par>
+                          <p:cTn id="14" fill="hold">
+                            <p:stCondLst>
+                              <p:cond delay="0"/>
+                            </p:stCondLst>
+                            <p:childTnLst>
+                              <p:par>
+                                <p:cTn id="15" presetID="2" presetClass="entr" presetSubtype="2" fill="hold" nodeType="clickEffect">
+                                  <p:stCondLst>
+                                    <p:cond delay="0"/>
+                                  </p:stCondLst>
+                                  <p:childTnLst>
+                                    <p:set>
+                                      <p:cBhvr>
+                                        <p:cTn id="16" dur="1" fill="hold">
+                                          <p:stCondLst>
+                                            <p:cond delay="0"/>
+                                          </p:stCondLst>
+                                        </p:cTn>
+                                        <p:tgtEl>
+                                          <p:spTgt spid="4098"/>
+                                        </p:tgtEl>
+                                        <p:attrNameLst>
+                                          <p:attrName>style.visibility</p:attrName>
+                                        </p:attrNameLst>
+                                      </p:cBhvr>
+                                      <p:to>
+                                        <p:strVal val="visible"/>
+                                      </p:to>
+                                    </p:set>
+                                    <p:anim calcmode="lin" valueType="num">
+                                      <p:cBhvr additive="base">
+                                        <p:cTn id="17" dur="500" fill="hold"/>
+                                        <p:tgtEl>
+                                          <p:spTgt spid="4098"/>
+                                        </p:tgtEl>
+                                        <p:attrNameLst>
+                                          <p:attrName>ppt_x</p:attrName>
+                                        </p:attrNameLst>
+                                      </p:cBhvr>
+                                      <p:tavLst>
+                                        <p:tav tm="0">
+                                          <p:val>
+                                            <p:strVal val="1+#ppt_w/2"/>
+                                          </p:val>
+                                        </p:tav>
+                                        <p:tav tm="100000">
+                                          <p:val>
+                                            <p:strVal val="#ppt_x"/>
+                                          </p:val>
+                                        </p:tav>
+                                      </p:tavLst>
+                                    </p:anim>
+                                    <p:anim calcmode="lin" valueType="num">
+                                      <p:cBhvr additive="base">
+                                        <p:cTn id="18" dur="500" fill="hold"/>
+                                        <p:tgtEl>
+                                          <p:spTgt spid="4098"/>
+                                        </p:tgtEl>
+                                        <p:attrNameLst>
+                                          <p:attrName>ppt_y</p:attrName>
+                                        </p:attrNameLst>
+                                      </p:cBhvr>
+                                      <p:tavLst>
+                                        <p:tav tm="0">
+                                          <p:val>
+                                            <p:strVal val="#ppt_y"/>
+                                          </p:val>
+                                        </p:tav>
+                                        <p:tav tm="100000">
+                                          <p:val>
+                                            <p:strVal val="#ppt_y"/>
+                                          </p:val>
+                                        </p:tav>
+                                      </p:tavLst>
+                                    </p:anim>
+                                  </p:childTnLst>
+                                </p:cTn>
+                              </p:par>
+                              <p:par>
+                                <p:cTn id="19" presetID="2" presetClass="entr" presetSubtype="2" fill="hold" grpId="0" nodeType="withEffect">
+                                  <p:stCondLst>
+                                    <p:cond delay="0"/>
+                                  </p:stCondLst>
+                                  <p:childTnLst>
+                                    <p:set>
+                                      <p:cBhvr>
+                                        <p:cTn id="20" dur="1" fill="hold">
+                                          <p:stCondLst>
+                                            <p:cond delay="0"/>
+                                          </p:stCondLst>
+                                        </p:cTn>
+                                        <p:tgtEl>
+                                          <p:spTgt spid="5"/>
+                                        </p:tgtEl>
+                                        <p:attrNameLst>
+                                          <p:attrName>style.visibility</p:attrName>
+                                        </p:attrNameLst>
+                                      </p:cBhvr>
+                                      <p:to>
+                                        <p:strVal val="visible"/>
+                                      </p:to>
+                                    </p:set>
+                                    <p:anim calcmode="lin" valueType="num">
+                                      <p:cBhvr additive="base">
+                                        <p:cTn id="21" dur="500" fill="hold"/>
+                                        <p:tgtEl>
+                                          <p:spTgt spid="5"/>
+                                        </p:tgtEl>
+                                        <p:attrNameLst>
+                                          <p:attrName>ppt_x</p:attrName>
+                                        </p:attrNameLst>
+                                      </p:cBhvr>
+                                      <p:tavLst>
+                                        <p:tav tm="0">
+                                          <p:val>
+                                            <p:strVal val="1+#ppt_w/2"/>
+                                          </p:val>
+                                        </p:tav>
+                                        <p:tav tm="100000">
+                                          <p:val>
+                                            <p:strVal val="#ppt_x"/>
+                                          </p:val>
+                                        </p:tav>
+                                      </p:tavLst>
+                                    </p:anim>
+                                    <p:anim calcmode="lin" valueType="num">
+                                      <p:cBhvr additive="base">
+                                        <p:cTn id="22" dur="500" fill="hold"/>
+                                        <p:tgtEl>
+                                          <p:spTgt spid="5"/>
+                                        </p:tgtEl>
+                                        <p:attrNameLst>
+                                          <p:attrName>ppt_y</p:attrName>
+                                        </p:attrNameLst>
+                                      </p:cBhvr>
+                                      <p:tavLst>
+                                        <p:tav tm="0">
+                                          <p:val>
+                                            <p:strVal val="#ppt_y"/>
+                                          </p:val>
+                                        </p:tav>
+                                        <p:tav tm="100000">
+                                          <p:val>
+                                            <p:strVal val="#ppt_y"/>
+                                          </p:val>
+                                        </p:tav>
+                                      </p:tavLst>
+                                    </p:anim>
+                                  </p:childTnLst>
+                                </p:cTn>
+                              </p:par>
+                            </p:childTnLst>
+                          </p:cTn>
+                        </p:par>
+                      </p:childTnLst>
+                    </p:cTn>
+                  </p:par>
+                  <p:par>
+                    <p:cTn id="23" fill="hold">
+                      <p:stCondLst>
+                        <p:cond delay="indefinite"/>
+                      </p:stCondLst>
+                      <p:childTnLst>
+                        <p:par>
+                          <p:cTn id="24" fill="hold">
+                            <p:stCondLst>
+                              <p:cond delay="0"/>
+                            </p:stCondLst>
+                            <p:childTnLst>
+                              <p:par>
+                                <p:cTn id="25" presetID="2" presetClass="entr" presetSubtype="8" fill="hold" nodeType="clickEffect">
+                                  <p:stCondLst>
+                                    <p:cond delay="0"/>
+                                  </p:stCondLst>
+                                  <p:childTnLst>
+                                    <p:set>
+                                      <p:cBhvr>
+                                        <p:cTn id="26" dur="1" fill="hold">
+                                          <p:stCondLst>
+                                            <p:cond delay="0"/>
+                                          </p:stCondLst>
+                                        </p:cTn>
+                                        <p:tgtEl>
+                                          <p:spTgt spid="4110"/>
+                                        </p:tgtEl>
+                                        <p:attrNameLst>
+                                          <p:attrName>style.visibility</p:attrName>
+                                        </p:attrNameLst>
+                                      </p:cBhvr>
+                                      <p:to>
+                                        <p:strVal val="visible"/>
+                                      </p:to>
+                                    </p:set>
+                                    <p:anim calcmode="lin" valueType="num">
+                                      <p:cBhvr additive="base">
+                                        <p:cTn id="27" dur="500" fill="hold"/>
+                                        <p:tgtEl>
+                                          <p:spTgt spid="4110"/>
+                                        </p:tgtEl>
+                                        <p:attrNameLst>
+                                          <p:attrName>ppt_x</p:attrName>
+                                        </p:attrNameLst>
+                                      </p:cBhvr>
+                                      <p:tavLst>
+                                        <p:tav tm="0">
+                                          <p:val>
+                                            <p:strVal val="0-#ppt_w/2"/>
+                                          </p:val>
+                                        </p:tav>
+                                        <p:tav tm="100000">
+                                          <p:val>
+                                            <p:strVal val="#ppt_x"/>
+                                          </p:val>
+                                        </p:tav>
+                                      </p:tavLst>
+                                    </p:anim>
+                                    <p:anim calcmode="lin" valueType="num">
+                                      <p:cBhvr additive="base">
+                                        <p:cTn id="28" dur="500" fill="hold"/>
+                                        <p:tgtEl>
+                                          <p:spTgt spid="4110"/>
+                                        </p:tgtEl>
+                                        <p:attrNameLst>
+                                          <p:attrName>ppt_y</p:attrName>
+                                        </p:attrNameLst>
+                                      </p:cBhvr>
+                                      <p:tavLst>
+                                        <p:tav tm="0">
+                                          <p:val>
+                                            <p:strVal val="#ppt_y"/>
+                                          </p:val>
+                                        </p:tav>
+                                        <p:tav tm="100000">
+                                          <p:val>
+                                            <p:strVal val="#ppt_y"/>
+                                          </p:val>
+                                        </p:tav>
+                                      </p:tavLst>
+                                    </p:anim>
+                                  </p:childTnLst>
+                                </p:cTn>
+                              </p:par>
+                              <p:par>
+                                <p:cTn id="29" presetID="2" presetClass="entr" presetSubtype="8" fill="hold" nodeType="withEffect">
+                                  <p:stCondLst>
+                                    <p:cond delay="0"/>
+                                  </p:stCondLst>
+                                  <p:childTnLst>
+                                    <p:set>
+                                      <p:cBhvr>
+                                        <p:cTn id="30" dur="1" fill="hold">
+                                          <p:stCondLst>
+                                            <p:cond delay="0"/>
+                                          </p:stCondLst>
+                                        </p:cTn>
+                                        <p:tgtEl>
+                                          <p:spTgt spid="4108"/>
+                                        </p:tgtEl>
+                                        <p:attrNameLst>
+                                          <p:attrName>style.visibility</p:attrName>
+                                        </p:attrNameLst>
+                                      </p:cBhvr>
+                                      <p:to>
+                                        <p:strVal val="visible"/>
+                                      </p:to>
+                                    </p:set>
+                                    <p:anim calcmode="lin" valueType="num">
+                                      <p:cBhvr additive="base">
+                                        <p:cTn id="31" dur="500" fill="hold"/>
+                                        <p:tgtEl>
+                                          <p:spTgt spid="4108"/>
+                                        </p:tgtEl>
+                                        <p:attrNameLst>
+                                          <p:attrName>ppt_x</p:attrName>
+                                        </p:attrNameLst>
+                                      </p:cBhvr>
+                                      <p:tavLst>
+                                        <p:tav tm="0">
+                                          <p:val>
+                                            <p:strVal val="0-#ppt_w/2"/>
+                                          </p:val>
+                                        </p:tav>
+                                        <p:tav tm="100000">
+                                          <p:val>
+                                            <p:strVal val="#ppt_x"/>
+                                          </p:val>
+                                        </p:tav>
+                                      </p:tavLst>
+                                    </p:anim>
+                                    <p:anim calcmode="lin" valueType="num">
+                                      <p:cBhvr additive="base">
+                                        <p:cTn id="32" dur="500" fill="hold"/>
+                                        <p:tgtEl>
+                                          <p:spTgt spid="4108"/>
+                                        </p:tgtEl>
+                                        <p:attrNameLst>
+                                          <p:attrName>ppt_y</p:attrName>
+                                        </p:attrNameLst>
+                                      </p:cBhvr>
+                                      <p:tavLst>
+                                        <p:tav tm="0">
+                                          <p:val>
+                                            <p:strVal val="#ppt_y"/>
+                                          </p:val>
+                                        </p:tav>
+                                        <p:tav tm="100000">
+                                          <p:val>
+                                            <p:strVal val="#ppt_y"/>
+                                          </p:val>
+                                        </p:tav>
+                                      </p:tavLst>
+                                    </p:anim>
+                                  </p:childTnLst>
+                                </p:cTn>
+                              </p:par>
+                              <p:par>
+                                <p:cTn id="33" presetID="2" presetClass="entr" presetSubtype="8" fill="hold" grpId="0" nodeType="withEffect">
+                                  <p:stCondLst>
+                                    <p:cond delay="0"/>
+                                  </p:stCondLst>
+                                  <p:childTnLst>
+                                    <p:set>
+                                      <p:cBhvr>
+                                        <p:cTn id="34" dur="1" fill="hold">
+                                          <p:stCondLst>
+                                            <p:cond delay="0"/>
+                                          </p:stCondLst>
+                                        </p:cTn>
+                                        <p:tgtEl>
+                                          <p:spTgt spid="6"/>
+                                        </p:tgtEl>
+                                        <p:attrNameLst>
+                                          <p:attrName>style.visibility</p:attrName>
+                                        </p:attrNameLst>
+                                      </p:cBhvr>
+                                      <p:to>
+                                        <p:strVal val="visible"/>
+                                      </p:to>
+                                    </p:set>
+                                    <p:anim calcmode="lin" valueType="num">
+                                      <p:cBhvr additive="base">
+                                        <p:cTn id="35" dur="500" fill="hold"/>
+                                        <p:tgtEl>
+                                          <p:spTgt spid="6"/>
+                                        </p:tgtEl>
+                                        <p:attrNameLst>
+                                          <p:attrName>ppt_x</p:attrName>
+                                        </p:attrNameLst>
+                                      </p:cBhvr>
+                                      <p:tavLst>
+                                        <p:tav tm="0">
+                                          <p:val>
+                                            <p:strVal val="0-#ppt_w/2"/>
+                                          </p:val>
+                                        </p:tav>
+                                        <p:tav tm="100000">
+                                          <p:val>
+                                            <p:strVal val="#ppt_x"/>
+                                          </p:val>
+                                        </p:tav>
+                                      </p:tavLst>
+                                    </p:anim>
+                                    <p:anim calcmode="lin" valueType="num">
+                                      <p:cBhvr additive="base">
+                                        <p:cTn id="36" dur="500" fill="hold"/>
+                                        <p:tgtEl>
+                                          <p:spTgt spid="6"/>
+                                        </p:tgtEl>
+                                        <p:attrNameLst>
+                                          <p:attrName>ppt_y</p:attrName>
+                                        </p:attrNameLst>
+                                      </p:cBhvr>
+                                      <p:tavLst>
+                                        <p:tav tm="0">
+                                          <p:val>
+                                            <p:strVal val="#ppt_y"/>
+                                          </p:val>
+                                        </p:tav>
+                                        <p:tav tm="100000">
+                                          <p:val>
+                                            <p:strVal val="#ppt_y"/>
+                                          </p:val>
+                                        </p:tav>
+                                      </p:tavLst>
+                                    </p:anim>
+                                  </p:childTnLst>
+                                </p:cTn>
+                              </p:par>
+                            </p:childTnLst>
+                          </p:cTn>
+                        </p:par>
+                      </p:childTnLst>
+                    </p:cTn>
+                  </p:par>
+                </p:childTnLst>
+              </p:cTn>
+              <p:prevCondLst>
+                <p:cond evt="onPrev" delay="0">
+                  <p:tgtEl>
+                    <p:sldTgt/>
+                  </p:tgtEl>
+                </p:cond>
+              </p:prevCondLst>
+              <p:nextCondLst>
+                <p:cond evt="onNext" delay="0">
+                  <p:tgtEl>
+                    <p:sldTgt/>
+                  </p:tgtEl>
+                </p:cond>
+              </p:nextCondLst>
+            </p:seq>
+          </p:childTnLst>
+        </p:cTn>
+      </p:par>
+    </p:tnLst>
+    <p:bldLst>
+      <p:bldP spid="3" grpId="0"/>
+      <p:bldP spid="5" grpId="0"/>
+      <p:bldP spid="6" grpId="0"/>
+    </p:bldLst>
+  </p:timing>
 </p:sld>
 </file>
 
@@ -4724,6 +5936,130 @@
   <p:clrMapOvr>
     <a:masterClrMapping/>
   </p:clrMapOvr>
+  <p:timing>
+    <p:tnLst>
+      <p:par>
+        <p:cTn id="1" dur="indefinite" restart="never" nodeType="tmRoot">
+          <p:childTnLst>
+            <p:seq concurrent="1" nextAc="seek">
+              <p:cTn id="2" dur="indefinite" nodeType="mainSeq">
+                <p:childTnLst>
+                  <p:par>
+                    <p:cTn id="3" fill="hold">
+                      <p:stCondLst>
+                        <p:cond delay="indefinite"/>
+                        <p:cond evt="onBegin" delay="0">
+                          <p:tn val="2"/>
+                        </p:cond>
+                      </p:stCondLst>
+                      <p:childTnLst>
+                        <p:par>
+                          <p:cTn id="4" fill="hold">
+                            <p:stCondLst>
+                              <p:cond delay="0"/>
+                            </p:stCondLst>
+                            <p:childTnLst>
+                              <p:par>
+                                <p:cTn id="5" presetID="23" presetClass="entr" presetSubtype="16" fill="hold" nodeType="withEffect">
+                                  <p:stCondLst>
+                                    <p:cond delay="0"/>
+                                  </p:stCondLst>
+                                  <p:childTnLst>
+                                    <p:set>
+                                      <p:cBhvr>
+                                        <p:cTn id="6" dur="1" fill="hold">
+                                          <p:stCondLst>
+                                            <p:cond delay="0"/>
+                                          </p:stCondLst>
+                                        </p:cTn>
+                                        <p:tgtEl>
+                                          <p:spTgt spid="9218"/>
+                                        </p:tgtEl>
+                                        <p:attrNameLst>
+                                          <p:attrName>style.visibility</p:attrName>
+                                        </p:attrNameLst>
+                                      </p:cBhvr>
+                                      <p:to>
+                                        <p:strVal val="visible"/>
+                                      </p:to>
+                                    </p:set>
+                                    <p:anim calcmode="lin" valueType="num">
+                                      <p:cBhvr>
+                                        <p:cTn id="7" dur="2000" fill="hold"/>
+                                        <p:tgtEl>
+                                          <p:spTgt spid="9218"/>
+                                        </p:tgtEl>
+                                        <p:attrNameLst>
+                                          <p:attrName>ppt_w</p:attrName>
+                                        </p:attrNameLst>
+                                      </p:cBhvr>
+                                      <p:tavLst>
+                                        <p:tav tm="0">
+                                          <p:val>
+                                            <p:fltVal val="0"/>
+                                          </p:val>
+                                        </p:tav>
+                                        <p:tav tm="100000">
+                                          <p:val>
+                                            <p:strVal val="#ppt_w"/>
+                                          </p:val>
+                                        </p:tav>
+                                      </p:tavLst>
+                                    </p:anim>
+                                    <p:anim calcmode="lin" valueType="num">
+                                      <p:cBhvr>
+                                        <p:cTn id="8" dur="2000" fill="hold"/>
+                                        <p:tgtEl>
+                                          <p:spTgt spid="9218"/>
+                                        </p:tgtEl>
+                                        <p:attrNameLst>
+                                          <p:attrName>ppt_h</p:attrName>
+                                        </p:attrNameLst>
+                                      </p:cBhvr>
+                                      <p:tavLst>
+                                        <p:tav tm="0">
+                                          <p:val>
+                                            <p:fltVal val="0"/>
+                                          </p:val>
+                                        </p:tav>
+                                        <p:tav tm="100000">
+                                          <p:val>
+                                            <p:strVal val="#ppt_h"/>
+                                          </p:val>
+                                        </p:tav>
+                                      </p:tavLst>
+                                    </p:anim>
+                                  </p:childTnLst>
+                                </p:cTn>
+                              </p:par>
+                            </p:childTnLst>
+                          </p:cTn>
+                        </p:par>
+                      </p:childTnLst>
+                    </p:cTn>
+                  </p:par>
+                </p:childTnLst>
+              </p:cTn>
+              <p:prevCondLst>
+                <p:cond evt="onPrev" delay="0">
+                  <p:tgtEl>
+                    <p:sldTgt/>
+                  </p:tgtEl>
+                </p:cond>
+              </p:prevCondLst>
+              <p:nextCondLst>
+                <p:cond evt="onNext" delay="0">
+                  <p:tgtEl>
+                    <p:sldTgt/>
+                  </p:tgtEl>
+                </p:cond>
+              </p:nextCondLst>
+            </p:seq>
+          </p:childTnLst>
+        </p:cTn>
+      </p:par>
+    </p:tnLst>
+  </p:timing>
 </p:sld>
 </file>
 
@@ -4834,6 +6170,130 @@
   <p:clrMapOvr>
     <a:masterClrMapping/>
   </p:clrMapOvr>
+  <p:timing>
+    <p:tnLst>
+      <p:par>
+        <p:cTn id="1" dur="indefinite" restart="never" nodeType="tmRoot">
+          <p:childTnLst>
+            <p:seq concurrent="1" nextAc="seek">
+              <p:cTn id="2" dur="indefinite" nodeType="mainSeq">
+                <p:childTnLst>
+                  <p:par>
+                    <p:cTn id="3" fill="hold">
+                      <p:stCondLst>
+                        <p:cond delay="indefinite"/>
+                        <p:cond evt="onBegin" delay="0">
+                          <p:tn val="2"/>
+                        </p:cond>
+                      </p:stCondLst>
+                      <p:childTnLst>
+                        <p:par>
+                          <p:cTn id="4" fill="hold">
+                            <p:stCondLst>
+                              <p:cond delay="0"/>
+                            </p:stCondLst>
+                            <p:childTnLst>
+                              <p:par>
+                                <p:cTn id="5" presetID="23" presetClass="entr" presetSubtype="16" fill="hold" nodeType="withEffect">
+                                  <p:stCondLst>
+                                    <p:cond delay="0"/>
+                                  </p:stCondLst>
+                                  <p:childTnLst>
+                                    <p:set>
+                                      <p:cBhvr>
+                                        <p:cTn id="6" dur="1" fill="hold">
+                                          <p:stCondLst>
+                                            <p:cond delay="0"/>
+                                          </p:stCondLst>
+                                        </p:cTn>
+                                        <p:tgtEl>
+                                          <p:spTgt spid="11266"/>
+                                        </p:tgtEl>
+                                        <p:attrNameLst>
+                                          <p:attrName>style.visibility</p:attrName>
+                                        </p:attrNameLst>
+                                      </p:cBhvr>
+                                      <p:to>
+                                        <p:strVal val="visible"/>
+                                      </p:to>
+                                    </p:set>
+                                    <p:anim calcmode="lin" valueType="num">
+                                      <p:cBhvr>
+                                        <p:cTn id="7" dur="2000" fill="hold"/>
+                                        <p:tgtEl>
+                                          <p:spTgt spid="11266"/>
+                                        </p:tgtEl>
+                                        <p:attrNameLst>
+                                          <p:attrName>ppt_w</p:attrName>
+                                        </p:attrNameLst>
+                                      </p:cBhvr>
+                                      <p:tavLst>
+                                        <p:tav tm="0">
+                                          <p:val>
+                                            <p:fltVal val="0"/>
+                                          </p:val>
+                                        </p:tav>
+                                        <p:tav tm="100000">
+                                          <p:val>
+                                            <p:strVal val="#ppt_w"/>
+                                          </p:val>
+                                        </p:tav>
+                                      </p:tavLst>
+                                    </p:anim>
+                                    <p:anim calcmode="lin" valueType="num">
+                                      <p:cBhvr>
+                                        <p:cTn id="8" dur="2000" fill="hold"/>
+                                        <p:tgtEl>
+                                          <p:spTgt spid="11266"/>
+                                        </p:tgtEl>
+                                        <p:attrNameLst>
+                                          <p:attrName>ppt_h</p:attrName>
+                                        </p:attrNameLst>
+                                      </p:cBhvr>
+                                      <p:tavLst>
+                                        <p:tav tm="0">
+                                          <p:val>
+                                            <p:fltVal val="0"/>
+                                          </p:val>
+                                        </p:tav>
+                                        <p:tav tm="100000">
+                                          <p:val>
+                                            <p:strVal val="#ppt_h"/>
+                                          </p:val>
+                                        </p:tav>
+                                      </p:tavLst>
+                                    </p:anim>
+                                  </p:childTnLst>
+                                </p:cTn>
+                              </p:par>
+                            </p:childTnLst>
+                          </p:cTn>
+                        </p:par>
+                      </p:childTnLst>
+                    </p:cTn>
+                  </p:par>
+                </p:childTnLst>
+              </p:cTn>
+              <p:prevCondLst>
+                <p:cond evt="onPrev" delay="0">
+                  <p:tgtEl>
+                    <p:sldTgt/>
+                  </p:tgtEl>
+                </p:cond>
+              </p:prevCondLst>
+              <p:nextCondLst>
+                <p:cond evt="onNext" delay="0">
+                  <p:tgtEl>
+                    <p:sldTgt/>
+                  </p:tgtEl>
+                </p:cond>
+              </p:nextCondLst>
+            </p:seq>
+          </p:childTnLst>
+        </p:cTn>
+      </p:par>
+    </p:tnLst>
+  </p:timing>
 </p:sld>
 </file>
 
@@ -5061,6 +6521,275 @@
   <p:clrMapOvr>
     <a:masterClrMapping/>
   </p:clrMapOvr>
+  <p:timing>
+    <p:tnLst>
+      <p:par>
+        <p:cTn id="1" dur="indefinite" restart="never" nodeType="tmRoot">
+          <p:childTnLst>
+            <p:seq concurrent="1" nextAc="seek">
+              <p:cTn id="2" dur="indefinite" nodeType="mainSeq">
+                <p:childTnLst>
+                  <p:par>
+                    <p:cTn id="3" fill="hold">
+                      <p:stCondLst>
+                        <p:cond delay="indefinite"/>
+                      </p:stCondLst>
+                      <p:childTnLst>
+                        <p:par>
+                          <p:cTn id="4" fill="hold">
+                            <p:stCondLst>
+                              <p:cond delay="0"/>
+                            </p:stCondLst>
+                            <p:childTnLst>
+                              <p:par>
+                                <p:cTn id="5" presetID="9" presetClass="entr" presetSubtype="0" fill="hold" grpId="0" nodeType="clickEffect">
+                                  <p:stCondLst>
+                                    <p:cond delay="0"/>
+                                  </p:stCondLst>
+                                  <p:childTnLst>
+                                    <p:set>
+                                      <p:cBhvr>
+                                        <p:cTn id="6" dur="1" fill="hold">
+                                          <p:stCondLst>
+                                            <p:cond delay="0"/>
+                                          </p:stCondLst>
+                                        </p:cTn>
+                                        <p:tgtEl>
+                                          <p:spTgt spid="8"/>
+                                        </p:tgtEl>
+                                        <p:attrNameLst>
+                                          <p:attrName>style.visibility</p:attrName>
+                                        </p:attrNameLst>
+                                      </p:cBhvr>
+                                      <p:to>
+                                        <p:strVal val="visible"/>
+                                      </p:to>
+                                    </p:set>
+                                    <p:animEffect transition="in" filter="dissolve">
+                                      <p:cBhvr>
+                                        <p:cTn id="7" dur="500"/>
+                                        <p:tgtEl>
+                                          <p:spTgt spid="8"/>
+                                        </p:tgtEl>
+                                      </p:cBhvr>
+                                    </p:animEffect>
+                                  </p:childTnLst>
+                                </p:cTn>
+                              </p:par>
+                            </p:childTnLst>
+                          </p:cTn>
+                        </p:par>
+                      </p:childTnLst>
+                    </p:cTn>
+                  </p:par>
+                  <p:par>
+                    <p:cTn id="8" fill="hold">
+                      <p:stCondLst>
+                        <p:cond delay="indefinite"/>
+                      </p:stCondLst>
+                      <p:childTnLst>
+                        <p:par>
+                          <p:cTn id="9" fill="hold">
+                            <p:stCondLst>
+                              <p:cond delay="0"/>
+                            </p:stCondLst>
+                            <p:childTnLst>
+                              <p:par>
+                                <p:cTn id="10" presetID="9" presetClass="entr" presetSubtype="0" fill="hold" nodeType="clickEffect">
+                                  <p:stCondLst>
+                                    <p:cond delay="0"/>
+                                  </p:stCondLst>
+                                  <p:childTnLst>
+                                    <p:set>
+                                      <p:cBhvr>
+                                        <p:cTn id="11" dur="1" fill="hold">
+                                          <p:stCondLst>
+                                            <p:cond delay="0"/>
+                                          </p:stCondLst>
+                                        </p:cTn>
+                                        <p:tgtEl>
+                                          <p:spTgt spid="9">
+                                            <p:txEl>
+                                              <p:pRg st="0" end="0"/>
+                                            </p:txEl>
+                                          </p:spTgt>
+                                        </p:tgtEl>
+                                        <p:attrNameLst>
+                                          <p:attrName>style.visibility</p:attrName>
+                                        </p:attrNameLst>
+                                      </p:cBhvr>
+                                      <p:to>
+                                        <p:strVal val="visible"/>
+                                      </p:to>
+                                    </p:set>
+                                    <p:animEffect transition="in" filter="dissolve">
+                                      <p:cBhvr>
+                                        <p:cTn id="12" dur="500"/>
+                                        <p:tgtEl>
+                                          <p:spTgt spid="9">
+                                            <p:txEl>
+                                              <p:pRg st="0" end="0"/>
+                                            </p:txEl>
+                                          </p:spTgt>
+                                        </p:tgtEl>
+                                      </p:cBhvr>
+                                    </p:animEffect>
+                                  </p:childTnLst>
+                                </p:cTn>
+                              </p:par>
+                            </p:childTnLst>
+                          </p:cTn>
+                        </p:par>
+                      </p:childTnLst>
+                    </p:cTn>
+                  </p:par>
+                  <p:par>
+                    <p:cTn id="13" fill="hold">
+                      <p:stCondLst>
+                        <p:cond delay="indefinite"/>
+                      </p:stCondLst>
+                      <p:childTnLst>
+                        <p:par>
+                          <p:cTn id="14" fill="hold">
+                            <p:stCondLst>
+                              <p:cond delay="0"/>
+                            </p:stCondLst>
+                            <p:childTnLst>
+                              <p:par>
+                                <p:cTn id="15" presetID="9" presetClass="entr" presetSubtype="0" fill="hold" nodeType="clickEffect">
+                                  <p:stCondLst>
+                                    <p:cond delay="0"/>
+                                  </p:stCondLst>
+                                  <p:childTnLst>
+                                    <p:set>
+                                      <p:cBhvr>
+                                        <p:cTn id="16" dur="1" fill="hold">
+                                          <p:stCondLst>
+                                            <p:cond delay="0"/>
+                                          </p:stCondLst>
+                                        </p:cTn>
+                                        <p:tgtEl>
+                                          <p:spTgt spid="10">
+                                            <p:txEl>
+                                              <p:pRg st="0" end="0"/>
+                                            </p:txEl>
+                                          </p:spTgt>
+                                        </p:tgtEl>
+                                        <p:attrNameLst>
+                                          <p:attrName>style.visibility</p:attrName>
+                                        </p:attrNameLst>
+                                      </p:cBhvr>
+                                      <p:to>
+                                        <p:strVal val="visible"/>
+                                      </p:to>
+                                    </p:set>
+                                    <p:animEffect transition="in" filter="dissolve">
+                                      <p:cBhvr>
+                                        <p:cTn id="17" dur="500"/>
+                                        <p:tgtEl>
+                                          <p:spTgt spid="10">
+                                            <p:txEl>
+                                              <p:pRg st="0" end="0"/>
+                                            </p:txEl>
+                                          </p:spTgt>
+                                        </p:tgtEl>
+                                      </p:cBhvr>
+                                    </p:animEffect>
+                                  </p:childTnLst>
+                                </p:cTn>
+                              </p:par>
+                            </p:childTnLst>
+                          </p:cTn>
+                        </p:par>
+                      </p:childTnLst>
+                    </p:cTn>
+                  </p:par>
+                  <p:par>
+                    <p:cTn id="18" fill="hold">
+                      <p:stCondLst>
+                        <p:cond delay="indefinite"/>
+                      </p:stCondLst>
+                      <p:childTnLst>
+                        <p:par>
+                          <p:cTn id="19" fill="hold">
+                            <p:stCondLst>
+                              <p:cond delay="0"/>
+                            </p:stCondLst>
+                            <p:childTnLst>
+                              <p:par>
+                                <p:cTn id="20" presetID="9" presetClass="entr" presetSubtype="0" fill="hold" nodeType="clickEffect">
+                                  <p:stCondLst>
+                                    <p:cond delay="0"/>
+                                  </p:stCondLst>
+                                  <p:childTnLst>
+                                    <p:set>
+                                      <p:cBhvr>
+                                        <p:cTn id="21" dur="1" fill="hold">
+                                          <p:stCondLst>
+                                            <p:cond delay="0"/>
+                                          </p:stCondLst>
+                                        </p:cTn>
+                                        <p:tgtEl>
+                                          <p:spTgt spid="11">
+                                            <p:txEl>
+                                              <p:pRg st="0" end="0"/>
+                                            </p:txEl>
+                                          </p:spTgt>
+                                        </p:tgtEl>
+                                        <p:attrNameLst>
+                                          <p:attrName>style.visibility</p:attrName>
+                                        </p:attrNameLst>
+                                      </p:cBhvr>
+                                      <p:to>
+                                        <p:strVal val="visible"/>
+                                      </p:to>
+                                    </p:set>
+                                    <p:animEffect transition="in" filter="dissolve">
+                                      <p:cBhvr>
+                                        <p:cTn id="22" dur="500"/>
+                                        <p:tgtEl>
+                                          <p:spTgt spid="11">
+                                            <p:txEl>
+                                              <p:pRg st="0" end="0"/>
+                                            </p:txEl>
+                                          </p:spTgt>
+                                        </p:tgtEl>
+                                      </p:cBhvr>
+                                    </p:animEffect>
+                                  </p:childTnLst>
+                                </p:cTn>
+                              </p:par>
+                            </p:childTnLst>
+                          </p:cTn>
+                        </p:par>
+                      </p:childTnLst>
+                    </p:cTn>
+                  </p:par>
+                </p:childTnLst>
+              </p:cTn>
+              <p:prevCondLst>
+                <p:cond evt="onPrev" delay="0">
+                  <p:tgtEl>
+                    <p:sldTgt/>
+                  </p:tgtEl>
+                </p:cond>
+              </p:prevCondLst>
+              <p:nextCondLst>
+                <p:cond evt="onNext" delay="0">
+                  <p:tgtEl>
+                    <p:sldTgt/>
+                  </p:tgtEl>
+                </p:cond>
+              </p:nextCondLst>
+            </p:seq>
+          </p:childTnLst>
+        </p:cTn>
+      </p:par>
+    </p:tnLst>
+    <p:bldLst>
+      <p:bldP spid="8" grpId="0"/>
+    </p:bldLst>
+  </p:timing>
 </p:sld>
 </file>
 
@@ -5129,7 +6858,7 @@
           <p:nvPr>
             <p:extLst>
               <p:ext uri="{D42A27DB-BD31-4B8C-83A1-F6EECF244321}">
-                <p14:modId xmlns:p14="http://schemas.microsoft.com/office/powerpoint/2010/main" val="1404812593"/>
+                <p14:modId xmlns:p14="http://schemas.microsoft.com/office/powerpoint/2010/main" val="1336005485"/>
               </p:ext>
             </p:extLst>
           </p:nvPr>
@@ -5667,6 +7396,89 @@
   <p:clrMapOvr>
     <a:masterClrMapping/>
   </p:clrMapOvr>
+  <p:timing>
+    <p:tnLst>
+      <p:par>
+        <p:cTn id="1" dur="indefinite" restart="never" nodeType="tmRoot">
+          <p:childTnLst>
+            <p:seq concurrent="1" nextAc="seek">
+              <p:cTn id="2" dur="indefinite" nodeType="mainSeq">
+                <p:childTnLst>
+                  <p:par>
+                    <p:cTn id="3" fill="hold">
+                      <p:stCondLst>
+                        <p:cond delay="indefinite"/>
+                      </p:stCondLst>
+                      <p:childTnLst>
+                        <p:par>
+                          <p:cTn id="4" fill="hold">
+                            <p:stCondLst>
+                              <p:cond delay="0"/>
+                            </p:stCondLst>
+                            <p:childTnLst>
+                              <p:par>
+                                <p:cTn id="5" presetID="3" presetClass="entr" presetSubtype="10" fill="hold" nodeType="clickEffect">
+                                  <p:stCondLst>
+                                    <p:cond delay="0"/>
+                                  </p:stCondLst>
+                                  <p:childTnLst>
+                                    <p:set>
+                                      <p:cBhvr>
+                                        <p:cTn id="6" dur="1" fill="hold">
+                                          <p:stCondLst>
+                                            <p:cond delay="0"/>
+                                          </p:stCondLst>
+                                        </p:cTn>
+                                        <p:tgtEl>
+                                          <p:spTgt spid="3"/>
+                                        </p:tgtEl>
+                                        <p:attrNameLst>
+                                          <p:attrName>style.visibility</p:attrName>
+                                        </p:attrNameLst>
+                                      </p:cBhvr>
+                                      <p:to>
+                                        <p:strVal val="visible"/>
+                                      </p:to>
+                                    </p:set>
+                                    <p:animEffect transition="in" filter="blinds(horizontal)">
+                                      <p:cBhvr>
+                                        <p:cTn id="7" dur="1000"/>
+                                        <p:tgtEl>
+                                          <p:spTgt spid="3"/>
+                                        </p:tgtEl>
+                                      </p:cBhvr>
+                                    </p:animEffect>
+                                  </p:childTnLst>
+                                </p:cTn>
+                              </p:par>
+                            </p:childTnLst>
+                          </p:cTn>
+                        </p:par>
+                      </p:childTnLst>
+                    </p:cTn>
+                  </p:par>
+                </p:childTnLst>
+              </p:cTn>
+              <p:prevCondLst>
+                <p:cond evt="onPrev" delay="0">
+                  <p:tgtEl>
+                    <p:sldTgt/>
+                  </p:tgtEl>
+                </p:cond>
+              </p:prevCondLst>
+              <p:nextCondLst>
+                <p:cond evt="onNext" delay="0">
+                  <p:tgtEl>
+                    <p:sldTgt/>
+                  </p:tgtEl>
+                </p:cond>
+              </p:nextCondLst>
+            </p:seq>
+          </p:childTnLst>
+        </p:cTn>
+      </p:par>
+    </p:tnLst>
+  </p:timing>
 </p:sld>
 </file>
 
@@ -5862,6 +7674,219 @@
   <p:clrMapOvr>
     <a:masterClrMapping/>
   </p:clrMapOvr>
+  <p:timing>
+    <p:tnLst>
+      <p:par>
+        <p:cTn id="1" dur="indefinite" restart="never" nodeType="tmRoot">
+          <p:childTnLst>
+            <p:seq concurrent="1" nextAc="seek">
+              <p:cTn id="2" dur="indefinite" nodeType="mainSeq">
+                <p:childTnLst>
+                  <p:par>
+                    <p:cTn id="3" fill="hold">
+                      <p:stCondLst>
+                        <p:cond delay="indefinite"/>
+                      </p:stCondLst>
+                      <p:childTnLst>
+                        <p:par>
+                          <p:cTn id="4" fill="hold">
+                            <p:stCondLst>
+                              <p:cond delay="0"/>
+                            </p:stCondLst>
+                            <p:childTnLst>
+                              <p:par>
+                                <p:cTn id="5" presetID="9" presetClass="entr" presetSubtype="0" fill="hold" nodeType="clickEffect">
+                                  <p:stCondLst>
+                                    <p:cond delay="0"/>
+                                  </p:stCondLst>
+                                  <p:childTnLst>
+                                    <p:set>
+                                      <p:cBhvr>
+                                        <p:cTn id="6" dur="1" fill="hold">
+                                          <p:stCondLst>
+                                            <p:cond delay="0"/>
+                                          </p:stCondLst>
+                                        </p:cTn>
+                                        <p:tgtEl>
+                                          <p:spTgt spid="4">
+                                            <p:txEl>
+                                              <p:pRg st="0" end="0"/>
+                                            </p:txEl>
+                                          </p:spTgt>
+                                        </p:tgtEl>
+                                        <p:attrNameLst>
+                                          <p:attrName>style.visibility</p:attrName>
+                                        </p:attrNameLst>
+                                      </p:cBhvr>
+                                      <p:to>
+                                        <p:strVal val="visible"/>
+                                      </p:to>
+                                    </p:set>
+                                    <p:animEffect transition="in" filter="dissolve">
+                                      <p:cBhvr>
+                                        <p:cTn id="7" dur="500"/>
+                                        <p:tgtEl>
+                                          <p:spTgt spid="4">
+                                            <p:txEl>
+                                              <p:pRg st="0" end="0"/>
+                                            </p:txEl>
+                                          </p:spTgt>
+                                        </p:tgtEl>
+                                      </p:cBhvr>
+                                    </p:animEffect>
+                                  </p:childTnLst>
+                                </p:cTn>
+                              </p:par>
+                            </p:childTnLst>
+                          </p:cTn>
+                        </p:par>
+                      </p:childTnLst>
+                    </p:cTn>
+                  </p:par>
+                  <p:par>
+                    <p:cTn id="8" fill="hold">
+                      <p:stCondLst>
+                        <p:cond delay="indefinite"/>
+                      </p:stCondLst>
+                      <p:childTnLst>
+                        <p:par>
+                          <p:cTn id="9" fill="hold">
+                            <p:stCondLst>
+                              <p:cond delay="0"/>
+                            </p:stCondLst>
+                            <p:childTnLst>
+                              <p:par>
+                                <p:cTn id="10" presetID="9" presetClass="entr" presetSubtype="0" fill="hold" nodeType="clickEffect">
+                                  <p:stCondLst>
+                                    <p:cond delay="0"/>
+                                  </p:stCondLst>
+                                  <p:childTnLst>
+                                    <p:set>
+                                      <p:cBhvr>
+                                        <p:cTn id="11" dur="1" fill="hold">
+                                          <p:stCondLst>
+                                            <p:cond delay="0"/>
+                                          </p:stCondLst>
+                                        </p:cTn>
+                                        <p:tgtEl>
+                                          <p:spTgt spid="5">
+                                            <p:txEl>
+                                              <p:pRg st="0" end="0"/>
+                                            </p:txEl>
+                                          </p:spTgt>
+                                        </p:tgtEl>
+                                        <p:attrNameLst>
+                                          <p:attrName>style.visibility</p:attrName>
+                                        </p:attrNameLst>
+                                      </p:cBhvr>
+                                      <p:to>
+                                        <p:strVal val="visible"/>
+                                      </p:to>
+                                    </p:set>
+                                    <p:animEffect transition="in" filter="dissolve">
+                                      <p:cBhvr>
+                                        <p:cTn id="12" dur="500"/>
+                                        <p:tgtEl>
+                                          <p:spTgt spid="5">
+                                            <p:txEl>
+                                              <p:pRg st="0" end="0"/>
+                                            </p:txEl>
+                                          </p:spTgt>
+                                        </p:tgtEl>
+                                      </p:cBhvr>
+                                    </p:animEffect>
+                                  </p:childTnLst>
+                                </p:cTn>
+                              </p:par>
+                            </p:childTnLst>
+                          </p:cTn>
+                        </p:par>
+                      </p:childTnLst>
+                    </p:cTn>
+                  </p:par>
+                  <p:par>
+                    <p:cTn id="13" fill="hold">
+                      <p:stCondLst>
+                        <p:cond delay="indefinite"/>
+                      </p:stCondLst>
+                      <p:childTnLst>
+                        <p:par>
+                          <p:cTn id="14" fill="hold">
+                            <p:stCondLst>
+                              <p:cond delay="0"/>
+                            </p:stCondLst>
+                            <p:childTnLst>
+                              <p:par>
+                                <p:cTn id="15" presetID="9" presetClass="entr" presetSubtype="0" fill="hold" nodeType="clickEffect">
+                                  <p:stCondLst>
+                                    <p:cond delay="0"/>
+                                  </p:stCondLst>
+                                  <p:childTnLst>
+                                    <p:set>
+                                      <p:cBhvr>
+                                        <p:cTn id="16" dur="1" fill="hold">
+                                          <p:stCondLst>
+                                            <p:cond delay="0"/>
+                                          </p:stCondLst>
+                                        </p:cTn>
+                                        <p:tgtEl>
+                                          <p:spTgt spid="6">
+                                            <p:txEl>
+                                              <p:pRg st="0" end="0"/>
+                                            </p:txEl>
+                                          </p:spTgt>
+                                        </p:tgtEl>
+                                        <p:attrNameLst>
+                                          <p:attrName>style.visibility</p:attrName>
+                                        </p:attrNameLst>
+                                      </p:cBhvr>
+                                      <p:to>
+                                        <p:strVal val="visible"/>
+                                      </p:to>
+                                    </p:set>
+                                    <p:animEffect transition="in" filter="dissolve">
+                                      <p:cBhvr>
+                                        <p:cTn id="17" dur="500"/>
+                                        <p:tgtEl>
+                                          <p:spTgt spid="6">
+                                            <p:txEl>
+                                              <p:pRg st="0" end="0"/>
+                                            </p:txEl>
+                                          </p:spTgt>
+                                        </p:tgtEl>
+                                      </p:cBhvr>
+                                    </p:animEffect>
+                                  </p:childTnLst>
+                                </p:cTn>
+                              </p:par>
+                            </p:childTnLst>
+                          </p:cTn>
+                        </p:par>
+                      </p:childTnLst>
+                    </p:cTn>
+                  </p:par>
+                </p:childTnLst>
+              </p:cTn>
+              <p:prevCondLst>
+                <p:cond evt="onPrev" delay="0">
+                  <p:tgtEl>
+                    <p:sldTgt/>
+                  </p:tgtEl>
+                </p:cond>
+              </p:prevCondLst>
+              <p:nextCondLst>
+                <p:cond evt="onNext" delay="0">
+                  <p:tgtEl>
+                    <p:sldTgt/>
+                  </p:tgtEl>
+                </p:cond>
+              </p:nextCondLst>
+            </p:seq>
+          </p:childTnLst>
+        </p:cTn>
+      </p:par>
+    </p:tnLst>
+  </p:timing>
 </p:sld>
 </file>
 

--- a/presentation.pptx
+++ b/presentation.pptx
@@ -9,13 +9,15 @@
     <p:sldId id="257" r:id="rId3"/>
     <p:sldId id="261" r:id="rId4"/>
     <p:sldId id="262" r:id="rId5"/>
-    <p:sldId id="268" r:id="rId6"/>
-    <p:sldId id="269" r:id="rId7"/>
-    <p:sldId id="263" r:id="rId8"/>
-    <p:sldId id="264" r:id="rId9"/>
-    <p:sldId id="266" r:id="rId10"/>
-    <p:sldId id="267" r:id="rId11"/>
-    <p:sldId id="265" r:id="rId12"/>
+    <p:sldId id="270" r:id="rId6"/>
+    <p:sldId id="271" r:id="rId7"/>
+    <p:sldId id="268" r:id="rId8"/>
+    <p:sldId id="269" r:id="rId9"/>
+    <p:sldId id="263" r:id="rId10"/>
+    <p:sldId id="264" r:id="rId11"/>
+    <p:sldId id="266" r:id="rId12"/>
+    <p:sldId id="267" r:id="rId13"/>
+    <p:sldId id="265" r:id="rId14"/>
   </p:sldIdLst>
   <p:sldSz cx="12192000" cy="6858000"/>
   <p:notesSz cx="6858000" cy="9144000"/>
@@ -3609,6 +3611,1103 @@
               <a:rPr lang="en-US" sz="4800" b="1" dirty="0">
                 <a:latin typeface="Garamond" panose="02020404030301010803" pitchFamily="18" charset="0"/>
               </a:rPr>
+              <a:t>Results</a:t>
+            </a:r>
+          </a:p>
+        </p:txBody>
+      </p:sp>
+      <p:graphicFrame>
+        <p:nvGraphicFramePr>
+          <p:cNvPr id="3" name="Table 2">
+            <a:extLst>
+              <a:ext uri="{FF2B5EF4-FFF2-40B4-BE49-F238E27FC236}">
+                <a16:creationId xmlns:a16="http://schemas.microsoft.com/office/drawing/2014/main" id="{721E68FA-16D2-59A3-75AE-240A907C18D2}"/>
+              </a:ext>
+            </a:extLst>
+          </p:cNvPr>
+          <p:cNvGraphicFramePr>
+            <a:graphicFrameLocks noGrp="1"/>
+          </p:cNvGraphicFramePr>
+          <p:nvPr>
+            <p:extLst>
+              <p:ext uri="{D42A27DB-BD31-4B8C-83A1-F6EECF244321}">
+                <p14:modId xmlns:p14="http://schemas.microsoft.com/office/powerpoint/2010/main" val="1336005485"/>
+              </p:ext>
+            </p:extLst>
+          </p:nvPr>
+        </p:nvGraphicFramePr>
+        <p:xfrm>
+          <a:off x="2889250" y="1760220"/>
+          <a:ext cx="6413500" cy="3337560"/>
+        </p:xfrm>
+        <a:graphic>
+          <a:graphicData uri="http://schemas.openxmlformats.org/drawingml/2006/table">
+            <a:tbl>
+              <a:tblPr firstRow="1" bandRow="1">
+                <a:tableStyleId>{93296810-A885-4BE3-A3E7-6D5BEEA58F35}</a:tableStyleId>
+              </a:tblPr>
+              <a:tblGrid>
+                <a:gridCol w="3048000">
+                  <a:extLst>
+                    <a:ext uri="{9D8B030D-6E8A-4147-A177-3AD203B41FA5}">
+                      <a16:colId xmlns:a16="http://schemas.microsoft.com/office/drawing/2014/main" val="215092316"/>
+                    </a:ext>
+                  </a:extLst>
+                </a:gridCol>
+                <a:gridCol w="1663700">
+                  <a:extLst>
+                    <a:ext uri="{9D8B030D-6E8A-4147-A177-3AD203B41FA5}">
+                      <a16:colId xmlns:a16="http://schemas.microsoft.com/office/drawing/2014/main" val="1255610065"/>
+                    </a:ext>
+                  </a:extLst>
+                </a:gridCol>
+                <a:gridCol w="1701800">
+                  <a:extLst>
+                    <a:ext uri="{9D8B030D-6E8A-4147-A177-3AD203B41FA5}">
+                      <a16:colId xmlns:a16="http://schemas.microsoft.com/office/drawing/2014/main" val="803344780"/>
+                    </a:ext>
+                  </a:extLst>
+                </a:gridCol>
+              </a:tblGrid>
+              <a:tr h="370840">
+                <a:tc>
+                  <a:txBody>
+                    <a:bodyPr/>
+                    <a:lstStyle/>
+                    <a:p>
+                      <a:pPr algn="ctr"/>
+                      <a:r>
+                        <a:rPr lang="en-US" dirty="0">
+                          <a:latin typeface="Garamond" panose="02020404030301010803" pitchFamily="18" charset="0"/>
+                        </a:rPr>
+                        <a:t>model</a:t>
+                      </a:r>
+                    </a:p>
+                  </a:txBody>
+                  <a:tcPr/>
+                </a:tc>
+                <a:tc>
+                  <a:txBody>
+                    <a:bodyPr/>
+                    <a:lstStyle/>
+                    <a:p>
+                      <a:pPr algn="ctr"/>
+                      <a:r>
+                        <a:rPr lang="en-US" dirty="0">
+                          <a:latin typeface="Garamond" panose="02020404030301010803" pitchFamily="18" charset="0"/>
+                        </a:rPr>
+                        <a:t>training score</a:t>
+                      </a:r>
+                    </a:p>
+                  </a:txBody>
+                  <a:tcPr/>
+                </a:tc>
+                <a:tc>
+                  <a:txBody>
+                    <a:bodyPr/>
+                    <a:lstStyle/>
+                    <a:p>
+                      <a:pPr algn="ctr"/>
+                      <a:r>
+                        <a:rPr lang="en-US" dirty="0">
+                          <a:latin typeface="Garamond" panose="02020404030301010803" pitchFamily="18" charset="0"/>
+                        </a:rPr>
+                        <a:t>test score</a:t>
+                      </a:r>
+                    </a:p>
+                  </a:txBody>
+                  <a:tcPr/>
+                </a:tc>
+                <a:extLst>
+                  <a:ext uri="{0D108BD9-81ED-4DB2-BD59-A6C34878D82A}">
+                    <a16:rowId xmlns:a16="http://schemas.microsoft.com/office/drawing/2014/main" val="1219465152"/>
+                  </a:ext>
+                </a:extLst>
+              </a:tr>
+              <a:tr h="370840">
+                <a:tc>
+                  <a:txBody>
+                    <a:bodyPr/>
+                    <a:lstStyle/>
+                    <a:p>
+                      <a:r>
+                        <a:rPr lang="en-US" b="1" dirty="0">
+                          <a:latin typeface="Garamond" panose="02020404030301010803" pitchFamily="18" charset="0"/>
+                        </a:rPr>
+                        <a:t>Naïve Bayes (BASELINE)</a:t>
+                      </a:r>
+                    </a:p>
+                  </a:txBody>
+                  <a:tcPr/>
+                </a:tc>
+                <a:tc>
+                  <a:txBody>
+                    <a:bodyPr/>
+                    <a:lstStyle/>
+                    <a:p>
+                      <a:pPr algn="ctr"/>
+                      <a:r>
+                        <a:rPr lang="en-US" dirty="0">
+                          <a:latin typeface="Garamond" panose="02020404030301010803" pitchFamily="18" charset="0"/>
+                        </a:rPr>
+                        <a:t>79.4%</a:t>
+                      </a:r>
+                    </a:p>
+                  </a:txBody>
+                  <a:tcPr/>
+                </a:tc>
+                <a:tc>
+                  <a:txBody>
+                    <a:bodyPr/>
+                    <a:lstStyle/>
+                    <a:p>
+                      <a:pPr algn="ctr"/>
+                      <a:r>
+                        <a:rPr lang="en-US" dirty="0">
+                          <a:latin typeface="Garamond" panose="02020404030301010803" pitchFamily="18" charset="0"/>
+                        </a:rPr>
+                        <a:t>71.5%</a:t>
+                      </a:r>
+                    </a:p>
+                  </a:txBody>
+                  <a:tcPr/>
+                </a:tc>
+                <a:extLst>
+                  <a:ext uri="{0D108BD9-81ED-4DB2-BD59-A6C34878D82A}">
+                    <a16:rowId xmlns:a16="http://schemas.microsoft.com/office/drawing/2014/main" val="4285249374"/>
+                  </a:ext>
+                </a:extLst>
+              </a:tr>
+              <a:tr h="370840">
+                <a:tc>
+                  <a:txBody>
+                    <a:bodyPr/>
+                    <a:lstStyle/>
+                    <a:p>
+                      <a:pPr marL="0" marR="0" lvl="0" indent="0" algn="l" defTabSz="914400" rtl="0" eaLnBrk="1" fontAlgn="auto" latinLnBrk="0" hangingPunct="1">
+                        <a:lnSpc>
+                          <a:spcPct val="100000"/>
+                        </a:lnSpc>
+                        <a:spcBef>
+                          <a:spcPts val="0"/>
+                        </a:spcBef>
+                        <a:spcAft>
+                          <a:spcPts val="0"/>
+                        </a:spcAft>
+                        <a:buClrTx/>
+                        <a:buSzTx/>
+                        <a:buFontTx/>
+                        <a:buNone/>
+                        <a:tabLst/>
+                        <a:defRPr/>
+                      </a:pPr>
+                      <a:r>
+                        <a:rPr lang="en-US" dirty="0">
+                          <a:latin typeface="Garamond" panose="02020404030301010803" pitchFamily="18" charset="0"/>
+                        </a:rPr>
+                        <a:t>… with hyperparameter tuning</a:t>
+                      </a:r>
+                    </a:p>
+                  </a:txBody>
+                  <a:tcPr/>
+                </a:tc>
+                <a:tc>
+                  <a:txBody>
+                    <a:bodyPr/>
+                    <a:lstStyle/>
+                    <a:p>
+                      <a:pPr algn="ctr"/>
+                      <a:r>
+                        <a:rPr lang="en-US" dirty="0">
+                          <a:latin typeface="Garamond" panose="02020404030301010803" pitchFamily="18" charset="0"/>
+                        </a:rPr>
+                        <a:t>89.0%</a:t>
+                      </a:r>
+                    </a:p>
+                  </a:txBody>
+                  <a:tcPr/>
+                </a:tc>
+                <a:tc>
+                  <a:txBody>
+                    <a:bodyPr/>
+                    <a:lstStyle/>
+                    <a:p>
+                      <a:pPr algn="ctr"/>
+                      <a:r>
+                        <a:rPr lang="en-US" dirty="0">
+                          <a:latin typeface="Garamond" panose="02020404030301010803" pitchFamily="18" charset="0"/>
+                        </a:rPr>
+                        <a:t>72.2%</a:t>
+                      </a:r>
+                    </a:p>
+                  </a:txBody>
+                  <a:tcPr/>
+                </a:tc>
+                <a:extLst>
+                  <a:ext uri="{0D108BD9-81ED-4DB2-BD59-A6C34878D82A}">
+                    <a16:rowId xmlns:a16="http://schemas.microsoft.com/office/drawing/2014/main" val="710235381"/>
+                  </a:ext>
+                </a:extLst>
+              </a:tr>
+              <a:tr h="370840">
+                <a:tc>
+                  <a:txBody>
+                    <a:bodyPr/>
+                    <a:lstStyle/>
+                    <a:p>
+                      <a:r>
+                        <a:rPr lang="en-US" dirty="0">
+                          <a:latin typeface="Garamond" panose="02020404030301010803" pitchFamily="18" charset="0"/>
+                        </a:rPr>
+                        <a:t>… with over sampling</a:t>
+                      </a:r>
+                    </a:p>
+                  </a:txBody>
+                  <a:tcPr/>
+                </a:tc>
+                <a:tc>
+                  <a:txBody>
+                    <a:bodyPr/>
+                    <a:lstStyle/>
+                    <a:p>
+                      <a:pPr algn="ctr"/>
+                      <a:r>
+                        <a:rPr lang="en-US" dirty="0">
+                          <a:latin typeface="Garamond" panose="02020404030301010803" pitchFamily="18" charset="0"/>
+                        </a:rPr>
+                        <a:t>86.7%</a:t>
+                      </a:r>
+                    </a:p>
+                  </a:txBody>
+                  <a:tcPr/>
+                </a:tc>
+                <a:tc>
+                  <a:txBody>
+                    <a:bodyPr/>
+                    <a:lstStyle/>
+                    <a:p>
+                      <a:pPr algn="ctr"/>
+                      <a:r>
+                        <a:rPr lang="en-US" dirty="0">
+                          <a:latin typeface="Garamond" panose="02020404030301010803" pitchFamily="18" charset="0"/>
+                        </a:rPr>
+                        <a:t>68.0%</a:t>
+                      </a:r>
+                    </a:p>
+                  </a:txBody>
+                  <a:tcPr/>
+                </a:tc>
+                <a:extLst>
+                  <a:ext uri="{0D108BD9-81ED-4DB2-BD59-A6C34878D82A}">
+                    <a16:rowId xmlns:a16="http://schemas.microsoft.com/office/drawing/2014/main" val="3587662564"/>
+                  </a:ext>
+                </a:extLst>
+              </a:tr>
+              <a:tr h="370840">
+                <a:tc>
+                  <a:txBody>
+                    <a:bodyPr/>
+                    <a:lstStyle/>
+                    <a:p>
+                      <a:endParaRPr lang="en-US" dirty="0">
+                        <a:latin typeface="Garamond" panose="02020404030301010803" pitchFamily="18" charset="0"/>
+                      </a:endParaRPr>
+                    </a:p>
+                  </a:txBody>
+                  <a:tcPr/>
+                </a:tc>
+                <a:tc>
+                  <a:txBody>
+                    <a:bodyPr/>
+                    <a:lstStyle/>
+                    <a:p>
+                      <a:pPr algn="ctr"/>
+                      <a:endParaRPr lang="en-US" dirty="0">
+                        <a:latin typeface="Garamond" panose="02020404030301010803" pitchFamily="18" charset="0"/>
+                      </a:endParaRPr>
+                    </a:p>
+                  </a:txBody>
+                  <a:tcPr/>
+                </a:tc>
+                <a:tc>
+                  <a:txBody>
+                    <a:bodyPr/>
+                    <a:lstStyle/>
+                    <a:p>
+                      <a:pPr algn="ctr"/>
+                      <a:endParaRPr lang="en-US" dirty="0">
+                        <a:latin typeface="Garamond" panose="02020404030301010803" pitchFamily="18" charset="0"/>
+                      </a:endParaRPr>
+                    </a:p>
+                  </a:txBody>
+                  <a:tcPr/>
+                </a:tc>
+                <a:extLst>
+                  <a:ext uri="{0D108BD9-81ED-4DB2-BD59-A6C34878D82A}">
+                    <a16:rowId xmlns:a16="http://schemas.microsoft.com/office/drawing/2014/main" val="1978321807"/>
+                  </a:ext>
+                </a:extLst>
+              </a:tr>
+              <a:tr h="370840">
+                <a:tc>
+                  <a:txBody>
+                    <a:bodyPr/>
+                    <a:lstStyle/>
+                    <a:p>
+                      <a:r>
+                        <a:rPr lang="en-US" b="1" dirty="0">
+                          <a:latin typeface="Garamond" panose="02020404030301010803" pitchFamily="18" charset="0"/>
+                        </a:rPr>
+                        <a:t>Random Forest</a:t>
+                      </a:r>
+                    </a:p>
+                  </a:txBody>
+                  <a:tcPr/>
+                </a:tc>
+                <a:tc>
+                  <a:txBody>
+                    <a:bodyPr/>
+                    <a:lstStyle/>
+                    <a:p>
+                      <a:pPr algn="ctr"/>
+                      <a:r>
+                        <a:rPr lang="en-US" dirty="0">
+                          <a:latin typeface="Garamond" panose="02020404030301010803" pitchFamily="18" charset="0"/>
+                        </a:rPr>
+                        <a:t>96.5%</a:t>
+                      </a:r>
+                    </a:p>
+                  </a:txBody>
+                  <a:tcPr/>
+                </a:tc>
+                <a:tc>
+                  <a:txBody>
+                    <a:bodyPr/>
+                    <a:lstStyle/>
+                    <a:p>
+                      <a:pPr algn="ctr"/>
+                      <a:r>
+                        <a:rPr lang="en-US" dirty="0">
+                          <a:latin typeface="Garamond" panose="02020404030301010803" pitchFamily="18" charset="0"/>
+                        </a:rPr>
+                        <a:t>73.2%</a:t>
+                      </a:r>
+                    </a:p>
+                  </a:txBody>
+                  <a:tcPr/>
+                </a:tc>
+                <a:extLst>
+                  <a:ext uri="{0D108BD9-81ED-4DB2-BD59-A6C34878D82A}">
+                    <a16:rowId xmlns:a16="http://schemas.microsoft.com/office/drawing/2014/main" val="109079101"/>
+                  </a:ext>
+                </a:extLst>
+              </a:tr>
+              <a:tr h="370840">
+                <a:tc>
+                  <a:txBody>
+                    <a:bodyPr/>
+                    <a:lstStyle/>
+                    <a:p>
+                      <a:r>
+                        <a:rPr lang="en-US" dirty="0">
+                          <a:latin typeface="Garamond" panose="02020404030301010803" pitchFamily="18" charset="0"/>
+                        </a:rPr>
+                        <a:t>… with hyperparameter tuning</a:t>
+                      </a:r>
+                    </a:p>
+                  </a:txBody>
+                  <a:tcPr/>
+                </a:tc>
+                <a:tc>
+                  <a:txBody>
+                    <a:bodyPr/>
+                    <a:lstStyle/>
+                    <a:p>
+                      <a:pPr algn="ctr"/>
+                      <a:r>
+                        <a:rPr lang="en-US" dirty="0">
+                          <a:latin typeface="Garamond" panose="02020404030301010803" pitchFamily="18" charset="0"/>
+                        </a:rPr>
+                        <a:t>86.4%</a:t>
+                      </a:r>
+                    </a:p>
+                  </a:txBody>
+                  <a:tcPr/>
+                </a:tc>
+                <a:tc>
+                  <a:txBody>
+                    <a:bodyPr/>
+                    <a:lstStyle/>
+                    <a:p>
+                      <a:pPr algn="ctr"/>
+                      <a:r>
+                        <a:rPr lang="en-US" dirty="0">
+                          <a:latin typeface="Garamond" panose="02020404030301010803" pitchFamily="18" charset="0"/>
+                        </a:rPr>
+                        <a:t>72.5%</a:t>
+                      </a:r>
+                    </a:p>
+                  </a:txBody>
+                  <a:tcPr/>
+                </a:tc>
+                <a:extLst>
+                  <a:ext uri="{0D108BD9-81ED-4DB2-BD59-A6C34878D82A}">
+                    <a16:rowId xmlns:a16="http://schemas.microsoft.com/office/drawing/2014/main" val="1865839340"/>
+                  </a:ext>
+                </a:extLst>
+              </a:tr>
+              <a:tr h="370840">
+                <a:tc>
+                  <a:txBody>
+                    <a:bodyPr/>
+                    <a:lstStyle/>
+                    <a:p>
+                      <a:endParaRPr lang="en-US" b="1" dirty="0">
+                        <a:latin typeface="Garamond" panose="02020404030301010803" pitchFamily="18" charset="0"/>
+                      </a:endParaRPr>
+                    </a:p>
+                  </a:txBody>
+                  <a:tcPr/>
+                </a:tc>
+                <a:tc>
+                  <a:txBody>
+                    <a:bodyPr/>
+                    <a:lstStyle/>
+                    <a:p>
+                      <a:pPr algn="ctr"/>
+                      <a:endParaRPr lang="en-US" dirty="0">
+                        <a:latin typeface="Garamond" panose="02020404030301010803" pitchFamily="18" charset="0"/>
+                      </a:endParaRPr>
+                    </a:p>
+                  </a:txBody>
+                  <a:tcPr/>
+                </a:tc>
+                <a:tc>
+                  <a:txBody>
+                    <a:bodyPr/>
+                    <a:lstStyle/>
+                    <a:p>
+                      <a:pPr algn="ctr"/>
+                      <a:endParaRPr lang="en-US" dirty="0">
+                        <a:latin typeface="Garamond" panose="02020404030301010803" pitchFamily="18" charset="0"/>
+                      </a:endParaRPr>
+                    </a:p>
+                  </a:txBody>
+                  <a:tcPr/>
+                </a:tc>
+                <a:extLst>
+                  <a:ext uri="{0D108BD9-81ED-4DB2-BD59-A6C34878D82A}">
+                    <a16:rowId xmlns:a16="http://schemas.microsoft.com/office/drawing/2014/main" val="3605553166"/>
+                  </a:ext>
+                </a:extLst>
+              </a:tr>
+              <a:tr h="370840">
+                <a:tc>
+                  <a:txBody>
+                    <a:bodyPr/>
+                    <a:lstStyle/>
+                    <a:p>
+                      <a:r>
+                        <a:rPr lang="en-US" b="1" dirty="0">
+                          <a:latin typeface="Garamond" panose="02020404030301010803" pitchFamily="18" charset="0"/>
+                        </a:rPr>
+                        <a:t>Gradient Boost (FINAL)</a:t>
+                      </a:r>
+                    </a:p>
+                  </a:txBody>
+                  <a:tcPr/>
+                </a:tc>
+                <a:tc>
+                  <a:txBody>
+                    <a:bodyPr/>
+                    <a:lstStyle/>
+                    <a:p>
+                      <a:pPr algn="ctr"/>
+                      <a:r>
+                        <a:rPr lang="en-US" dirty="0">
+                          <a:latin typeface="Garamond" panose="02020404030301010803" pitchFamily="18" charset="0"/>
+                        </a:rPr>
+                        <a:t>74.9%</a:t>
+                      </a:r>
+                    </a:p>
+                  </a:txBody>
+                  <a:tcPr/>
+                </a:tc>
+                <a:tc>
+                  <a:txBody>
+                    <a:bodyPr/>
+                    <a:lstStyle/>
+                    <a:p>
+                      <a:pPr algn="ctr"/>
+                      <a:r>
+                        <a:rPr lang="en-US" dirty="0">
+                          <a:latin typeface="Garamond" panose="02020404030301010803" pitchFamily="18" charset="0"/>
+                        </a:rPr>
+                        <a:t>72.3%</a:t>
+                      </a:r>
+                    </a:p>
+                  </a:txBody>
+                  <a:tcPr/>
+                </a:tc>
+                <a:extLst>
+                  <a:ext uri="{0D108BD9-81ED-4DB2-BD59-A6C34878D82A}">
+                    <a16:rowId xmlns:a16="http://schemas.microsoft.com/office/drawing/2014/main" val="3812854985"/>
+                  </a:ext>
+                </a:extLst>
+              </a:tr>
+            </a:tbl>
+          </a:graphicData>
+        </a:graphic>
+      </p:graphicFrame>
+    </p:spTree>
+    <p:extLst>
+      <p:ext uri="{BB962C8B-B14F-4D97-AF65-F5344CB8AC3E}">
+        <p14:creationId xmlns:p14="http://schemas.microsoft.com/office/powerpoint/2010/main" val="1181540655"/>
+      </p:ext>
+    </p:extLst>
+  </p:cSld>
+  <p:clrMapOvr>
+    <a:masterClrMapping/>
+  </p:clrMapOvr>
+  <p:timing>
+    <p:tnLst>
+      <p:par>
+        <p:cTn id="1" dur="indefinite" restart="never" nodeType="tmRoot">
+          <p:childTnLst>
+            <p:seq concurrent="1" nextAc="seek">
+              <p:cTn id="2" dur="indefinite" nodeType="mainSeq">
+                <p:childTnLst>
+                  <p:par>
+                    <p:cTn id="3" fill="hold">
+                      <p:stCondLst>
+                        <p:cond delay="indefinite"/>
+                      </p:stCondLst>
+                      <p:childTnLst>
+                        <p:par>
+                          <p:cTn id="4" fill="hold">
+                            <p:stCondLst>
+                              <p:cond delay="0"/>
+                            </p:stCondLst>
+                            <p:childTnLst>
+                              <p:par>
+                                <p:cTn id="5" presetID="3" presetClass="entr" presetSubtype="10" fill="hold" nodeType="clickEffect">
+                                  <p:stCondLst>
+                                    <p:cond delay="0"/>
+                                  </p:stCondLst>
+                                  <p:childTnLst>
+                                    <p:set>
+                                      <p:cBhvr>
+                                        <p:cTn id="6" dur="1" fill="hold">
+                                          <p:stCondLst>
+                                            <p:cond delay="0"/>
+                                          </p:stCondLst>
+                                        </p:cTn>
+                                        <p:tgtEl>
+                                          <p:spTgt spid="3"/>
+                                        </p:tgtEl>
+                                        <p:attrNameLst>
+                                          <p:attrName>style.visibility</p:attrName>
+                                        </p:attrNameLst>
+                                      </p:cBhvr>
+                                      <p:to>
+                                        <p:strVal val="visible"/>
+                                      </p:to>
+                                    </p:set>
+                                    <p:animEffect transition="in" filter="blinds(horizontal)">
+                                      <p:cBhvr>
+                                        <p:cTn id="7" dur="1000"/>
+                                        <p:tgtEl>
+                                          <p:spTgt spid="3"/>
+                                        </p:tgtEl>
+                                      </p:cBhvr>
+                                    </p:animEffect>
+                                  </p:childTnLst>
+                                </p:cTn>
+                              </p:par>
+                            </p:childTnLst>
+                          </p:cTn>
+                        </p:par>
+                      </p:childTnLst>
+                    </p:cTn>
+                  </p:par>
+                </p:childTnLst>
+              </p:cTn>
+              <p:prevCondLst>
+                <p:cond evt="onPrev" delay="0">
+                  <p:tgtEl>
+                    <p:sldTgt/>
+                  </p:tgtEl>
+                </p:cond>
+              </p:prevCondLst>
+              <p:nextCondLst>
+                <p:cond evt="onNext" delay="0">
+                  <p:tgtEl>
+                    <p:sldTgt/>
+                  </p:tgtEl>
+                </p:cond>
+              </p:nextCondLst>
+            </p:seq>
+          </p:childTnLst>
+        </p:cTn>
+      </p:par>
+    </p:tnLst>
+  </p:timing>
+</p:sld>
+</file>
+
+<file path=ppt/slides/slide11.xml><?xml version="1.0" encoding="utf-8"?>
+<p:sld xmlns:a="http://schemas.openxmlformats.org/drawingml/2006/main" xmlns:r="http://schemas.openxmlformats.org/officeDocument/2006/relationships" xmlns:p="http://schemas.openxmlformats.org/presentationml/2006/main">
+  <p:cSld>
+    <p:spTree>
+      <p:nvGrpSpPr>
+        <p:cNvPr id="1" name=""/>
+        <p:cNvGrpSpPr/>
+        <p:nvPr/>
+      </p:nvGrpSpPr>
+      <p:grpSpPr>
+        <a:xfrm>
+          <a:off x="0" y="0"/>
+          <a:ext cx="0" cy="0"/>
+          <a:chOff x="0" y="0"/>
+          <a:chExt cx="0" cy="0"/>
+        </a:xfrm>
+      </p:grpSpPr>
+      <p:sp>
+        <p:nvSpPr>
+          <p:cNvPr id="2" name="Title 1">
+            <a:extLst>
+              <a:ext uri="{FF2B5EF4-FFF2-40B4-BE49-F238E27FC236}">
+                <a16:creationId xmlns:a16="http://schemas.microsoft.com/office/drawing/2014/main" id="{DCCA6408-7B66-0D9A-6DCA-8E1D30EE108F}"/>
+              </a:ext>
+            </a:extLst>
+          </p:cNvPr>
+          <p:cNvSpPr>
+            <a:spLocks noGrp="1"/>
+          </p:cNvSpPr>
+          <p:nvPr>
+            <p:ph type="title"/>
+          </p:nvPr>
+        </p:nvSpPr>
+        <p:spPr/>
+        <p:txBody>
+          <a:bodyPr>
+            <a:normAutofit/>
+          </a:bodyPr>
+          <a:lstStyle/>
+          <a:p>
+            <a:pPr algn="ctr"/>
+            <a:r>
+              <a:rPr lang="en-US" sz="4800" b="1" dirty="0">
+                <a:latin typeface="Garamond" panose="02020404030301010803" pitchFamily="18" charset="0"/>
+              </a:rPr>
+              <a:t>Recommendations</a:t>
+            </a:r>
+          </a:p>
+        </p:txBody>
+      </p:sp>
+      <p:sp>
+        <p:nvSpPr>
+          <p:cNvPr id="4" name="TextBox 3">
+            <a:extLst>
+              <a:ext uri="{FF2B5EF4-FFF2-40B4-BE49-F238E27FC236}">
+                <a16:creationId xmlns:a16="http://schemas.microsoft.com/office/drawing/2014/main" id="{16D08C40-2E81-C530-A8F0-A96344B25941}"/>
+              </a:ext>
+            </a:extLst>
+          </p:cNvPr>
+          <p:cNvSpPr txBox="1"/>
+          <p:nvPr/>
+        </p:nvSpPr>
+        <p:spPr>
+          <a:xfrm>
+            <a:off x="2146300" y="2033588"/>
+            <a:ext cx="9251950" cy="584775"/>
+          </a:xfrm>
+          <a:prstGeom prst="rect">
+            <a:avLst/>
+          </a:prstGeom>
+          <a:noFill/>
+        </p:spPr>
+        <p:txBody>
+          <a:bodyPr wrap="square" rtlCol="0">
+            <a:spAutoFit/>
+          </a:bodyPr>
+          <a:lstStyle/>
+          <a:p>
+            <a:pPr marL="457200" indent="-457200">
+              <a:buFont typeface="Arial" panose="020B0604020202020204" pitchFamily="34" charset="0"/>
+              <a:buChar char="•"/>
+            </a:pPr>
+            <a:r>
+              <a:rPr lang="en-US" sz="3200" dirty="0">
+                <a:latin typeface="Garamond" panose="02020404030301010803" pitchFamily="18" charset="0"/>
+              </a:rPr>
+              <a:t>pop-up store + event synergy = great idea</a:t>
+            </a:r>
+          </a:p>
+        </p:txBody>
+      </p:sp>
+      <p:sp>
+        <p:nvSpPr>
+          <p:cNvPr id="5" name="TextBox 4">
+            <a:extLst>
+              <a:ext uri="{FF2B5EF4-FFF2-40B4-BE49-F238E27FC236}">
+                <a16:creationId xmlns:a16="http://schemas.microsoft.com/office/drawing/2014/main" id="{5E776DBA-E680-CF41-333A-9A0CE9585FE0}"/>
+              </a:ext>
+            </a:extLst>
+          </p:cNvPr>
+          <p:cNvSpPr txBox="1"/>
+          <p:nvPr/>
+        </p:nvSpPr>
+        <p:spPr>
+          <a:xfrm>
+            <a:off x="2146300" y="3066763"/>
+            <a:ext cx="9251950" cy="584775"/>
+          </a:xfrm>
+          <a:prstGeom prst="rect">
+            <a:avLst/>
+          </a:prstGeom>
+          <a:noFill/>
+        </p:spPr>
+        <p:txBody>
+          <a:bodyPr wrap="square" rtlCol="0">
+            <a:spAutoFit/>
+          </a:bodyPr>
+          <a:lstStyle/>
+          <a:p>
+            <a:pPr marL="457200" indent="-457200">
+              <a:buFont typeface="Arial" panose="020B0604020202020204" pitchFamily="34" charset="0"/>
+              <a:buChar char="•"/>
+            </a:pPr>
+            <a:r>
+              <a:rPr lang="en-US" sz="3200" dirty="0">
+                <a:latin typeface="Garamond" panose="02020404030301010803" pitchFamily="18" charset="0"/>
+              </a:rPr>
+              <a:t>throw a party</a:t>
+            </a:r>
+          </a:p>
+        </p:txBody>
+      </p:sp>
+      <p:sp>
+        <p:nvSpPr>
+          <p:cNvPr id="6" name="TextBox 5">
+            <a:extLst>
+              <a:ext uri="{FF2B5EF4-FFF2-40B4-BE49-F238E27FC236}">
+                <a16:creationId xmlns:a16="http://schemas.microsoft.com/office/drawing/2014/main" id="{1EB45B62-A812-DD3A-3E67-A66E5FF3B97E}"/>
+              </a:ext>
+            </a:extLst>
+          </p:cNvPr>
+          <p:cNvSpPr txBox="1"/>
+          <p:nvPr/>
+        </p:nvSpPr>
+        <p:spPr>
+          <a:xfrm>
+            <a:off x="2146300" y="4099938"/>
+            <a:ext cx="9251950" cy="1077218"/>
+          </a:xfrm>
+          <a:prstGeom prst="rect">
+            <a:avLst/>
+          </a:prstGeom>
+          <a:noFill/>
+        </p:spPr>
+        <p:txBody>
+          <a:bodyPr wrap="square" rtlCol="0">
+            <a:spAutoFit/>
+          </a:bodyPr>
+          <a:lstStyle/>
+          <a:p>
+            <a:pPr marL="457200" indent="-457200">
+              <a:buFont typeface="Arial" panose="020B0604020202020204" pitchFamily="34" charset="0"/>
+              <a:buChar char="•"/>
+            </a:pPr>
+            <a:r>
+              <a:rPr lang="en-US" sz="3200" dirty="0">
+                <a:latin typeface="Garamond" panose="02020404030301010803" pitchFamily="18" charset="0"/>
+              </a:rPr>
+              <a:t>address battery life and design issues</a:t>
+            </a:r>
+          </a:p>
+          <a:p>
+            <a:pPr marL="457200" indent="-457200">
+              <a:buFont typeface="Arial" panose="020B0604020202020204" pitchFamily="34" charset="0"/>
+              <a:buChar char="•"/>
+            </a:pPr>
+            <a:endParaRPr lang="en-US" sz="3200" dirty="0">
+              <a:latin typeface="Garamond" panose="02020404030301010803" pitchFamily="18" charset="0"/>
+            </a:endParaRPr>
+          </a:p>
+        </p:txBody>
+      </p:sp>
+    </p:spTree>
+    <p:extLst>
+      <p:ext uri="{BB962C8B-B14F-4D97-AF65-F5344CB8AC3E}">
+        <p14:creationId xmlns:p14="http://schemas.microsoft.com/office/powerpoint/2010/main" val="1782141185"/>
+      </p:ext>
+    </p:extLst>
+  </p:cSld>
+  <p:clrMapOvr>
+    <a:masterClrMapping/>
+  </p:clrMapOvr>
+  <p:timing>
+    <p:tnLst>
+      <p:par>
+        <p:cTn id="1" dur="indefinite" restart="never" nodeType="tmRoot">
+          <p:childTnLst>
+            <p:seq concurrent="1" nextAc="seek">
+              <p:cTn id="2" dur="indefinite" nodeType="mainSeq">
+                <p:childTnLst>
+                  <p:par>
+                    <p:cTn id="3" fill="hold">
+                      <p:stCondLst>
+                        <p:cond delay="indefinite"/>
+                      </p:stCondLst>
+                      <p:childTnLst>
+                        <p:par>
+                          <p:cTn id="4" fill="hold">
+                            <p:stCondLst>
+                              <p:cond delay="0"/>
+                            </p:stCondLst>
+                            <p:childTnLst>
+                              <p:par>
+                                <p:cTn id="5" presetID="9" presetClass="entr" presetSubtype="0" fill="hold" nodeType="clickEffect">
+                                  <p:stCondLst>
+                                    <p:cond delay="0"/>
+                                  </p:stCondLst>
+                                  <p:childTnLst>
+                                    <p:set>
+                                      <p:cBhvr>
+                                        <p:cTn id="6" dur="1" fill="hold">
+                                          <p:stCondLst>
+                                            <p:cond delay="0"/>
+                                          </p:stCondLst>
+                                        </p:cTn>
+                                        <p:tgtEl>
+                                          <p:spTgt spid="4">
+                                            <p:txEl>
+                                              <p:pRg st="0" end="0"/>
+                                            </p:txEl>
+                                          </p:spTgt>
+                                        </p:tgtEl>
+                                        <p:attrNameLst>
+                                          <p:attrName>style.visibility</p:attrName>
+                                        </p:attrNameLst>
+                                      </p:cBhvr>
+                                      <p:to>
+                                        <p:strVal val="visible"/>
+                                      </p:to>
+                                    </p:set>
+                                    <p:animEffect transition="in" filter="dissolve">
+                                      <p:cBhvr>
+                                        <p:cTn id="7" dur="500"/>
+                                        <p:tgtEl>
+                                          <p:spTgt spid="4">
+                                            <p:txEl>
+                                              <p:pRg st="0" end="0"/>
+                                            </p:txEl>
+                                          </p:spTgt>
+                                        </p:tgtEl>
+                                      </p:cBhvr>
+                                    </p:animEffect>
+                                  </p:childTnLst>
+                                </p:cTn>
+                              </p:par>
+                            </p:childTnLst>
+                          </p:cTn>
+                        </p:par>
+                      </p:childTnLst>
+                    </p:cTn>
+                  </p:par>
+                  <p:par>
+                    <p:cTn id="8" fill="hold">
+                      <p:stCondLst>
+                        <p:cond delay="indefinite"/>
+                      </p:stCondLst>
+                      <p:childTnLst>
+                        <p:par>
+                          <p:cTn id="9" fill="hold">
+                            <p:stCondLst>
+                              <p:cond delay="0"/>
+                            </p:stCondLst>
+                            <p:childTnLst>
+                              <p:par>
+                                <p:cTn id="10" presetID="9" presetClass="entr" presetSubtype="0" fill="hold" nodeType="clickEffect">
+                                  <p:stCondLst>
+                                    <p:cond delay="0"/>
+                                  </p:stCondLst>
+                                  <p:childTnLst>
+                                    <p:set>
+                                      <p:cBhvr>
+                                        <p:cTn id="11" dur="1" fill="hold">
+                                          <p:stCondLst>
+                                            <p:cond delay="0"/>
+                                          </p:stCondLst>
+                                        </p:cTn>
+                                        <p:tgtEl>
+                                          <p:spTgt spid="5">
+                                            <p:txEl>
+                                              <p:pRg st="0" end="0"/>
+                                            </p:txEl>
+                                          </p:spTgt>
+                                        </p:tgtEl>
+                                        <p:attrNameLst>
+                                          <p:attrName>style.visibility</p:attrName>
+                                        </p:attrNameLst>
+                                      </p:cBhvr>
+                                      <p:to>
+                                        <p:strVal val="visible"/>
+                                      </p:to>
+                                    </p:set>
+                                    <p:animEffect transition="in" filter="dissolve">
+                                      <p:cBhvr>
+                                        <p:cTn id="12" dur="500"/>
+                                        <p:tgtEl>
+                                          <p:spTgt spid="5">
+                                            <p:txEl>
+                                              <p:pRg st="0" end="0"/>
+                                            </p:txEl>
+                                          </p:spTgt>
+                                        </p:tgtEl>
+                                      </p:cBhvr>
+                                    </p:animEffect>
+                                  </p:childTnLst>
+                                </p:cTn>
+                              </p:par>
+                            </p:childTnLst>
+                          </p:cTn>
+                        </p:par>
+                      </p:childTnLst>
+                    </p:cTn>
+                  </p:par>
+                  <p:par>
+                    <p:cTn id="13" fill="hold">
+                      <p:stCondLst>
+                        <p:cond delay="indefinite"/>
+                      </p:stCondLst>
+                      <p:childTnLst>
+                        <p:par>
+                          <p:cTn id="14" fill="hold">
+                            <p:stCondLst>
+                              <p:cond delay="0"/>
+                            </p:stCondLst>
+                            <p:childTnLst>
+                              <p:par>
+                                <p:cTn id="15" presetID="9" presetClass="entr" presetSubtype="0" fill="hold" nodeType="clickEffect">
+                                  <p:stCondLst>
+                                    <p:cond delay="0"/>
+                                  </p:stCondLst>
+                                  <p:childTnLst>
+                                    <p:set>
+                                      <p:cBhvr>
+                                        <p:cTn id="16" dur="1" fill="hold">
+                                          <p:stCondLst>
+                                            <p:cond delay="0"/>
+                                          </p:stCondLst>
+                                        </p:cTn>
+                                        <p:tgtEl>
+                                          <p:spTgt spid="6">
+                                            <p:txEl>
+                                              <p:pRg st="0" end="0"/>
+                                            </p:txEl>
+                                          </p:spTgt>
+                                        </p:tgtEl>
+                                        <p:attrNameLst>
+                                          <p:attrName>style.visibility</p:attrName>
+                                        </p:attrNameLst>
+                                      </p:cBhvr>
+                                      <p:to>
+                                        <p:strVal val="visible"/>
+                                      </p:to>
+                                    </p:set>
+                                    <p:animEffect transition="in" filter="dissolve">
+                                      <p:cBhvr>
+                                        <p:cTn id="17" dur="500"/>
+                                        <p:tgtEl>
+                                          <p:spTgt spid="6">
+                                            <p:txEl>
+                                              <p:pRg st="0" end="0"/>
+                                            </p:txEl>
+                                          </p:spTgt>
+                                        </p:tgtEl>
+                                      </p:cBhvr>
+                                    </p:animEffect>
+                                  </p:childTnLst>
+                                </p:cTn>
+                              </p:par>
+                            </p:childTnLst>
+                          </p:cTn>
+                        </p:par>
+                      </p:childTnLst>
+                    </p:cTn>
+                  </p:par>
+                </p:childTnLst>
+              </p:cTn>
+              <p:prevCondLst>
+                <p:cond evt="onPrev" delay="0">
+                  <p:tgtEl>
+                    <p:sldTgt/>
+                  </p:tgtEl>
+                </p:cond>
+              </p:prevCondLst>
+              <p:nextCondLst>
+                <p:cond evt="onNext" delay="0">
+                  <p:tgtEl>
+                    <p:sldTgt/>
+                  </p:tgtEl>
+                </p:cond>
+              </p:nextCondLst>
+            </p:seq>
+          </p:childTnLst>
+        </p:cTn>
+      </p:par>
+    </p:tnLst>
+  </p:timing>
+</p:sld>
+</file>
+
+<file path=ppt/slides/slide12.xml><?xml version="1.0" encoding="utf-8"?>
+<p:sld xmlns:a="http://schemas.openxmlformats.org/drawingml/2006/main" xmlns:r="http://schemas.openxmlformats.org/officeDocument/2006/relationships" xmlns:p="http://schemas.openxmlformats.org/presentationml/2006/main">
+  <p:cSld>
+    <p:spTree>
+      <p:nvGrpSpPr>
+        <p:cNvPr id="1" name=""/>
+        <p:cNvGrpSpPr/>
+        <p:nvPr/>
+      </p:nvGrpSpPr>
+      <p:grpSpPr>
+        <a:xfrm>
+          <a:off x="0" y="0"/>
+          <a:ext cx="0" cy="0"/>
+          <a:chOff x="0" y="0"/>
+          <a:chExt cx="0" cy="0"/>
+        </a:xfrm>
+      </p:grpSpPr>
+      <p:sp>
+        <p:nvSpPr>
+          <p:cNvPr id="2" name="Title 1">
+            <a:extLst>
+              <a:ext uri="{FF2B5EF4-FFF2-40B4-BE49-F238E27FC236}">
+                <a16:creationId xmlns:a16="http://schemas.microsoft.com/office/drawing/2014/main" id="{DCCA6408-7B66-0D9A-6DCA-8E1D30EE108F}"/>
+              </a:ext>
+            </a:extLst>
+          </p:cNvPr>
+          <p:cNvSpPr>
+            <a:spLocks noGrp="1"/>
+          </p:cNvSpPr>
+          <p:nvPr>
+            <p:ph type="title"/>
+          </p:nvPr>
+        </p:nvSpPr>
+        <p:spPr/>
+        <p:txBody>
+          <a:bodyPr>
+            <a:normAutofit/>
+          </a:bodyPr>
+          <a:lstStyle/>
+          <a:p>
+            <a:pPr algn="ctr"/>
+            <a:r>
+              <a:rPr lang="en-US" sz="4800" b="1" dirty="0">
+                <a:latin typeface="Garamond" panose="02020404030301010803" pitchFamily="18" charset="0"/>
+              </a:rPr>
               <a:t>Further Inquiry</a:t>
             </a:r>
           </a:p>
@@ -3963,7 +5062,7 @@
 </p:sld>
 </file>
 
-<file path=ppt/slides/slide11.xml><?xml version="1.0" encoding="utf-8"?>
+<file path=ppt/slides/slide13.xml><?xml version="1.0" encoding="utf-8"?>
 <p:sld xmlns:a="http://schemas.openxmlformats.org/drawingml/2006/main" xmlns:r="http://schemas.openxmlformats.org/officeDocument/2006/relationships" xmlns:p="http://schemas.openxmlformats.org/presentationml/2006/main">
   <p:cSld>
     <p:spTree>
@@ -5874,6 +6973,192 @@
               <a:rPr lang="en-US" sz="4800" b="1" dirty="0">
                 <a:latin typeface="Garamond" panose="02020404030301010803" pitchFamily="18" charset="0"/>
               </a:rPr>
+              <a:t>Data</a:t>
+            </a:r>
+          </a:p>
+        </p:txBody>
+      </p:sp>
+      <p:pic>
+        <p:nvPicPr>
+          <p:cNvPr id="4" name="Picture 3">
+            <a:extLst>
+              <a:ext uri="{FF2B5EF4-FFF2-40B4-BE49-F238E27FC236}">
+                <a16:creationId xmlns:a16="http://schemas.microsoft.com/office/drawing/2014/main" id="{3020C094-7A9A-6DE7-50C1-915F0A08426A}"/>
+              </a:ext>
+            </a:extLst>
+          </p:cNvPr>
+          <p:cNvPicPr>
+            <a:picLocks noChangeAspect="1"/>
+          </p:cNvPicPr>
+          <p:nvPr/>
+        </p:nvPicPr>
+        <p:blipFill>
+          <a:blip r:embed="rId2"/>
+          <a:stretch>
+            <a:fillRect/>
+          </a:stretch>
+        </p:blipFill>
+        <p:spPr>
+          <a:xfrm>
+            <a:off x="2837053" y="1690688"/>
+            <a:ext cx="6517894" cy="4416171"/>
+          </a:xfrm>
+          <a:prstGeom prst="rect">
+            <a:avLst/>
+          </a:prstGeom>
+        </p:spPr>
+      </p:pic>
+    </p:spTree>
+    <p:extLst>
+      <p:ext uri="{BB962C8B-B14F-4D97-AF65-F5344CB8AC3E}">
+        <p14:creationId xmlns:p14="http://schemas.microsoft.com/office/powerpoint/2010/main" val="671372223"/>
+      </p:ext>
+    </p:extLst>
+  </p:cSld>
+  <p:clrMapOvr>
+    <a:masterClrMapping/>
+  </p:clrMapOvr>
+</p:sld>
+</file>
+
+<file path=ppt/slides/slide6.xml><?xml version="1.0" encoding="utf-8"?>
+<p:sld xmlns:a="http://schemas.openxmlformats.org/drawingml/2006/main" xmlns:r="http://schemas.openxmlformats.org/officeDocument/2006/relationships" xmlns:p="http://schemas.openxmlformats.org/presentationml/2006/main">
+  <p:cSld>
+    <p:spTree>
+      <p:nvGrpSpPr>
+        <p:cNvPr id="1" name=""/>
+        <p:cNvGrpSpPr/>
+        <p:nvPr/>
+      </p:nvGrpSpPr>
+      <p:grpSpPr>
+        <a:xfrm>
+          <a:off x="0" y="0"/>
+          <a:ext cx="0" cy="0"/>
+          <a:chOff x="0" y="0"/>
+          <a:chExt cx="0" cy="0"/>
+        </a:xfrm>
+      </p:grpSpPr>
+      <p:sp>
+        <p:nvSpPr>
+          <p:cNvPr id="2" name="Title 1">
+            <a:extLst>
+              <a:ext uri="{FF2B5EF4-FFF2-40B4-BE49-F238E27FC236}">
+                <a16:creationId xmlns:a16="http://schemas.microsoft.com/office/drawing/2014/main" id="{DCCA6408-7B66-0D9A-6DCA-8E1D30EE108F}"/>
+              </a:ext>
+            </a:extLst>
+          </p:cNvPr>
+          <p:cNvSpPr>
+            <a:spLocks noGrp="1"/>
+          </p:cNvSpPr>
+          <p:nvPr>
+            <p:ph type="title"/>
+          </p:nvPr>
+        </p:nvSpPr>
+        <p:spPr/>
+        <p:txBody>
+          <a:bodyPr>
+            <a:normAutofit/>
+          </a:bodyPr>
+          <a:lstStyle/>
+          <a:p>
+            <a:pPr algn="ctr"/>
+            <a:r>
+              <a:rPr lang="en-US" sz="4800" b="1" dirty="0">
+                <a:latin typeface="Garamond" panose="02020404030301010803" pitchFamily="18" charset="0"/>
+              </a:rPr>
+              <a:t>Data</a:t>
+            </a:r>
+          </a:p>
+        </p:txBody>
+      </p:sp>
+      <p:pic>
+        <p:nvPicPr>
+          <p:cNvPr id="3" name="Picture 2">
+            <a:extLst>
+              <a:ext uri="{FF2B5EF4-FFF2-40B4-BE49-F238E27FC236}">
+                <a16:creationId xmlns:a16="http://schemas.microsoft.com/office/drawing/2014/main" id="{26CB058C-60A8-F66A-8942-5C6F5A6A0E0B}"/>
+              </a:ext>
+            </a:extLst>
+          </p:cNvPr>
+          <p:cNvPicPr>
+            <a:picLocks noChangeAspect="1"/>
+          </p:cNvPicPr>
+          <p:nvPr/>
+        </p:nvPicPr>
+        <p:blipFill>
+          <a:blip r:embed="rId2"/>
+          <a:stretch>
+            <a:fillRect/>
+          </a:stretch>
+        </p:blipFill>
+        <p:spPr>
+          <a:xfrm>
+            <a:off x="2837053" y="1690688"/>
+            <a:ext cx="6517894" cy="4416171"/>
+          </a:xfrm>
+          <a:prstGeom prst="rect">
+            <a:avLst/>
+          </a:prstGeom>
+        </p:spPr>
+      </p:pic>
+    </p:spTree>
+    <p:extLst>
+      <p:ext uri="{BB962C8B-B14F-4D97-AF65-F5344CB8AC3E}">
+        <p14:creationId xmlns:p14="http://schemas.microsoft.com/office/powerpoint/2010/main" val="1560676103"/>
+      </p:ext>
+    </p:extLst>
+  </p:cSld>
+  <p:clrMapOvr>
+    <a:masterClrMapping/>
+  </p:clrMapOvr>
+</p:sld>
+</file>
+
+<file path=ppt/slides/slide7.xml><?xml version="1.0" encoding="utf-8"?>
+<p:sld xmlns:a="http://schemas.openxmlformats.org/drawingml/2006/main" xmlns:r="http://schemas.openxmlformats.org/officeDocument/2006/relationships" xmlns:p="http://schemas.openxmlformats.org/presentationml/2006/main">
+  <p:cSld>
+    <p:spTree>
+      <p:nvGrpSpPr>
+        <p:cNvPr id="1" name=""/>
+        <p:cNvGrpSpPr/>
+        <p:nvPr/>
+      </p:nvGrpSpPr>
+      <p:grpSpPr>
+        <a:xfrm>
+          <a:off x="0" y="0"/>
+          <a:ext cx="0" cy="0"/>
+          <a:chOff x="0" y="0"/>
+          <a:chExt cx="0" cy="0"/>
+        </a:xfrm>
+      </p:grpSpPr>
+      <p:sp>
+        <p:nvSpPr>
+          <p:cNvPr id="2" name="Title 1">
+            <a:extLst>
+              <a:ext uri="{FF2B5EF4-FFF2-40B4-BE49-F238E27FC236}">
+                <a16:creationId xmlns:a16="http://schemas.microsoft.com/office/drawing/2014/main" id="{DCCA6408-7B66-0D9A-6DCA-8E1D30EE108F}"/>
+              </a:ext>
+            </a:extLst>
+          </p:cNvPr>
+          <p:cNvSpPr>
+            <a:spLocks noGrp="1"/>
+          </p:cNvSpPr>
+          <p:nvPr>
+            <p:ph type="title"/>
+          </p:nvPr>
+        </p:nvSpPr>
+        <p:spPr/>
+        <p:txBody>
+          <a:bodyPr>
+            <a:normAutofit/>
+          </a:bodyPr>
+          <a:lstStyle/>
+          <a:p>
+            <a:pPr algn="ctr"/>
+            <a:r>
+              <a:rPr lang="en-US" sz="4800" b="1" dirty="0">
+                <a:latin typeface="Garamond" panose="02020404030301010803" pitchFamily="18" charset="0"/>
+              </a:rPr>
               <a:t>Apple Overview</a:t>
             </a:r>
           </a:p>
@@ -6063,7 +7348,7 @@
 </p:sld>
 </file>
 
-<file path=ppt/slides/slide6.xml><?xml version="1.0" encoding="utf-8"?>
+<file path=ppt/slides/slide8.xml><?xml version="1.0" encoding="utf-8"?>
 <p:sld xmlns:a="http://schemas.openxmlformats.org/drawingml/2006/main" xmlns:r="http://schemas.openxmlformats.org/officeDocument/2006/relationships" xmlns:p="http://schemas.openxmlformats.org/presentationml/2006/main">
   <p:cSld>
     <p:spTree>
@@ -6297,7 +7582,7 @@
 </p:sld>
 </file>
 
-<file path=ppt/slides/slide7.xml><?xml version="1.0" encoding="utf-8"?>
+<file path=ppt/slides/slide9.xml><?xml version="1.0" encoding="utf-8"?>
 <p:sld xmlns:a="http://schemas.openxmlformats.org/drawingml/2006/main" xmlns:r="http://schemas.openxmlformats.org/officeDocument/2006/relationships" xmlns:p="http://schemas.openxmlformats.org/presentationml/2006/main">
   <p:cSld>
     <p:spTree>
@@ -6789,1103 +8074,6 @@
     <p:bldLst>
       <p:bldP spid="8" grpId="0"/>
     </p:bldLst>
-  </p:timing>
-</p:sld>
-</file>
-
-<file path=ppt/slides/slide8.xml><?xml version="1.0" encoding="utf-8"?>
-<p:sld xmlns:a="http://schemas.openxmlformats.org/drawingml/2006/main" xmlns:r="http://schemas.openxmlformats.org/officeDocument/2006/relationships" xmlns:p="http://schemas.openxmlformats.org/presentationml/2006/main">
-  <p:cSld>
-    <p:spTree>
-      <p:nvGrpSpPr>
-        <p:cNvPr id="1" name=""/>
-        <p:cNvGrpSpPr/>
-        <p:nvPr/>
-      </p:nvGrpSpPr>
-      <p:grpSpPr>
-        <a:xfrm>
-          <a:off x="0" y="0"/>
-          <a:ext cx="0" cy="0"/>
-          <a:chOff x="0" y="0"/>
-          <a:chExt cx="0" cy="0"/>
-        </a:xfrm>
-      </p:grpSpPr>
-      <p:sp>
-        <p:nvSpPr>
-          <p:cNvPr id="2" name="Title 1">
-            <a:extLst>
-              <a:ext uri="{FF2B5EF4-FFF2-40B4-BE49-F238E27FC236}">
-                <a16:creationId xmlns:a16="http://schemas.microsoft.com/office/drawing/2014/main" id="{DCCA6408-7B66-0D9A-6DCA-8E1D30EE108F}"/>
-              </a:ext>
-            </a:extLst>
-          </p:cNvPr>
-          <p:cNvSpPr>
-            <a:spLocks noGrp="1"/>
-          </p:cNvSpPr>
-          <p:nvPr>
-            <p:ph type="title"/>
-          </p:nvPr>
-        </p:nvSpPr>
-        <p:spPr/>
-        <p:txBody>
-          <a:bodyPr>
-            <a:normAutofit/>
-          </a:bodyPr>
-          <a:lstStyle/>
-          <a:p>
-            <a:pPr algn="ctr"/>
-            <a:r>
-              <a:rPr lang="en-US" sz="4800" b="1" dirty="0">
-                <a:latin typeface="Garamond" panose="02020404030301010803" pitchFamily="18" charset="0"/>
-              </a:rPr>
-              <a:t>Results</a:t>
-            </a:r>
-          </a:p>
-        </p:txBody>
-      </p:sp>
-      <p:graphicFrame>
-        <p:nvGraphicFramePr>
-          <p:cNvPr id="3" name="Table 2">
-            <a:extLst>
-              <a:ext uri="{FF2B5EF4-FFF2-40B4-BE49-F238E27FC236}">
-                <a16:creationId xmlns:a16="http://schemas.microsoft.com/office/drawing/2014/main" id="{721E68FA-16D2-59A3-75AE-240A907C18D2}"/>
-              </a:ext>
-            </a:extLst>
-          </p:cNvPr>
-          <p:cNvGraphicFramePr>
-            <a:graphicFrameLocks noGrp="1"/>
-          </p:cNvGraphicFramePr>
-          <p:nvPr>
-            <p:extLst>
-              <p:ext uri="{D42A27DB-BD31-4B8C-83A1-F6EECF244321}">
-                <p14:modId xmlns:p14="http://schemas.microsoft.com/office/powerpoint/2010/main" val="1336005485"/>
-              </p:ext>
-            </p:extLst>
-          </p:nvPr>
-        </p:nvGraphicFramePr>
-        <p:xfrm>
-          <a:off x="2889250" y="1760220"/>
-          <a:ext cx="6413500" cy="3337560"/>
-        </p:xfrm>
-        <a:graphic>
-          <a:graphicData uri="http://schemas.openxmlformats.org/drawingml/2006/table">
-            <a:tbl>
-              <a:tblPr firstRow="1" bandRow="1">
-                <a:tableStyleId>{93296810-A885-4BE3-A3E7-6D5BEEA58F35}</a:tableStyleId>
-              </a:tblPr>
-              <a:tblGrid>
-                <a:gridCol w="3048000">
-                  <a:extLst>
-                    <a:ext uri="{9D8B030D-6E8A-4147-A177-3AD203B41FA5}">
-                      <a16:colId xmlns:a16="http://schemas.microsoft.com/office/drawing/2014/main" val="215092316"/>
-                    </a:ext>
-                  </a:extLst>
-                </a:gridCol>
-                <a:gridCol w="1663700">
-                  <a:extLst>
-                    <a:ext uri="{9D8B030D-6E8A-4147-A177-3AD203B41FA5}">
-                      <a16:colId xmlns:a16="http://schemas.microsoft.com/office/drawing/2014/main" val="1255610065"/>
-                    </a:ext>
-                  </a:extLst>
-                </a:gridCol>
-                <a:gridCol w="1701800">
-                  <a:extLst>
-                    <a:ext uri="{9D8B030D-6E8A-4147-A177-3AD203B41FA5}">
-                      <a16:colId xmlns:a16="http://schemas.microsoft.com/office/drawing/2014/main" val="803344780"/>
-                    </a:ext>
-                  </a:extLst>
-                </a:gridCol>
-              </a:tblGrid>
-              <a:tr h="370840">
-                <a:tc>
-                  <a:txBody>
-                    <a:bodyPr/>
-                    <a:lstStyle/>
-                    <a:p>
-                      <a:pPr algn="ctr"/>
-                      <a:r>
-                        <a:rPr lang="en-US" dirty="0">
-                          <a:latin typeface="Garamond" panose="02020404030301010803" pitchFamily="18" charset="0"/>
-                        </a:rPr>
-                        <a:t>model</a:t>
-                      </a:r>
-                    </a:p>
-                  </a:txBody>
-                  <a:tcPr/>
-                </a:tc>
-                <a:tc>
-                  <a:txBody>
-                    <a:bodyPr/>
-                    <a:lstStyle/>
-                    <a:p>
-                      <a:pPr algn="ctr"/>
-                      <a:r>
-                        <a:rPr lang="en-US" dirty="0">
-                          <a:latin typeface="Garamond" panose="02020404030301010803" pitchFamily="18" charset="0"/>
-                        </a:rPr>
-                        <a:t>training score</a:t>
-                      </a:r>
-                    </a:p>
-                  </a:txBody>
-                  <a:tcPr/>
-                </a:tc>
-                <a:tc>
-                  <a:txBody>
-                    <a:bodyPr/>
-                    <a:lstStyle/>
-                    <a:p>
-                      <a:pPr algn="ctr"/>
-                      <a:r>
-                        <a:rPr lang="en-US" dirty="0">
-                          <a:latin typeface="Garamond" panose="02020404030301010803" pitchFamily="18" charset="0"/>
-                        </a:rPr>
-                        <a:t>test score</a:t>
-                      </a:r>
-                    </a:p>
-                  </a:txBody>
-                  <a:tcPr/>
-                </a:tc>
-                <a:extLst>
-                  <a:ext uri="{0D108BD9-81ED-4DB2-BD59-A6C34878D82A}">
-                    <a16:rowId xmlns:a16="http://schemas.microsoft.com/office/drawing/2014/main" val="1219465152"/>
-                  </a:ext>
-                </a:extLst>
-              </a:tr>
-              <a:tr h="370840">
-                <a:tc>
-                  <a:txBody>
-                    <a:bodyPr/>
-                    <a:lstStyle/>
-                    <a:p>
-                      <a:r>
-                        <a:rPr lang="en-US" b="1" dirty="0">
-                          <a:latin typeface="Garamond" panose="02020404030301010803" pitchFamily="18" charset="0"/>
-                        </a:rPr>
-                        <a:t>Naïve Bayes (BASELINE)</a:t>
-                      </a:r>
-                    </a:p>
-                  </a:txBody>
-                  <a:tcPr/>
-                </a:tc>
-                <a:tc>
-                  <a:txBody>
-                    <a:bodyPr/>
-                    <a:lstStyle/>
-                    <a:p>
-                      <a:pPr algn="ctr"/>
-                      <a:r>
-                        <a:rPr lang="en-US" dirty="0">
-                          <a:latin typeface="Garamond" panose="02020404030301010803" pitchFamily="18" charset="0"/>
-                        </a:rPr>
-                        <a:t>79.4%</a:t>
-                      </a:r>
-                    </a:p>
-                  </a:txBody>
-                  <a:tcPr/>
-                </a:tc>
-                <a:tc>
-                  <a:txBody>
-                    <a:bodyPr/>
-                    <a:lstStyle/>
-                    <a:p>
-                      <a:pPr algn="ctr"/>
-                      <a:r>
-                        <a:rPr lang="en-US" dirty="0">
-                          <a:latin typeface="Garamond" panose="02020404030301010803" pitchFamily="18" charset="0"/>
-                        </a:rPr>
-                        <a:t>71.5%</a:t>
-                      </a:r>
-                    </a:p>
-                  </a:txBody>
-                  <a:tcPr/>
-                </a:tc>
-                <a:extLst>
-                  <a:ext uri="{0D108BD9-81ED-4DB2-BD59-A6C34878D82A}">
-                    <a16:rowId xmlns:a16="http://schemas.microsoft.com/office/drawing/2014/main" val="4285249374"/>
-                  </a:ext>
-                </a:extLst>
-              </a:tr>
-              <a:tr h="370840">
-                <a:tc>
-                  <a:txBody>
-                    <a:bodyPr/>
-                    <a:lstStyle/>
-                    <a:p>
-                      <a:pPr marL="0" marR="0" lvl="0" indent="0" algn="l" defTabSz="914400" rtl="0" eaLnBrk="1" fontAlgn="auto" latinLnBrk="0" hangingPunct="1">
-                        <a:lnSpc>
-                          <a:spcPct val="100000"/>
-                        </a:lnSpc>
-                        <a:spcBef>
-                          <a:spcPts val="0"/>
-                        </a:spcBef>
-                        <a:spcAft>
-                          <a:spcPts val="0"/>
-                        </a:spcAft>
-                        <a:buClrTx/>
-                        <a:buSzTx/>
-                        <a:buFontTx/>
-                        <a:buNone/>
-                        <a:tabLst/>
-                        <a:defRPr/>
-                      </a:pPr>
-                      <a:r>
-                        <a:rPr lang="en-US" dirty="0">
-                          <a:latin typeface="Garamond" panose="02020404030301010803" pitchFamily="18" charset="0"/>
-                        </a:rPr>
-                        <a:t>… with hyperparameter tuning</a:t>
-                      </a:r>
-                    </a:p>
-                  </a:txBody>
-                  <a:tcPr/>
-                </a:tc>
-                <a:tc>
-                  <a:txBody>
-                    <a:bodyPr/>
-                    <a:lstStyle/>
-                    <a:p>
-                      <a:pPr algn="ctr"/>
-                      <a:r>
-                        <a:rPr lang="en-US" dirty="0">
-                          <a:latin typeface="Garamond" panose="02020404030301010803" pitchFamily="18" charset="0"/>
-                        </a:rPr>
-                        <a:t>89.0%</a:t>
-                      </a:r>
-                    </a:p>
-                  </a:txBody>
-                  <a:tcPr/>
-                </a:tc>
-                <a:tc>
-                  <a:txBody>
-                    <a:bodyPr/>
-                    <a:lstStyle/>
-                    <a:p>
-                      <a:pPr algn="ctr"/>
-                      <a:r>
-                        <a:rPr lang="en-US" dirty="0">
-                          <a:latin typeface="Garamond" panose="02020404030301010803" pitchFamily="18" charset="0"/>
-                        </a:rPr>
-                        <a:t>72.2%</a:t>
-                      </a:r>
-                    </a:p>
-                  </a:txBody>
-                  <a:tcPr/>
-                </a:tc>
-                <a:extLst>
-                  <a:ext uri="{0D108BD9-81ED-4DB2-BD59-A6C34878D82A}">
-                    <a16:rowId xmlns:a16="http://schemas.microsoft.com/office/drawing/2014/main" val="710235381"/>
-                  </a:ext>
-                </a:extLst>
-              </a:tr>
-              <a:tr h="370840">
-                <a:tc>
-                  <a:txBody>
-                    <a:bodyPr/>
-                    <a:lstStyle/>
-                    <a:p>
-                      <a:r>
-                        <a:rPr lang="en-US" dirty="0">
-                          <a:latin typeface="Garamond" panose="02020404030301010803" pitchFamily="18" charset="0"/>
-                        </a:rPr>
-                        <a:t>… with over sampling</a:t>
-                      </a:r>
-                    </a:p>
-                  </a:txBody>
-                  <a:tcPr/>
-                </a:tc>
-                <a:tc>
-                  <a:txBody>
-                    <a:bodyPr/>
-                    <a:lstStyle/>
-                    <a:p>
-                      <a:pPr algn="ctr"/>
-                      <a:r>
-                        <a:rPr lang="en-US" dirty="0">
-                          <a:latin typeface="Garamond" panose="02020404030301010803" pitchFamily="18" charset="0"/>
-                        </a:rPr>
-                        <a:t>86.7%</a:t>
-                      </a:r>
-                    </a:p>
-                  </a:txBody>
-                  <a:tcPr/>
-                </a:tc>
-                <a:tc>
-                  <a:txBody>
-                    <a:bodyPr/>
-                    <a:lstStyle/>
-                    <a:p>
-                      <a:pPr algn="ctr"/>
-                      <a:r>
-                        <a:rPr lang="en-US" dirty="0">
-                          <a:latin typeface="Garamond" panose="02020404030301010803" pitchFamily="18" charset="0"/>
-                        </a:rPr>
-                        <a:t>68.0%</a:t>
-                      </a:r>
-                    </a:p>
-                  </a:txBody>
-                  <a:tcPr/>
-                </a:tc>
-                <a:extLst>
-                  <a:ext uri="{0D108BD9-81ED-4DB2-BD59-A6C34878D82A}">
-                    <a16:rowId xmlns:a16="http://schemas.microsoft.com/office/drawing/2014/main" val="3587662564"/>
-                  </a:ext>
-                </a:extLst>
-              </a:tr>
-              <a:tr h="370840">
-                <a:tc>
-                  <a:txBody>
-                    <a:bodyPr/>
-                    <a:lstStyle/>
-                    <a:p>
-                      <a:endParaRPr lang="en-US" dirty="0">
-                        <a:latin typeface="Garamond" panose="02020404030301010803" pitchFamily="18" charset="0"/>
-                      </a:endParaRPr>
-                    </a:p>
-                  </a:txBody>
-                  <a:tcPr/>
-                </a:tc>
-                <a:tc>
-                  <a:txBody>
-                    <a:bodyPr/>
-                    <a:lstStyle/>
-                    <a:p>
-                      <a:pPr algn="ctr"/>
-                      <a:endParaRPr lang="en-US" dirty="0">
-                        <a:latin typeface="Garamond" panose="02020404030301010803" pitchFamily="18" charset="0"/>
-                      </a:endParaRPr>
-                    </a:p>
-                  </a:txBody>
-                  <a:tcPr/>
-                </a:tc>
-                <a:tc>
-                  <a:txBody>
-                    <a:bodyPr/>
-                    <a:lstStyle/>
-                    <a:p>
-                      <a:pPr algn="ctr"/>
-                      <a:endParaRPr lang="en-US" dirty="0">
-                        <a:latin typeface="Garamond" panose="02020404030301010803" pitchFamily="18" charset="0"/>
-                      </a:endParaRPr>
-                    </a:p>
-                  </a:txBody>
-                  <a:tcPr/>
-                </a:tc>
-                <a:extLst>
-                  <a:ext uri="{0D108BD9-81ED-4DB2-BD59-A6C34878D82A}">
-                    <a16:rowId xmlns:a16="http://schemas.microsoft.com/office/drawing/2014/main" val="1978321807"/>
-                  </a:ext>
-                </a:extLst>
-              </a:tr>
-              <a:tr h="370840">
-                <a:tc>
-                  <a:txBody>
-                    <a:bodyPr/>
-                    <a:lstStyle/>
-                    <a:p>
-                      <a:r>
-                        <a:rPr lang="en-US" b="1" dirty="0">
-                          <a:latin typeface="Garamond" panose="02020404030301010803" pitchFamily="18" charset="0"/>
-                        </a:rPr>
-                        <a:t>Random Forest</a:t>
-                      </a:r>
-                    </a:p>
-                  </a:txBody>
-                  <a:tcPr/>
-                </a:tc>
-                <a:tc>
-                  <a:txBody>
-                    <a:bodyPr/>
-                    <a:lstStyle/>
-                    <a:p>
-                      <a:pPr algn="ctr"/>
-                      <a:r>
-                        <a:rPr lang="en-US" dirty="0">
-                          <a:latin typeface="Garamond" panose="02020404030301010803" pitchFamily="18" charset="0"/>
-                        </a:rPr>
-                        <a:t>96.5%</a:t>
-                      </a:r>
-                    </a:p>
-                  </a:txBody>
-                  <a:tcPr/>
-                </a:tc>
-                <a:tc>
-                  <a:txBody>
-                    <a:bodyPr/>
-                    <a:lstStyle/>
-                    <a:p>
-                      <a:pPr algn="ctr"/>
-                      <a:r>
-                        <a:rPr lang="en-US" dirty="0">
-                          <a:latin typeface="Garamond" panose="02020404030301010803" pitchFamily="18" charset="0"/>
-                        </a:rPr>
-                        <a:t>73.2%</a:t>
-                      </a:r>
-                    </a:p>
-                  </a:txBody>
-                  <a:tcPr/>
-                </a:tc>
-                <a:extLst>
-                  <a:ext uri="{0D108BD9-81ED-4DB2-BD59-A6C34878D82A}">
-                    <a16:rowId xmlns:a16="http://schemas.microsoft.com/office/drawing/2014/main" val="109079101"/>
-                  </a:ext>
-                </a:extLst>
-              </a:tr>
-              <a:tr h="370840">
-                <a:tc>
-                  <a:txBody>
-                    <a:bodyPr/>
-                    <a:lstStyle/>
-                    <a:p>
-                      <a:r>
-                        <a:rPr lang="en-US" dirty="0">
-                          <a:latin typeface="Garamond" panose="02020404030301010803" pitchFamily="18" charset="0"/>
-                        </a:rPr>
-                        <a:t>… with hyperparameter tuning</a:t>
-                      </a:r>
-                    </a:p>
-                  </a:txBody>
-                  <a:tcPr/>
-                </a:tc>
-                <a:tc>
-                  <a:txBody>
-                    <a:bodyPr/>
-                    <a:lstStyle/>
-                    <a:p>
-                      <a:pPr algn="ctr"/>
-                      <a:r>
-                        <a:rPr lang="en-US" dirty="0">
-                          <a:latin typeface="Garamond" panose="02020404030301010803" pitchFamily="18" charset="0"/>
-                        </a:rPr>
-                        <a:t>86.4%</a:t>
-                      </a:r>
-                    </a:p>
-                  </a:txBody>
-                  <a:tcPr/>
-                </a:tc>
-                <a:tc>
-                  <a:txBody>
-                    <a:bodyPr/>
-                    <a:lstStyle/>
-                    <a:p>
-                      <a:pPr algn="ctr"/>
-                      <a:r>
-                        <a:rPr lang="en-US" dirty="0">
-                          <a:latin typeface="Garamond" panose="02020404030301010803" pitchFamily="18" charset="0"/>
-                        </a:rPr>
-                        <a:t>72.5%</a:t>
-                      </a:r>
-                    </a:p>
-                  </a:txBody>
-                  <a:tcPr/>
-                </a:tc>
-                <a:extLst>
-                  <a:ext uri="{0D108BD9-81ED-4DB2-BD59-A6C34878D82A}">
-                    <a16:rowId xmlns:a16="http://schemas.microsoft.com/office/drawing/2014/main" val="1865839340"/>
-                  </a:ext>
-                </a:extLst>
-              </a:tr>
-              <a:tr h="370840">
-                <a:tc>
-                  <a:txBody>
-                    <a:bodyPr/>
-                    <a:lstStyle/>
-                    <a:p>
-                      <a:endParaRPr lang="en-US" b="1" dirty="0">
-                        <a:latin typeface="Garamond" panose="02020404030301010803" pitchFamily="18" charset="0"/>
-                      </a:endParaRPr>
-                    </a:p>
-                  </a:txBody>
-                  <a:tcPr/>
-                </a:tc>
-                <a:tc>
-                  <a:txBody>
-                    <a:bodyPr/>
-                    <a:lstStyle/>
-                    <a:p>
-                      <a:pPr algn="ctr"/>
-                      <a:endParaRPr lang="en-US" dirty="0">
-                        <a:latin typeface="Garamond" panose="02020404030301010803" pitchFamily="18" charset="0"/>
-                      </a:endParaRPr>
-                    </a:p>
-                  </a:txBody>
-                  <a:tcPr/>
-                </a:tc>
-                <a:tc>
-                  <a:txBody>
-                    <a:bodyPr/>
-                    <a:lstStyle/>
-                    <a:p>
-                      <a:pPr algn="ctr"/>
-                      <a:endParaRPr lang="en-US" dirty="0">
-                        <a:latin typeface="Garamond" panose="02020404030301010803" pitchFamily="18" charset="0"/>
-                      </a:endParaRPr>
-                    </a:p>
-                  </a:txBody>
-                  <a:tcPr/>
-                </a:tc>
-                <a:extLst>
-                  <a:ext uri="{0D108BD9-81ED-4DB2-BD59-A6C34878D82A}">
-                    <a16:rowId xmlns:a16="http://schemas.microsoft.com/office/drawing/2014/main" val="3605553166"/>
-                  </a:ext>
-                </a:extLst>
-              </a:tr>
-              <a:tr h="370840">
-                <a:tc>
-                  <a:txBody>
-                    <a:bodyPr/>
-                    <a:lstStyle/>
-                    <a:p>
-                      <a:r>
-                        <a:rPr lang="en-US" b="1" dirty="0">
-                          <a:latin typeface="Garamond" panose="02020404030301010803" pitchFamily="18" charset="0"/>
-                        </a:rPr>
-                        <a:t>Gradient Boost (FINAL)</a:t>
-                      </a:r>
-                    </a:p>
-                  </a:txBody>
-                  <a:tcPr/>
-                </a:tc>
-                <a:tc>
-                  <a:txBody>
-                    <a:bodyPr/>
-                    <a:lstStyle/>
-                    <a:p>
-                      <a:pPr algn="ctr"/>
-                      <a:r>
-                        <a:rPr lang="en-US" dirty="0">
-                          <a:latin typeface="Garamond" panose="02020404030301010803" pitchFamily="18" charset="0"/>
-                        </a:rPr>
-                        <a:t>74.9%</a:t>
-                      </a:r>
-                    </a:p>
-                  </a:txBody>
-                  <a:tcPr/>
-                </a:tc>
-                <a:tc>
-                  <a:txBody>
-                    <a:bodyPr/>
-                    <a:lstStyle/>
-                    <a:p>
-                      <a:pPr algn="ctr"/>
-                      <a:r>
-                        <a:rPr lang="en-US" dirty="0">
-                          <a:latin typeface="Garamond" panose="02020404030301010803" pitchFamily="18" charset="0"/>
-                        </a:rPr>
-                        <a:t>72.3%</a:t>
-                      </a:r>
-                    </a:p>
-                  </a:txBody>
-                  <a:tcPr/>
-                </a:tc>
-                <a:extLst>
-                  <a:ext uri="{0D108BD9-81ED-4DB2-BD59-A6C34878D82A}">
-                    <a16:rowId xmlns:a16="http://schemas.microsoft.com/office/drawing/2014/main" val="3812854985"/>
-                  </a:ext>
-                </a:extLst>
-              </a:tr>
-            </a:tbl>
-          </a:graphicData>
-        </a:graphic>
-      </p:graphicFrame>
-    </p:spTree>
-    <p:extLst>
-      <p:ext uri="{BB962C8B-B14F-4D97-AF65-F5344CB8AC3E}">
-        <p14:creationId xmlns:p14="http://schemas.microsoft.com/office/powerpoint/2010/main" val="1181540655"/>
-      </p:ext>
-    </p:extLst>
-  </p:cSld>
-  <p:clrMapOvr>
-    <a:masterClrMapping/>
-  </p:clrMapOvr>
-  <p:timing>
-    <p:tnLst>
-      <p:par>
-        <p:cTn id="1" dur="indefinite" restart="never" nodeType="tmRoot">
-          <p:childTnLst>
-            <p:seq concurrent="1" nextAc="seek">
-              <p:cTn id="2" dur="indefinite" nodeType="mainSeq">
-                <p:childTnLst>
-                  <p:par>
-                    <p:cTn id="3" fill="hold">
-                      <p:stCondLst>
-                        <p:cond delay="indefinite"/>
-                      </p:stCondLst>
-                      <p:childTnLst>
-                        <p:par>
-                          <p:cTn id="4" fill="hold">
-                            <p:stCondLst>
-                              <p:cond delay="0"/>
-                            </p:stCondLst>
-                            <p:childTnLst>
-                              <p:par>
-                                <p:cTn id="5" presetID="3" presetClass="entr" presetSubtype="10" fill="hold" nodeType="clickEffect">
-                                  <p:stCondLst>
-                                    <p:cond delay="0"/>
-                                  </p:stCondLst>
-                                  <p:childTnLst>
-                                    <p:set>
-                                      <p:cBhvr>
-                                        <p:cTn id="6" dur="1" fill="hold">
-                                          <p:stCondLst>
-                                            <p:cond delay="0"/>
-                                          </p:stCondLst>
-                                        </p:cTn>
-                                        <p:tgtEl>
-                                          <p:spTgt spid="3"/>
-                                        </p:tgtEl>
-                                        <p:attrNameLst>
-                                          <p:attrName>style.visibility</p:attrName>
-                                        </p:attrNameLst>
-                                      </p:cBhvr>
-                                      <p:to>
-                                        <p:strVal val="visible"/>
-                                      </p:to>
-                                    </p:set>
-                                    <p:animEffect transition="in" filter="blinds(horizontal)">
-                                      <p:cBhvr>
-                                        <p:cTn id="7" dur="1000"/>
-                                        <p:tgtEl>
-                                          <p:spTgt spid="3"/>
-                                        </p:tgtEl>
-                                      </p:cBhvr>
-                                    </p:animEffect>
-                                  </p:childTnLst>
-                                </p:cTn>
-                              </p:par>
-                            </p:childTnLst>
-                          </p:cTn>
-                        </p:par>
-                      </p:childTnLst>
-                    </p:cTn>
-                  </p:par>
-                </p:childTnLst>
-              </p:cTn>
-              <p:prevCondLst>
-                <p:cond evt="onPrev" delay="0">
-                  <p:tgtEl>
-                    <p:sldTgt/>
-                  </p:tgtEl>
-                </p:cond>
-              </p:prevCondLst>
-              <p:nextCondLst>
-                <p:cond evt="onNext" delay="0">
-                  <p:tgtEl>
-                    <p:sldTgt/>
-                  </p:tgtEl>
-                </p:cond>
-              </p:nextCondLst>
-            </p:seq>
-          </p:childTnLst>
-        </p:cTn>
-      </p:par>
-    </p:tnLst>
-  </p:timing>
-</p:sld>
-</file>
-
-<file path=ppt/slides/slide9.xml><?xml version="1.0" encoding="utf-8"?>
-<p:sld xmlns:a="http://schemas.openxmlformats.org/drawingml/2006/main" xmlns:r="http://schemas.openxmlformats.org/officeDocument/2006/relationships" xmlns:p="http://schemas.openxmlformats.org/presentationml/2006/main">
-  <p:cSld>
-    <p:spTree>
-      <p:nvGrpSpPr>
-        <p:cNvPr id="1" name=""/>
-        <p:cNvGrpSpPr/>
-        <p:nvPr/>
-      </p:nvGrpSpPr>
-      <p:grpSpPr>
-        <a:xfrm>
-          <a:off x="0" y="0"/>
-          <a:ext cx="0" cy="0"/>
-          <a:chOff x="0" y="0"/>
-          <a:chExt cx="0" cy="0"/>
-        </a:xfrm>
-      </p:grpSpPr>
-      <p:sp>
-        <p:nvSpPr>
-          <p:cNvPr id="2" name="Title 1">
-            <a:extLst>
-              <a:ext uri="{FF2B5EF4-FFF2-40B4-BE49-F238E27FC236}">
-                <a16:creationId xmlns:a16="http://schemas.microsoft.com/office/drawing/2014/main" id="{DCCA6408-7B66-0D9A-6DCA-8E1D30EE108F}"/>
-              </a:ext>
-            </a:extLst>
-          </p:cNvPr>
-          <p:cNvSpPr>
-            <a:spLocks noGrp="1"/>
-          </p:cNvSpPr>
-          <p:nvPr>
-            <p:ph type="title"/>
-          </p:nvPr>
-        </p:nvSpPr>
-        <p:spPr/>
-        <p:txBody>
-          <a:bodyPr>
-            <a:normAutofit/>
-          </a:bodyPr>
-          <a:lstStyle/>
-          <a:p>
-            <a:pPr algn="ctr"/>
-            <a:r>
-              <a:rPr lang="en-US" sz="4800" b="1" dirty="0">
-                <a:latin typeface="Garamond" panose="02020404030301010803" pitchFamily="18" charset="0"/>
-              </a:rPr>
-              <a:t>Recommendations</a:t>
-            </a:r>
-          </a:p>
-        </p:txBody>
-      </p:sp>
-      <p:sp>
-        <p:nvSpPr>
-          <p:cNvPr id="4" name="TextBox 3">
-            <a:extLst>
-              <a:ext uri="{FF2B5EF4-FFF2-40B4-BE49-F238E27FC236}">
-                <a16:creationId xmlns:a16="http://schemas.microsoft.com/office/drawing/2014/main" id="{16D08C40-2E81-C530-A8F0-A96344B25941}"/>
-              </a:ext>
-            </a:extLst>
-          </p:cNvPr>
-          <p:cNvSpPr txBox="1"/>
-          <p:nvPr/>
-        </p:nvSpPr>
-        <p:spPr>
-          <a:xfrm>
-            <a:off x="2146300" y="2033588"/>
-            <a:ext cx="9251950" cy="584775"/>
-          </a:xfrm>
-          <a:prstGeom prst="rect">
-            <a:avLst/>
-          </a:prstGeom>
-          <a:noFill/>
-        </p:spPr>
-        <p:txBody>
-          <a:bodyPr wrap="square" rtlCol="0">
-            <a:spAutoFit/>
-          </a:bodyPr>
-          <a:lstStyle/>
-          <a:p>
-            <a:pPr marL="457200" indent="-457200">
-              <a:buFont typeface="Arial" panose="020B0604020202020204" pitchFamily="34" charset="0"/>
-              <a:buChar char="•"/>
-            </a:pPr>
-            <a:r>
-              <a:rPr lang="en-US" sz="3200" dirty="0">
-                <a:latin typeface="Garamond" panose="02020404030301010803" pitchFamily="18" charset="0"/>
-              </a:rPr>
-              <a:t>pop-up store + event synergy = great idea</a:t>
-            </a:r>
-          </a:p>
-        </p:txBody>
-      </p:sp>
-      <p:sp>
-        <p:nvSpPr>
-          <p:cNvPr id="5" name="TextBox 4">
-            <a:extLst>
-              <a:ext uri="{FF2B5EF4-FFF2-40B4-BE49-F238E27FC236}">
-                <a16:creationId xmlns:a16="http://schemas.microsoft.com/office/drawing/2014/main" id="{5E776DBA-E680-CF41-333A-9A0CE9585FE0}"/>
-              </a:ext>
-            </a:extLst>
-          </p:cNvPr>
-          <p:cNvSpPr txBox="1"/>
-          <p:nvPr/>
-        </p:nvSpPr>
-        <p:spPr>
-          <a:xfrm>
-            <a:off x="2146300" y="3066763"/>
-            <a:ext cx="9251950" cy="584775"/>
-          </a:xfrm>
-          <a:prstGeom prst="rect">
-            <a:avLst/>
-          </a:prstGeom>
-          <a:noFill/>
-        </p:spPr>
-        <p:txBody>
-          <a:bodyPr wrap="square" rtlCol="0">
-            <a:spAutoFit/>
-          </a:bodyPr>
-          <a:lstStyle/>
-          <a:p>
-            <a:pPr marL="457200" indent="-457200">
-              <a:buFont typeface="Arial" panose="020B0604020202020204" pitchFamily="34" charset="0"/>
-              <a:buChar char="•"/>
-            </a:pPr>
-            <a:r>
-              <a:rPr lang="en-US" sz="3200" dirty="0">
-                <a:latin typeface="Garamond" panose="02020404030301010803" pitchFamily="18" charset="0"/>
-              </a:rPr>
-              <a:t>throw a party</a:t>
-            </a:r>
-          </a:p>
-        </p:txBody>
-      </p:sp>
-      <p:sp>
-        <p:nvSpPr>
-          <p:cNvPr id="6" name="TextBox 5">
-            <a:extLst>
-              <a:ext uri="{FF2B5EF4-FFF2-40B4-BE49-F238E27FC236}">
-                <a16:creationId xmlns:a16="http://schemas.microsoft.com/office/drawing/2014/main" id="{1EB45B62-A812-DD3A-3E67-A66E5FF3B97E}"/>
-              </a:ext>
-            </a:extLst>
-          </p:cNvPr>
-          <p:cNvSpPr txBox="1"/>
-          <p:nvPr/>
-        </p:nvSpPr>
-        <p:spPr>
-          <a:xfrm>
-            <a:off x="2146300" y="4099938"/>
-            <a:ext cx="9251950" cy="1077218"/>
-          </a:xfrm>
-          <a:prstGeom prst="rect">
-            <a:avLst/>
-          </a:prstGeom>
-          <a:noFill/>
-        </p:spPr>
-        <p:txBody>
-          <a:bodyPr wrap="square" rtlCol="0">
-            <a:spAutoFit/>
-          </a:bodyPr>
-          <a:lstStyle/>
-          <a:p>
-            <a:pPr marL="457200" indent="-457200">
-              <a:buFont typeface="Arial" panose="020B0604020202020204" pitchFamily="34" charset="0"/>
-              <a:buChar char="•"/>
-            </a:pPr>
-            <a:r>
-              <a:rPr lang="en-US" sz="3200" dirty="0">
-                <a:latin typeface="Garamond" panose="02020404030301010803" pitchFamily="18" charset="0"/>
-              </a:rPr>
-              <a:t>address battery life and design issues</a:t>
-            </a:r>
-          </a:p>
-          <a:p>
-            <a:pPr marL="457200" indent="-457200">
-              <a:buFont typeface="Arial" panose="020B0604020202020204" pitchFamily="34" charset="0"/>
-              <a:buChar char="•"/>
-            </a:pPr>
-            <a:endParaRPr lang="en-US" sz="3200" dirty="0">
-              <a:latin typeface="Garamond" panose="02020404030301010803" pitchFamily="18" charset="0"/>
-            </a:endParaRPr>
-          </a:p>
-        </p:txBody>
-      </p:sp>
-    </p:spTree>
-    <p:extLst>
-      <p:ext uri="{BB962C8B-B14F-4D97-AF65-F5344CB8AC3E}">
-        <p14:creationId xmlns:p14="http://schemas.microsoft.com/office/powerpoint/2010/main" val="1782141185"/>
-      </p:ext>
-    </p:extLst>
-  </p:cSld>
-  <p:clrMapOvr>
-    <a:masterClrMapping/>
-  </p:clrMapOvr>
-  <p:timing>
-    <p:tnLst>
-      <p:par>
-        <p:cTn id="1" dur="indefinite" restart="never" nodeType="tmRoot">
-          <p:childTnLst>
-            <p:seq concurrent="1" nextAc="seek">
-              <p:cTn id="2" dur="indefinite" nodeType="mainSeq">
-                <p:childTnLst>
-                  <p:par>
-                    <p:cTn id="3" fill="hold">
-                      <p:stCondLst>
-                        <p:cond delay="indefinite"/>
-                      </p:stCondLst>
-                      <p:childTnLst>
-                        <p:par>
-                          <p:cTn id="4" fill="hold">
-                            <p:stCondLst>
-                              <p:cond delay="0"/>
-                            </p:stCondLst>
-                            <p:childTnLst>
-                              <p:par>
-                                <p:cTn id="5" presetID="9" presetClass="entr" presetSubtype="0" fill="hold" nodeType="clickEffect">
-                                  <p:stCondLst>
-                                    <p:cond delay="0"/>
-                                  </p:stCondLst>
-                                  <p:childTnLst>
-                                    <p:set>
-                                      <p:cBhvr>
-                                        <p:cTn id="6" dur="1" fill="hold">
-                                          <p:stCondLst>
-                                            <p:cond delay="0"/>
-                                          </p:stCondLst>
-                                        </p:cTn>
-                                        <p:tgtEl>
-                                          <p:spTgt spid="4">
-                                            <p:txEl>
-                                              <p:pRg st="0" end="0"/>
-                                            </p:txEl>
-                                          </p:spTgt>
-                                        </p:tgtEl>
-                                        <p:attrNameLst>
-                                          <p:attrName>style.visibility</p:attrName>
-                                        </p:attrNameLst>
-                                      </p:cBhvr>
-                                      <p:to>
-                                        <p:strVal val="visible"/>
-                                      </p:to>
-                                    </p:set>
-                                    <p:animEffect transition="in" filter="dissolve">
-                                      <p:cBhvr>
-                                        <p:cTn id="7" dur="500"/>
-                                        <p:tgtEl>
-                                          <p:spTgt spid="4">
-                                            <p:txEl>
-                                              <p:pRg st="0" end="0"/>
-                                            </p:txEl>
-                                          </p:spTgt>
-                                        </p:tgtEl>
-                                      </p:cBhvr>
-                                    </p:animEffect>
-                                  </p:childTnLst>
-                                </p:cTn>
-                              </p:par>
-                            </p:childTnLst>
-                          </p:cTn>
-                        </p:par>
-                      </p:childTnLst>
-                    </p:cTn>
-                  </p:par>
-                  <p:par>
-                    <p:cTn id="8" fill="hold">
-                      <p:stCondLst>
-                        <p:cond delay="indefinite"/>
-                      </p:stCondLst>
-                      <p:childTnLst>
-                        <p:par>
-                          <p:cTn id="9" fill="hold">
-                            <p:stCondLst>
-                              <p:cond delay="0"/>
-                            </p:stCondLst>
-                            <p:childTnLst>
-                              <p:par>
-                                <p:cTn id="10" presetID="9" presetClass="entr" presetSubtype="0" fill="hold" nodeType="clickEffect">
-                                  <p:stCondLst>
-                                    <p:cond delay="0"/>
-                                  </p:stCondLst>
-                                  <p:childTnLst>
-                                    <p:set>
-                                      <p:cBhvr>
-                                        <p:cTn id="11" dur="1" fill="hold">
-                                          <p:stCondLst>
-                                            <p:cond delay="0"/>
-                                          </p:stCondLst>
-                                        </p:cTn>
-                                        <p:tgtEl>
-                                          <p:spTgt spid="5">
-                                            <p:txEl>
-                                              <p:pRg st="0" end="0"/>
-                                            </p:txEl>
-                                          </p:spTgt>
-                                        </p:tgtEl>
-                                        <p:attrNameLst>
-                                          <p:attrName>style.visibility</p:attrName>
-                                        </p:attrNameLst>
-                                      </p:cBhvr>
-                                      <p:to>
-                                        <p:strVal val="visible"/>
-                                      </p:to>
-                                    </p:set>
-                                    <p:animEffect transition="in" filter="dissolve">
-                                      <p:cBhvr>
-                                        <p:cTn id="12" dur="500"/>
-                                        <p:tgtEl>
-                                          <p:spTgt spid="5">
-                                            <p:txEl>
-                                              <p:pRg st="0" end="0"/>
-                                            </p:txEl>
-                                          </p:spTgt>
-                                        </p:tgtEl>
-                                      </p:cBhvr>
-                                    </p:animEffect>
-                                  </p:childTnLst>
-                                </p:cTn>
-                              </p:par>
-                            </p:childTnLst>
-                          </p:cTn>
-                        </p:par>
-                      </p:childTnLst>
-                    </p:cTn>
-                  </p:par>
-                  <p:par>
-                    <p:cTn id="13" fill="hold">
-                      <p:stCondLst>
-                        <p:cond delay="indefinite"/>
-                      </p:stCondLst>
-                      <p:childTnLst>
-                        <p:par>
-                          <p:cTn id="14" fill="hold">
-                            <p:stCondLst>
-                              <p:cond delay="0"/>
-                            </p:stCondLst>
-                            <p:childTnLst>
-                              <p:par>
-                                <p:cTn id="15" presetID="9" presetClass="entr" presetSubtype="0" fill="hold" nodeType="clickEffect">
-                                  <p:stCondLst>
-                                    <p:cond delay="0"/>
-                                  </p:stCondLst>
-                                  <p:childTnLst>
-                                    <p:set>
-                                      <p:cBhvr>
-                                        <p:cTn id="16" dur="1" fill="hold">
-                                          <p:stCondLst>
-                                            <p:cond delay="0"/>
-                                          </p:stCondLst>
-                                        </p:cTn>
-                                        <p:tgtEl>
-                                          <p:spTgt spid="6">
-                                            <p:txEl>
-                                              <p:pRg st="0" end="0"/>
-                                            </p:txEl>
-                                          </p:spTgt>
-                                        </p:tgtEl>
-                                        <p:attrNameLst>
-                                          <p:attrName>style.visibility</p:attrName>
-                                        </p:attrNameLst>
-                                      </p:cBhvr>
-                                      <p:to>
-                                        <p:strVal val="visible"/>
-                                      </p:to>
-                                    </p:set>
-                                    <p:animEffect transition="in" filter="dissolve">
-                                      <p:cBhvr>
-                                        <p:cTn id="17" dur="500"/>
-                                        <p:tgtEl>
-                                          <p:spTgt spid="6">
-                                            <p:txEl>
-                                              <p:pRg st="0" end="0"/>
-                                            </p:txEl>
-                                          </p:spTgt>
-                                        </p:tgtEl>
-                                      </p:cBhvr>
-                                    </p:animEffect>
-                                  </p:childTnLst>
-                                </p:cTn>
-                              </p:par>
-                            </p:childTnLst>
-                          </p:cTn>
-                        </p:par>
-                      </p:childTnLst>
-                    </p:cTn>
-                  </p:par>
-                </p:childTnLst>
-              </p:cTn>
-              <p:prevCondLst>
-                <p:cond evt="onPrev" delay="0">
-                  <p:tgtEl>
-                    <p:sldTgt/>
-                  </p:tgtEl>
-                </p:cond>
-              </p:prevCondLst>
-              <p:nextCondLst>
-                <p:cond evt="onNext" delay="0">
-                  <p:tgtEl>
-                    <p:sldTgt/>
-                  </p:tgtEl>
-                </p:cond>
-              </p:nextCondLst>
-            </p:seq>
-          </p:childTnLst>
-        </p:cTn>
-      </p:par>
-    </p:tnLst>
   </p:timing>
 </p:sld>
 </file>

--- a/presentation.pptx
+++ b/presentation.pptx
@@ -5995,7 +5995,7 @@
         </p:blipFill>
         <p:spPr bwMode="auto">
           <a:xfrm>
-            <a:off x="3860800" y="1110328"/>
+            <a:off x="4522949" y="1110328"/>
             <a:ext cx="2479040" cy="2479040"/>
           </a:xfrm>
           <a:prstGeom prst="rect">
@@ -6027,7 +6027,7 @@
         </p:nvSpPr>
         <p:spPr>
           <a:xfrm>
-            <a:off x="3714750" y="1986340"/>
+            <a:off x="2516578" y="1986340"/>
             <a:ext cx="7378700" cy="584775"/>
           </a:xfrm>
           <a:prstGeom prst="rect">
@@ -6049,7 +6049,7 @@
               <a:rPr lang="en-US" sz="3200" dirty="0">
                 <a:latin typeface="Garamond" panose="02020404030301010803" pitchFamily="18" charset="0"/>
               </a:rPr>
-              <a:t>   </a:t>
+              <a:t>content:        </a:t>
             </a:r>
             <a:r>
               <a:rPr lang="en-US" sz="3200" b="1" dirty="0">
@@ -6108,7 +6108,7 @@
         </p:nvSpPr>
         <p:spPr>
           <a:xfrm>
-            <a:off x="3714750" y="3717458"/>
+            <a:off x="2516578" y="3717458"/>
             <a:ext cx="7378700" cy="584775"/>
           </a:xfrm>
           <a:prstGeom prst="rect">
@@ -6130,7 +6130,7 @@
               <a:rPr lang="en-US" sz="3200" dirty="0">
                 <a:latin typeface="Garamond" panose="02020404030301010803" pitchFamily="18" charset="0"/>
               </a:rPr>
-              <a:t> </a:t>
+              <a:t>sentiment:</a:t>
             </a:r>
           </a:p>
         </p:txBody>
@@ -6149,7 +6149,7 @@
         </p:nvSpPr>
         <p:spPr>
           <a:xfrm>
-            <a:off x="3714750" y="5342127"/>
+            <a:off x="2516578" y="5342127"/>
             <a:ext cx="8807450" cy="584775"/>
           </a:xfrm>
           <a:prstGeom prst="rect">
@@ -6171,7 +6171,7 @@
               <a:rPr lang="en-US" sz="3200" dirty="0">
                 <a:latin typeface="Garamond" panose="02020404030301010803" pitchFamily="18" charset="0"/>
               </a:rPr>
-              <a:t> </a:t>
+              <a:t>brand:</a:t>
             </a:r>
           </a:p>
         </p:txBody>
@@ -6203,7 +6203,7 @@
         </p:blipFill>
         <p:spPr bwMode="auto">
           <a:xfrm>
-            <a:off x="4305300" y="3348016"/>
+            <a:off x="4967449" y="3348016"/>
             <a:ext cx="3708400" cy="1270498"/>
           </a:xfrm>
           <a:prstGeom prst="rect">
@@ -6250,7 +6250,7 @@
         </p:blipFill>
         <p:spPr bwMode="auto">
           <a:xfrm>
-            <a:off x="4305300" y="4920139"/>
+            <a:off x="4967449" y="4920139"/>
             <a:ext cx="1162050" cy="1428750"/>
           </a:xfrm>
           <a:prstGeom prst="rect">
@@ -6297,7 +6297,7 @@
         </p:blipFill>
         <p:spPr bwMode="auto">
           <a:xfrm>
-            <a:off x="6229350" y="4936203"/>
+            <a:off x="6891499" y="4936203"/>
             <a:ext cx="1524000" cy="1524000"/>
           </a:xfrm>
           <a:prstGeom prst="rect">
@@ -7000,14 +7000,51 @@
         </p:blipFill>
         <p:spPr>
           <a:xfrm>
-            <a:off x="2837053" y="1690688"/>
-            <a:ext cx="6517894" cy="4416171"/>
+            <a:off x="3663950" y="1690688"/>
+            <a:ext cx="4864100" cy="3295650"/>
           </a:xfrm>
           <a:prstGeom prst="rect">
             <a:avLst/>
           </a:prstGeom>
         </p:spPr>
       </p:pic>
+      <p:sp>
+        <p:nvSpPr>
+          <p:cNvPr id="3" name="TextBox 2">
+            <a:extLst>
+              <a:ext uri="{FF2B5EF4-FFF2-40B4-BE49-F238E27FC236}">
+                <a16:creationId xmlns:a16="http://schemas.microsoft.com/office/drawing/2014/main" id="{6C40102C-51FC-8D55-6BEA-6C7C2C81E3AF}"/>
+              </a:ext>
+            </a:extLst>
+          </p:cNvPr>
+          <p:cNvSpPr txBox="1"/>
+          <p:nvPr/>
+        </p:nvSpPr>
+        <p:spPr>
+          <a:xfrm>
+            <a:off x="2406649" y="5302639"/>
+            <a:ext cx="7737475" cy="584775"/>
+          </a:xfrm>
+          <a:prstGeom prst="rect">
+            <a:avLst/>
+          </a:prstGeom>
+          <a:noFill/>
+        </p:spPr>
+        <p:txBody>
+          <a:bodyPr wrap="square" rtlCol="0">
+            <a:spAutoFit/>
+          </a:bodyPr>
+          <a:lstStyle/>
+          <a:p>
+            <a:r>
+              <a:rPr lang="en-US" sz="3200" dirty="0">
+                <a:latin typeface="Garamond" panose="02020404030301010803" pitchFamily="18" charset="0"/>
+              </a:rPr>
+              <a:t>more tweets about Apple than Google by 2 : 1</a:t>
+            </a:r>
+          </a:p>
+        </p:txBody>
+      </p:sp>
     </p:spTree>
     <p:extLst>
       <p:ext uri="{BB962C8B-B14F-4D97-AF65-F5344CB8AC3E}">
@@ -7018,6 +7055,92 @@
   <p:clrMapOvr>
     <a:masterClrMapping/>
   </p:clrMapOvr>
+  <p:timing>
+    <p:tnLst>
+      <p:par>
+        <p:cTn id="1" dur="indefinite" restart="never" nodeType="tmRoot">
+          <p:childTnLst>
+            <p:seq concurrent="1" nextAc="seek">
+              <p:cTn id="2" dur="indefinite" nodeType="mainSeq">
+                <p:childTnLst>
+                  <p:par>
+                    <p:cTn id="3" fill="hold">
+                      <p:stCondLst>
+                        <p:cond delay="indefinite"/>
+                      </p:stCondLst>
+                      <p:childTnLst>
+                        <p:par>
+                          <p:cTn id="4" fill="hold">
+                            <p:stCondLst>
+                              <p:cond delay="0"/>
+                            </p:stCondLst>
+                            <p:childTnLst>
+                              <p:par>
+                                <p:cTn id="5" presetID="9" presetClass="entr" presetSubtype="0" fill="hold" grpId="0" nodeType="clickEffect">
+                                  <p:stCondLst>
+                                    <p:cond delay="0"/>
+                                  </p:stCondLst>
+                                  <p:childTnLst>
+                                    <p:set>
+                                      <p:cBhvr>
+                                        <p:cTn id="6" dur="1" fill="hold">
+                                          <p:stCondLst>
+                                            <p:cond delay="0"/>
+                                          </p:stCondLst>
+                                        </p:cTn>
+                                        <p:tgtEl>
+                                          <p:spTgt spid="3"/>
+                                        </p:tgtEl>
+                                        <p:attrNameLst>
+                                          <p:attrName>style.visibility</p:attrName>
+                                        </p:attrNameLst>
+                                      </p:cBhvr>
+                                      <p:to>
+                                        <p:strVal val="visible"/>
+                                      </p:to>
+                                    </p:set>
+                                    <p:animEffect transition="in" filter="dissolve">
+                                      <p:cBhvr>
+                                        <p:cTn id="7" dur="500"/>
+                                        <p:tgtEl>
+                                          <p:spTgt spid="3"/>
+                                        </p:tgtEl>
+                                      </p:cBhvr>
+                                    </p:animEffect>
+                                  </p:childTnLst>
+                                </p:cTn>
+                              </p:par>
+                            </p:childTnLst>
+                          </p:cTn>
+                        </p:par>
+                      </p:childTnLst>
+                    </p:cTn>
+                  </p:par>
+                </p:childTnLst>
+              </p:cTn>
+              <p:prevCondLst>
+                <p:cond evt="onPrev" delay="0">
+                  <p:tgtEl>
+                    <p:sldTgt/>
+                  </p:tgtEl>
+                </p:cond>
+              </p:prevCondLst>
+              <p:nextCondLst>
+                <p:cond evt="onNext" delay="0">
+                  <p:tgtEl>
+                    <p:sldTgt/>
+                  </p:tgtEl>
+                </p:cond>
+              </p:nextCondLst>
+            </p:seq>
+          </p:childTnLst>
+        </p:cTn>
+      </p:par>
+    </p:tnLst>
+    <p:bldLst>
+      <p:bldP spid="3" grpId="0"/>
+    </p:bldLst>
+  </p:timing>
 </p:sld>
 </file>
 
@@ -7093,14 +7216,51 @@
         </p:blipFill>
         <p:spPr>
           <a:xfrm>
-            <a:off x="2837053" y="1690688"/>
-            <a:ext cx="6517894" cy="4416171"/>
+            <a:off x="3663950" y="1690688"/>
+            <a:ext cx="4864100" cy="3295650"/>
           </a:xfrm>
           <a:prstGeom prst="rect">
             <a:avLst/>
           </a:prstGeom>
         </p:spPr>
       </p:pic>
+      <p:sp>
+        <p:nvSpPr>
+          <p:cNvPr id="4" name="TextBox 3">
+            <a:extLst>
+              <a:ext uri="{FF2B5EF4-FFF2-40B4-BE49-F238E27FC236}">
+                <a16:creationId xmlns:a16="http://schemas.microsoft.com/office/drawing/2014/main" id="{4E1C6059-5315-49C4-8732-4E9D3A81680D}"/>
+              </a:ext>
+            </a:extLst>
+          </p:cNvPr>
+          <p:cNvSpPr txBox="1"/>
+          <p:nvPr/>
+        </p:nvSpPr>
+        <p:spPr>
+          <a:xfrm>
+            <a:off x="2406649" y="5302639"/>
+            <a:ext cx="7737475" cy="1077218"/>
+          </a:xfrm>
+          <a:prstGeom prst="rect">
+            <a:avLst/>
+          </a:prstGeom>
+          <a:noFill/>
+        </p:spPr>
+        <p:txBody>
+          <a:bodyPr wrap="square" rtlCol="0">
+            <a:spAutoFit/>
+          </a:bodyPr>
+          <a:lstStyle/>
+          <a:p>
+            <a:r>
+              <a:rPr lang="en-US" sz="3200" dirty="0">
+                <a:latin typeface="Garamond" panose="02020404030301010803" pitchFamily="18" charset="0"/>
+              </a:rPr>
+              <a:t>both Apple and Google had (+) : (–) ratio of about 5 : 1</a:t>
+            </a:r>
+          </a:p>
+        </p:txBody>
+      </p:sp>
     </p:spTree>
     <p:extLst>
       <p:ext uri="{BB962C8B-B14F-4D97-AF65-F5344CB8AC3E}">
@@ -7111,6 +7271,92 @@
   <p:clrMapOvr>
     <a:masterClrMapping/>
   </p:clrMapOvr>
+  <p:timing>
+    <p:tnLst>
+      <p:par>
+        <p:cTn id="1" dur="indefinite" restart="never" nodeType="tmRoot">
+          <p:childTnLst>
+            <p:seq concurrent="1" nextAc="seek">
+              <p:cTn id="2" dur="indefinite" nodeType="mainSeq">
+                <p:childTnLst>
+                  <p:par>
+                    <p:cTn id="3" fill="hold">
+                      <p:stCondLst>
+                        <p:cond delay="indefinite"/>
+                      </p:stCondLst>
+                      <p:childTnLst>
+                        <p:par>
+                          <p:cTn id="4" fill="hold">
+                            <p:stCondLst>
+                              <p:cond delay="0"/>
+                            </p:stCondLst>
+                            <p:childTnLst>
+                              <p:par>
+                                <p:cTn id="5" presetID="9" presetClass="entr" presetSubtype="0" fill="hold" grpId="0" nodeType="clickEffect">
+                                  <p:stCondLst>
+                                    <p:cond delay="0"/>
+                                  </p:stCondLst>
+                                  <p:childTnLst>
+                                    <p:set>
+                                      <p:cBhvr>
+                                        <p:cTn id="6" dur="1" fill="hold">
+                                          <p:stCondLst>
+                                            <p:cond delay="0"/>
+                                          </p:stCondLst>
+                                        </p:cTn>
+                                        <p:tgtEl>
+                                          <p:spTgt spid="4"/>
+                                        </p:tgtEl>
+                                        <p:attrNameLst>
+                                          <p:attrName>style.visibility</p:attrName>
+                                        </p:attrNameLst>
+                                      </p:cBhvr>
+                                      <p:to>
+                                        <p:strVal val="visible"/>
+                                      </p:to>
+                                    </p:set>
+                                    <p:animEffect transition="in" filter="dissolve">
+                                      <p:cBhvr>
+                                        <p:cTn id="7" dur="500"/>
+                                        <p:tgtEl>
+                                          <p:spTgt spid="4"/>
+                                        </p:tgtEl>
+                                      </p:cBhvr>
+                                    </p:animEffect>
+                                  </p:childTnLst>
+                                </p:cTn>
+                              </p:par>
+                            </p:childTnLst>
+                          </p:cTn>
+                        </p:par>
+                      </p:childTnLst>
+                    </p:cTn>
+                  </p:par>
+                </p:childTnLst>
+              </p:cTn>
+              <p:prevCondLst>
+                <p:cond evt="onPrev" delay="0">
+                  <p:tgtEl>
+                    <p:sldTgt/>
+                  </p:tgtEl>
+                </p:cond>
+              </p:prevCondLst>
+              <p:nextCondLst>
+                <p:cond evt="onNext" delay="0">
+                  <p:tgtEl>
+                    <p:sldTgt/>
+                  </p:tgtEl>
+                </p:cond>
+              </p:nextCondLst>
+            </p:seq>
+          </p:childTnLst>
+        </p:cTn>
+      </p:par>
+    </p:tnLst>
+    <p:bldLst>
+      <p:bldP spid="4" grpId="0"/>
+    </p:bldLst>
+  </p:timing>
 </p:sld>
 </file>
 
@@ -7193,7 +7439,7 @@
         </p:blipFill>
         <p:spPr bwMode="auto">
           <a:xfrm>
-            <a:off x="993140" y="1952628"/>
+            <a:off x="993140" y="1609716"/>
             <a:ext cx="10205720" cy="3427095"/>
           </a:xfrm>
           <a:prstGeom prst="rect">
@@ -7211,6 +7457,98 @@
           </a:extLst>
         </p:spPr>
       </p:pic>
+      <p:sp>
+        <p:nvSpPr>
+          <p:cNvPr id="3" name="TextBox 2">
+            <a:extLst>
+              <a:ext uri="{FF2B5EF4-FFF2-40B4-BE49-F238E27FC236}">
+                <a16:creationId xmlns:a16="http://schemas.microsoft.com/office/drawing/2014/main" id="{4E9AFFD2-5594-8BA3-ED03-46FA218C8149}"/>
+              </a:ext>
+            </a:extLst>
+          </p:cNvPr>
+          <p:cNvSpPr txBox="1"/>
+          <p:nvPr/>
+        </p:nvSpPr>
+        <p:spPr>
+          <a:xfrm>
+            <a:off x="993141" y="5248284"/>
+            <a:ext cx="5102860" cy="1077218"/>
+          </a:xfrm>
+          <a:prstGeom prst="rect">
+            <a:avLst/>
+          </a:prstGeom>
+          <a:noFill/>
+        </p:spPr>
+        <p:txBody>
+          <a:bodyPr wrap="square" rtlCol="0">
+            <a:spAutoFit/>
+          </a:bodyPr>
+          <a:lstStyle/>
+          <a:p>
+            <a:r>
+              <a:rPr lang="en-US" sz="3200" dirty="0">
+                <a:latin typeface="Garamond" panose="02020404030301010803" pitchFamily="18" charset="0"/>
+              </a:rPr>
+              <a:t>(+): “</a:t>
+            </a:r>
+            <a:r>
+              <a:rPr lang="en-US" sz="3200" i="1" dirty="0">
+                <a:latin typeface="Garamond" panose="02020404030301010803" pitchFamily="18" charset="0"/>
+              </a:rPr>
+              <a:t>temporary store”, “popup store”, “downtown Austin”</a:t>
+            </a:r>
+            <a:endParaRPr lang="en-US" sz="3200" dirty="0">
+              <a:latin typeface="Garamond" panose="02020404030301010803" pitchFamily="18" charset="0"/>
+            </a:endParaRPr>
+          </a:p>
+        </p:txBody>
+      </p:sp>
+      <p:sp>
+        <p:nvSpPr>
+          <p:cNvPr id="4" name="TextBox 3">
+            <a:extLst>
+              <a:ext uri="{FF2B5EF4-FFF2-40B4-BE49-F238E27FC236}">
+                <a16:creationId xmlns:a16="http://schemas.microsoft.com/office/drawing/2014/main" id="{10BC2B84-8988-DA7E-7D93-1953E4CF410E}"/>
+              </a:ext>
+            </a:extLst>
+          </p:cNvPr>
+          <p:cNvSpPr txBox="1"/>
+          <p:nvPr/>
+        </p:nvSpPr>
+        <p:spPr>
+          <a:xfrm>
+            <a:off x="6096000" y="5248284"/>
+            <a:ext cx="5102860" cy="1077218"/>
+          </a:xfrm>
+          <a:prstGeom prst="rect">
+            <a:avLst/>
+          </a:prstGeom>
+          <a:noFill/>
+        </p:spPr>
+        <p:txBody>
+          <a:bodyPr wrap="square" rtlCol="0">
+            <a:spAutoFit/>
+          </a:bodyPr>
+          <a:lstStyle/>
+          <a:p>
+            <a:r>
+              <a:rPr lang="en-US" sz="3200" dirty="0">
+                <a:latin typeface="Garamond" panose="02020404030301010803" pitchFamily="18" charset="0"/>
+              </a:rPr>
+              <a:t>(–): “</a:t>
+            </a:r>
+            <a:r>
+              <a:rPr lang="en-US" sz="3200" i="1" dirty="0">
+                <a:latin typeface="Garamond" panose="02020404030301010803" pitchFamily="18" charset="0"/>
+              </a:rPr>
+              <a:t>battery”, “design headache”, “fascist company”</a:t>
+            </a:r>
+            <a:endParaRPr lang="en-US" sz="3200" dirty="0">
+              <a:latin typeface="Garamond" panose="02020404030301010803" pitchFamily="18" charset="0"/>
+            </a:endParaRPr>
+          </a:p>
+        </p:txBody>
+      </p:sp>
     </p:spTree>
     <p:extLst>
       <p:ext uri="{BB962C8B-B14F-4D97-AF65-F5344CB8AC3E}">
@@ -7323,6 +7661,112 @@
                       </p:childTnLst>
                     </p:cTn>
                   </p:par>
+                  <p:par>
+                    <p:cTn id="9" fill="hold">
+                      <p:stCondLst>
+                        <p:cond delay="indefinite"/>
+                      </p:stCondLst>
+                      <p:childTnLst>
+                        <p:par>
+                          <p:cTn id="10" fill="hold">
+                            <p:stCondLst>
+                              <p:cond delay="0"/>
+                            </p:stCondLst>
+                            <p:childTnLst>
+                              <p:par>
+                                <p:cTn id="11" presetID="9" presetClass="entr" presetSubtype="0" fill="hold" grpId="0" nodeType="clickEffect">
+                                  <p:stCondLst>
+                                    <p:cond delay="0"/>
+                                  </p:stCondLst>
+                                  <p:childTnLst>
+                                    <p:set>
+                                      <p:cBhvr>
+                                        <p:cTn id="12" dur="1" fill="hold">
+                                          <p:stCondLst>
+                                            <p:cond delay="0"/>
+                                          </p:stCondLst>
+                                        </p:cTn>
+                                        <p:tgtEl>
+                                          <p:spTgt spid="3"/>
+                                        </p:tgtEl>
+                                        <p:attrNameLst>
+                                          <p:attrName>style.visibility</p:attrName>
+                                        </p:attrNameLst>
+                                      </p:cBhvr>
+                                      <p:to>
+                                        <p:strVal val="visible"/>
+                                      </p:to>
+                                    </p:set>
+                                    <p:animEffect transition="in" filter="dissolve">
+                                      <p:cBhvr>
+                                        <p:cTn id="13" dur="500"/>
+                                        <p:tgtEl>
+                                          <p:spTgt spid="3"/>
+                                        </p:tgtEl>
+                                      </p:cBhvr>
+                                    </p:animEffect>
+                                  </p:childTnLst>
+                                </p:cTn>
+                              </p:par>
+                            </p:childTnLst>
+                          </p:cTn>
+                        </p:par>
+                      </p:childTnLst>
+                    </p:cTn>
+                  </p:par>
+                  <p:par>
+                    <p:cTn id="14" fill="hold">
+                      <p:stCondLst>
+                        <p:cond delay="indefinite"/>
+                      </p:stCondLst>
+                      <p:childTnLst>
+                        <p:par>
+                          <p:cTn id="15" fill="hold">
+                            <p:stCondLst>
+                              <p:cond delay="0"/>
+                            </p:stCondLst>
+                            <p:childTnLst>
+                              <p:par>
+                                <p:cTn id="16" presetID="9" presetClass="entr" presetSubtype="0" fill="hold" grpId="0" nodeType="clickEffect">
+                                  <p:stCondLst>
+                                    <p:cond delay="0"/>
+                                  </p:stCondLst>
+                                  <p:childTnLst>
+                                    <p:set>
+                                      <p:cBhvr>
+                                        <p:cTn id="17" dur="1" fill="hold">
+                                          <p:stCondLst>
+                                            <p:cond delay="0"/>
+                                          </p:stCondLst>
+                                        </p:cTn>
+                                        <p:tgtEl>
+                                          <p:spTgt spid="4"/>
+                                        </p:tgtEl>
+                                        <p:attrNameLst>
+                                          <p:attrName>style.visibility</p:attrName>
+                                        </p:attrNameLst>
+                                      </p:cBhvr>
+                                      <p:to>
+                                        <p:strVal val="visible"/>
+                                      </p:to>
+                                    </p:set>
+                                    <p:animEffect transition="in" filter="dissolve">
+                                      <p:cBhvr>
+                                        <p:cTn id="18" dur="500"/>
+                                        <p:tgtEl>
+                                          <p:spTgt spid="4"/>
+                                        </p:tgtEl>
+                                      </p:cBhvr>
+                                    </p:animEffect>
+                                  </p:childTnLst>
+                                </p:cTn>
+                              </p:par>
+                            </p:childTnLst>
+                          </p:cTn>
+                        </p:par>
+                      </p:childTnLst>
+                    </p:cTn>
+                  </p:par>
                 </p:childTnLst>
               </p:cTn>
               <p:prevCondLst>
@@ -7344,6 +7788,10 @@
         </p:cTn>
       </p:par>
     </p:tnLst>
+    <p:bldLst>
+      <p:bldP spid="3" grpId="0"/>
+      <p:bldP spid="4" grpId="0"/>
+    </p:bldLst>
   </p:timing>
 </p:sld>
 </file>
@@ -7427,7 +7875,7 @@
         </p:blipFill>
         <p:spPr bwMode="auto">
           <a:xfrm>
-            <a:off x="996696" y="1956816"/>
+            <a:off x="996696" y="1628192"/>
             <a:ext cx="10205720" cy="3427095"/>
           </a:xfrm>
           <a:prstGeom prst="rect">
@@ -7445,6 +7893,98 @@
           </a:extLst>
         </p:spPr>
       </p:pic>
+      <p:sp>
+        <p:nvSpPr>
+          <p:cNvPr id="3" name="TextBox 2">
+            <a:extLst>
+              <a:ext uri="{FF2B5EF4-FFF2-40B4-BE49-F238E27FC236}">
+                <a16:creationId xmlns:a16="http://schemas.microsoft.com/office/drawing/2014/main" id="{E3F51510-74A2-D299-EA08-61D76B8E426E}"/>
+              </a:ext>
+            </a:extLst>
+          </p:cNvPr>
+          <p:cNvSpPr txBox="1"/>
+          <p:nvPr/>
+        </p:nvSpPr>
+        <p:spPr>
+          <a:xfrm>
+            <a:off x="993141" y="5248284"/>
+            <a:ext cx="5102860" cy="584775"/>
+          </a:xfrm>
+          <a:prstGeom prst="rect">
+            <a:avLst/>
+          </a:prstGeom>
+          <a:noFill/>
+        </p:spPr>
+        <p:txBody>
+          <a:bodyPr wrap="square" rtlCol="0">
+            <a:spAutoFit/>
+          </a:bodyPr>
+          <a:lstStyle/>
+          <a:p>
+            <a:r>
+              <a:rPr lang="en-US" sz="3200" dirty="0">
+                <a:latin typeface="Garamond" panose="02020404030301010803" pitchFamily="18" charset="0"/>
+              </a:rPr>
+              <a:t>(+): “</a:t>
+            </a:r>
+            <a:r>
+              <a:rPr lang="en-US" sz="3200" i="1" dirty="0">
+                <a:latin typeface="Garamond" panose="02020404030301010803" pitchFamily="18" charset="0"/>
+              </a:rPr>
+              <a:t>party”, “maps”</a:t>
+            </a:r>
+            <a:endParaRPr lang="en-US" sz="3200" dirty="0">
+              <a:latin typeface="Garamond" panose="02020404030301010803" pitchFamily="18" charset="0"/>
+            </a:endParaRPr>
+          </a:p>
+        </p:txBody>
+      </p:sp>
+      <p:sp>
+        <p:nvSpPr>
+          <p:cNvPr id="4" name="TextBox 3">
+            <a:extLst>
+              <a:ext uri="{FF2B5EF4-FFF2-40B4-BE49-F238E27FC236}">
+                <a16:creationId xmlns:a16="http://schemas.microsoft.com/office/drawing/2014/main" id="{D0071BE4-6B55-4B09-3836-9506316C4BA1}"/>
+              </a:ext>
+            </a:extLst>
+          </p:cNvPr>
+          <p:cNvSpPr txBox="1"/>
+          <p:nvPr/>
+        </p:nvSpPr>
+        <p:spPr>
+          <a:xfrm>
+            <a:off x="6096000" y="5248284"/>
+            <a:ext cx="5102860" cy="584775"/>
+          </a:xfrm>
+          <a:prstGeom prst="rect">
+            <a:avLst/>
+          </a:prstGeom>
+          <a:noFill/>
+        </p:spPr>
+        <p:txBody>
+          <a:bodyPr wrap="square" rtlCol="0">
+            <a:spAutoFit/>
+          </a:bodyPr>
+          <a:lstStyle/>
+          <a:p>
+            <a:r>
+              <a:rPr lang="en-US" sz="3200" dirty="0">
+                <a:latin typeface="Garamond" panose="02020404030301010803" pitchFamily="18" charset="0"/>
+              </a:rPr>
+              <a:t>(–): “</a:t>
+            </a:r>
+            <a:r>
+              <a:rPr lang="en-US" sz="3200" i="1" dirty="0">
+                <a:latin typeface="Garamond" panose="02020404030301010803" pitchFamily="18" charset="0"/>
+              </a:rPr>
+              <a:t>circles”, “Bing”, “launching”</a:t>
+            </a:r>
+            <a:endParaRPr lang="en-US" sz="3200" dirty="0">
+              <a:latin typeface="Garamond" panose="02020404030301010803" pitchFamily="18" charset="0"/>
+            </a:endParaRPr>
+          </a:p>
+        </p:txBody>
+      </p:sp>
     </p:spTree>
     <p:extLst>
       <p:ext uri="{BB962C8B-B14F-4D97-AF65-F5344CB8AC3E}">
@@ -7557,6 +8097,112 @@
                       </p:childTnLst>
                     </p:cTn>
                   </p:par>
+                  <p:par>
+                    <p:cTn id="9" fill="hold">
+                      <p:stCondLst>
+                        <p:cond delay="indefinite"/>
+                      </p:stCondLst>
+                      <p:childTnLst>
+                        <p:par>
+                          <p:cTn id="10" fill="hold">
+                            <p:stCondLst>
+                              <p:cond delay="0"/>
+                            </p:stCondLst>
+                            <p:childTnLst>
+                              <p:par>
+                                <p:cTn id="11" presetID="9" presetClass="entr" presetSubtype="0" fill="hold" grpId="0" nodeType="clickEffect">
+                                  <p:stCondLst>
+                                    <p:cond delay="0"/>
+                                  </p:stCondLst>
+                                  <p:childTnLst>
+                                    <p:set>
+                                      <p:cBhvr>
+                                        <p:cTn id="12" dur="1" fill="hold">
+                                          <p:stCondLst>
+                                            <p:cond delay="0"/>
+                                          </p:stCondLst>
+                                        </p:cTn>
+                                        <p:tgtEl>
+                                          <p:spTgt spid="3"/>
+                                        </p:tgtEl>
+                                        <p:attrNameLst>
+                                          <p:attrName>style.visibility</p:attrName>
+                                        </p:attrNameLst>
+                                      </p:cBhvr>
+                                      <p:to>
+                                        <p:strVal val="visible"/>
+                                      </p:to>
+                                    </p:set>
+                                    <p:animEffect transition="in" filter="dissolve">
+                                      <p:cBhvr>
+                                        <p:cTn id="13" dur="500"/>
+                                        <p:tgtEl>
+                                          <p:spTgt spid="3"/>
+                                        </p:tgtEl>
+                                      </p:cBhvr>
+                                    </p:animEffect>
+                                  </p:childTnLst>
+                                </p:cTn>
+                              </p:par>
+                            </p:childTnLst>
+                          </p:cTn>
+                        </p:par>
+                      </p:childTnLst>
+                    </p:cTn>
+                  </p:par>
+                  <p:par>
+                    <p:cTn id="14" fill="hold">
+                      <p:stCondLst>
+                        <p:cond delay="indefinite"/>
+                      </p:stCondLst>
+                      <p:childTnLst>
+                        <p:par>
+                          <p:cTn id="15" fill="hold">
+                            <p:stCondLst>
+                              <p:cond delay="0"/>
+                            </p:stCondLst>
+                            <p:childTnLst>
+                              <p:par>
+                                <p:cTn id="16" presetID="9" presetClass="entr" presetSubtype="0" fill="hold" grpId="0" nodeType="clickEffect">
+                                  <p:stCondLst>
+                                    <p:cond delay="0"/>
+                                  </p:stCondLst>
+                                  <p:childTnLst>
+                                    <p:set>
+                                      <p:cBhvr>
+                                        <p:cTn id="17" dur="1" fill="hold">
+                                          <p:stCondLst>
+                                            <p:cond delay="0"/>
+                                          </p:stCondLst>
+                                        </p:cTn>
+                                        <p:tgtEl>
+                                          <p:spTgt spid="4"/>
+                                        </p:tgtEl>
+                                        <p:attrNameLst>
+                                          <p:attrName>style.visibility</p:attrName>
+                                        </p:attrNameLst>
+                                      </p:cBhvr>
+                                      <p:to>
+                                        <p:strVal val="visible"/>
+                                      </p:to>
+                                    </p:set>
+                                    <p:animEffect transition="in" filter="dissolve">
+                                      <p:cBhvr>
+                                        <p:cTn id="18" dur="500"/>
+                                        <p:tgtEl>
+                                          <p:spTgt spid="4"/>
+                                        </p:tgtEl>
+                                      </p:cBhvr>
+                                    </p:animEffect>
+                                  </p:childTnLst>
+                                </p:cTn>
+                              </p:par>
+                            </p:childTnLst>
+                          </p:cTn>
+                        </p:par>
+                      </p:childTnLst>
+                    </p:cTn>
+                  </p:par>
                 </p:childTnLst>
               </p:cTn>
               <p:prevCondLst>
@@ -7578,6 +8224,10 @@
         </p:cTn>
       </p:par>
     </p:tnLst>
+    <p:bldLst>
+      <p:bldP spid="3" grpId="0"/>
+      <p:bldP spid="4" grpId="0"/>
+    </p:bldLst>
   </p:timing>
 </p:sld>
 </file>
@@ -7687,8 +8337,8 @@
         </p:nvSpPr>
         <p:spPr>
           <a:xfrm>
-            <a:off x="838200" y="2846388"/>
-            <a:ext cx="7931150" cy="584775"/>
+            <a:off x="838199" y="2846388"/>
+            <a:ext cx="8462963" cy="584775"/>
           </a:xfrm>
           <a:prstGeom prst="rect">
             <a:avLst/>
@@ -7706,10 +8356,16 @@
               <a:buChar char="•"/>
             </a:pPr>
             <a:r>
+              <a:rPr lang="en-US" sz="3200" b="1" u="sng" dirty="0">
+                <a:latin typeface="Garamond" panose="02020404030301010803" pitchFamily="18" charset="0"/>
+              </a:rPr>
+              <a:t>binary</a:t>
+            </a:r>
+            <a:r>
               <a:rPr lang="en-US" sz="3200" dirty="0">
                 <a:latin typeface="Garamond" panose="02020404030301010803" pitchFamily="18" charset="0"/>
               </a:rPr>
-              <a:t>binary classification: positive / NON-positive</a:t>
+              <a:t> classification: positive / NON-positive</a:t>
             </a:r>
           </a:p>
         </p:txBody>
@@ -7728,8 +8384,8 @@
         </p:nvSpPr>
         <p:spPr>
           <a:xfrm>
-            <a:off x="838200" y="4002088"/>
-            <a:ext cx="10293350" cy="584775"/>
+            <a:off x="838199" y="4002088"/>
+            <a:ext cx="10515599" cy="830997"/>
           </a:xfrm>
           <a:prstGeom prst="rect">
             <a:avLst/>
@@ -7750,7 +8406,15 @@
               <a:rPr lang="en-US" sz="3200" dirty="0">
                 <a:latin typeface="Garamond" panose="02020404030301010803" pitchFamily="18" charset="0"/>
               </a:rPr>
-              <a:t>ML classifiers: Naïve Bayes, Random Forest, Gradient Boost</a:t>
+              <a:t>ML classifiers: Naïve Bayes, Random Forest, Gradient Boost*</a:t>
+            </a:r>
+          </a:p>
+          <a:p>
+            <a:r>
+              <a:rPr lang="en-US" sz="1600" dirty="0">
+                <a:latin typeface="Garamond" panose="02020404030301010803" pitchFamily="18" charset="0"/>
+              </a:rPr>
+              <a:t>          * final model</a:t>
             </a:r>
           </a:p>
         </p:txBody>
@@ -7791,7 +8455,13 @@
               <a:rPr lang="en-US" sz="3200" dirty="0">
                 <a:latin typeface="Garamond" panose="02020404030301010803" pitchFamily="18" charset="0"/>
               </a:rPr>
-              <a:t>metric: simple accuracy</a:t>
+              <a:t>metric: </a:t>
+            </a:r>
+            <a:r>
+              <a:rPr lang="en-US" sz="3200" b="1" u="sng" dirty="0">
+                <a:latin typeface="Garamond" panose="02020404030301010803" pitchFamily="18" charset="0"/>
+              </a:rPr>
+              <a:t>accuracy</a:t>
             </a:r>
           </a:p>
         </p:txBody>
@@ -7983,6 +8653,49 @@
                                   </p:childTnLst>
                                 </p:cTn>
                               </p:par>
+                              <p:par>
+                                <p:cTn id="18" presetID="9" presetClass="entr" presetSubtype="0" fill="hold" nodeType="withEffect">
+                                  <p:stCondLst>
+                                    <p:cond delay="0"/>
+                                  </p:stCondLst>
+                                  <p:childTnLst>
+                                    <p:set>
+                                      <p:cBhvr>
+                                        <p:cTn id="19" dur="1" fill="hold">
+                                          <p:stCondLst>
+                                            <p:cond delay="0"/>
+                                          </p:stCondLst>
+                                        </p:cTn>
+                                        <p:tgtEl>
+                                          <p:spTgt spid="10">
+                                            <p:txEl>
+                                              <p:pRg st="1" end="1"/>
+                                            </p:txEl>
+                                          </p:spTgt>
+                                        </p:tgtEl>
+                                        <p:attrNameLst>
+                                          <p:attrName>style.visibility</p:attrName>
+                                        </p:attrNameLst>
+                                      </p:cBhvr>
+                                      <p:to>
+                                        <p:strVal val="visible"/>
+                                      </p:to>
+                                    </p:set>
+                                    <p:animEffect transition="in" filter="dissolve">
+                                      <p:cBhvr>
+                                        <p:cTn id="20" dur="500"/>
+                                        <p:tgtEl>
+                                          <p:spTgt spid="10">
+                                            <p:txEl>
+                                              <p:pRg st="1" end="1"/>
+                                            </p:txEl>
+                                          </p:spTgt>
+                                        </p:tgtEl>
+                                      </p:cBhvr>
+                                    </p:animEffect>
+                                  </p:childTnLst>
+                                </p:cTn>
+                              </p:par>
                             </p:childTnLst>
                           </p:cTn>
                         </p:par>
@@ -7990,26 +8703,26 @@
                     </p:cTn>
                   </p:par>
                   <p:par>
-                    <p:cTn id="18" fill="hold">
+                    <p:cTn id="21" fill="hold">
                       <p:stCondLst>
                         <p:cond delay="indefinite"/>
                       </p:stCondLst>
                       <p:childTnLst>
                         <p:par>
-                          <p:cTn id="19" fill="hold">
+                          <p:cTn id="22" fill="hold">
                             <p:stCondLst>
                               <p:cond delay="0"/>
                             </p:stCondLst>
                             <p:childTnLst>
                               <p:par>
-                                <p:cTn id="20" presetID="9" presetClass="entr" presetSubtype="0" fill="hold" nodeType="clickEffect">
+                                <p:cTn id="23" presetID="9" presetClass="entr" presetSubtype="0" fill="hold" nodeType="clickEffect">
                                   <p:stCondLst>
                                     <p:cond delay="0"/>
                                   </p:stCondLst>
                                   <p:childTnLst>
                                     <p:set>
                                       <p:cBhvr>
-                                        <p:cTn id="21" dur="1" fill="hold">
+                                        <p:cTn id="24" dur="1" fill="hold">
                                           <p:stCondLst>
                                             <p:cond delay="0"/>
                                           </p:stCondLst>
@@ -8031,7 +8744,7 @@
                                     </p:set>
                                     <p:animEffect transition="in" filter="dissolve">
                                       <p:cBhvr>
-                                        <p:cTn id="22" dur="500"/>
+                                        <p:cTn id="25" dur="500"/>
                                         <p:tgtEl>
                                           <p:spTgt spid="11">
                                             <p:txEl>

--- a/presentation.pptx
+++ b/presentation.pptx
@@ -271,7 +271,7 @@
           <a:p>
             <a:fld id="{B53C49C8-4B05-EE40-8396-8AD4B7C5BFD8}" type="datetimeFigureOut">
               <a:rPr lang="en-US" smtClean="0"/>
-              <a:t>10/11/23</a:t>
+              <a:t>10/13/23</a:t>
             </a:fld>
             <a:endParaRPr lang="en-US"/>
           </a:p>
@@ -469,7 +469,7 @@
           <a:p>
             <a:fld id="{B53C49C8-4B05-EE40-8396-8AD4B7C5BFD8}" type="datetimeFigureOut">
               <a:rPr lang="en-US" smtClean="0"/>
-              <a:t>10/11/23</a:t>
+              <a:t>10/13/23</a:t>
             </a:fld>
             <a:endParaRPr lang="en-US"/>
           </a:p>
@@ -677,7 +677,7 @@
           <a:p>
             <a:fld id="{B53C49C8-4B05-EE40-8396-8AD4B7C5BFD8}" type="datetimeFigureOut">
               <a:rPr lang="en-US" smtClean="0"/>
-              <a:t>10/11/23</a:t>
+              <a:t>10/13/23</a:t>
             </a:fld>
             <a:endParaRPr lang="en-US"/>
           </a:p>
@@ -875,7 +875,7 @@
           <a:p>
             <a:fld id="{B53C49C8-4B05-EE40-8396-8AD4B7C5BFD8}" type="datetimeFigureOut">
               <a:rPr lang="en-US" smtClean="0"/>
-              <a:t>10/11/23</a:t>
+              <a:t>10/13/23</a:t>
             </a:fld>
             <a:endParaRPr lang="en-US"/>
           </a:p>
@@ -1150,7 +1150,7 @@
           <a:p>
             <a:fld id="{B53C49C8-4B05-EE40-8396-8AD4B7C5BFD8}" type="datetimeFigureOut">
               <a:rPr lang="en-US" smtClean="0"/>
-              <a:t>10/11/23</a:t>
+              <a:t>10/13/23</a:t>
             </a:fld>
             <a:endParaRPr lang="en-US"/>
           </a:p>
@@ -1415,7 +1415,7 @@
           <a:p>
             <a:fld id="{B53C49C8-4B05-EE40-8396-8AD4B7C5BFD8}" type="datetimeFigureOut">
               <a:rPr lang="en-US" smtClean="0"/>
-              <a:t>10/11/23</a:t>
+              <a:t>10/13/23</a:t>
             </a:fld>
             <a:endParaRPr lang="en-US"/>
           </a:p>
@@ -1827,7 +1827,7 @@
           <a:p>
             <a:fld id="{B53C49C8-4B05-EE40-8396-8AD4B7C5BFD8}" type="datetimeFigureOut">
               <a:rPr lang="en-US" smtClean="0"/>
-              <a:t>10/11/23</a:t>
+              <a:t>10/13/23</a:t>
             </a:fld>
             <a:endParaRPr lang="en-US"/>
           </a:p>
@@ -1968,7 +1968,7 @@
           <a:p>
             <a:fld id="{B53C49C8-4B05-EE40-8396-8AD4B7C5BFD8}" type="datetimeFigureOut">
               <a:rPr lang="en-US" smtClean="0"/>
-              <a:t>10/11/23</a:t>
+              <a:t>10/13/23</a:t>
             </a:fld>
             <a:endParaRPr lang="en-US"/>
           </a:p>
@@ -2081,7 +2081,7 @@
           <a:p>
             <a:fld id="{B53C49C8-4B05-EE40-8396-8AD4B7C5BFD8}" type="datetimeFigureOut">
               <a:rPr lang="en-US" smtClean="0"/>
-              <a:t>10/11/23</a:t>
+              <a:t>10/13/23</a:t>
             </a:fld>
             <a:endParaRPr lang="en-US"/>
           </a:p>
@@ -2392,7 +2392,7 @@
           <a:p>
             <a:fld id="{B53C49C8-4B05-EE40-8396-8AD4B7C5BFD8}" type="datetimeFigureOut">
               <a:rPr lang="en-US" smtClean="0"/>
-              <a:t>10/11/23</a:t>
+              <a:t>10/13/23</a:t>
             </a:fld>
             <a:endParaRPr lang="en-US"/>
           </a:p>
@@ -2680,7 +2680,7 @@
           <a:p>
             <a:fld id="{B53C49C8-4B05-EE40-8396-8AD4B7C5BFD8}" type="datetimeFigureOut">
               <a:rPr lang="en-US" smtClean="0"/>
-              <a:t>10/11/23</a:t>
+              <a:t>10/13/23</a:t>
             </a:fld>
             <a:endParaRPr lang="en-US"/>
           </a:p>
@@ -2927,7 +2927,7 @@
           <a:p>
             <a:fld id="{B53C49C8-4B05-EE40-8396-8AD4B7C5BFD8}" type="datetimeFigureOut">
               <a:rPr lang="en-US" smtClean="0"/>
-              <a:t>10/11/23</a:t>
+              <a:t>10/13/23</a:t>
             </a:fld>
             <a:endParaRPr lang="en-US"/>
           </a:p>
@@ -4319,13 +4319,20 @@
         </p:nvSpPr>
         <p:spPr>
           <a:xfrm>
-            <a:off x="2146300" y="2033588"/>
-            <a:ext cx="9251950" cy="584775"/>
+            <a:off x="2146300" y="2191244"/>
+            <a:ext cx="7313010" cy="584775"/>
           </a:xfrm>
           <a:prstGeom prst="rect">
             <a:avLst/>
           </a:prstGeom>
-          <a:noFill/>
+          <a:solidFill>
+            <a:schemeClr val="bg1"/>
+          </a:solidFill>
+          <a:ln>
+            <a:solidFill>
+              <a:schemeClr val="tx1"/>
+            </a:solidFill>
+          </a:ln>
         </p:spPr>
         <p:txBody>
           <a:bodyPr wrap="square" rtlCol="0">
@@ -4360,13 +4367,20 @@
         </p:nvSpPr>
         <p:spPr>
           <a:xfrm>
-            <a:off x="2146300" y="3066763"/>
-            <a:ext cx="9251950" cy="584775"/>
+            <a:off x="2146300" y="3224419"/>
+            <a:ext cx="2783052" cy="584775"/>
           </a:xfrm>
           <a:prstGeom prst="rect">
             <a:avLst/>
           </a:prstGeom>
-          <a:noFill/>
+          <a:solidFill>
+            <a:schemeClr val="bg1"/>
+          </a:solidFill>
+          <a:ln>
+            <a:solidFill>
+              <a:schemeClr val="tx1"/>
+            </a:solidFill>
+          </a:ln>
         </p:spPr>
         <p:txBody>
           <a:bodyPr wrap="square" rtlCol="0">
@@ -4401,13 +4415,20 @@
         </p:nvSpPr>
         <p:spPr>
           <a:xfrm>
-            <a:off x="2146300" y="4099938"/>
-            <a:ext cx="9251950" cy="1077218"/>
+            <a:off x="2146300" y="4257594"/>
+            <a:ext cx="6430141" cy="584775"/>
           </a:xfrm>
           <a:prstGeom prst="rect">
             <a:avLst/>
           </a:prstGeom>
-          <a:noFill/>
+          <a:solidFill>
+            <a:schemeClr val="bg1"/>
+          </a:solidFill>
+          <a:ln>
+            <a:solidFill>
+              <a:schemeClr val="tx1"/>
+            </a:solidFill>
+          </a:ln>
         </p:spPr>
         <p:txBody>
           <a:bodyPr wrap="square" rtlCol="0">
@@ -4425,15 +4446,6 @@
               </a:rPr>
               <a:t>address battery life and design issues</a:t>
             </a:r>
-          </a:p>
-          <a:p>
-            <a:pPr marL="457200" indent="-457200">
-              <a:buFont typeface="Arial" panose="020B0604020202020204" pitchFamily="34" charset="0"/>
-              <a:buChar char="•"/>
-            </a:pPr>
-            <a:endParaRPr lang="en-US" sz="3200" dirty="0">
-              <a:latin typeface="Garamond" panose="02020404030301010803" pitchFamily="18" charset="0"/>
-            </a:endParaRPr>
           </a:p>
         </p:txBody>
       </p:sp>
@@ -4727,13 +4739,20 @@
         </p:nvSpPr>
         <p:spPr>
           <a:xfrm>
-            <a:off x="838200" y="1690688"/>
-            <a:ext cx="9251950" cy="584775"/>
+            <a:off x="838200" y="2198023"/>
+            <a:ext cx="4953000" cy="584775"/>
           </a:xfrm>
           <a:prstGeom prst="rect">
             <a:avLst/>
           </a:prstGeom>
-          <a:noFill/>
+          <a:solidFill>
+            <a:schemeClr val="bg1"/>
+          </a:solidFill>
+          <a:ln>
+            <a:solidFill>
+              <a:schemeClr val="tx1"/>
+            </a:solidFill>
+          </a:ln>
         </p:spPr>
         <p:txBody>
           <a:bodyPr wrap="square" rtlCol="0">
@@ -4768,13 +4787,20 @@
         </p:nvSpPr>
         <p:spPr>
           <a:xfrm>
-            <a:off x="838200" y="3016251"/>
-            <a:ext cx="9251950" cy="1077218"/>
+            <a:off x="838200" y="3367572"/>
+            <a:ext cx="9735207" cy="584775"/>
           </a:xfrm>
           <a:prstGeom prst="rect">
             <a:avLst/>
           </a:prstGeom>
-          <a:noFill/>
+          <a:solidFill>
+            <a:schemeClr val="bg1"/>
+          </a:solidFill>
+          <a:ln>
+            <a:solidFill>
+              <a:schemeClr val="tx1"/>
+            </a:solidFill>
+          </a:ln>
         </p:spPr>
         <p:txBody>
           <a:bodyPr wrap="square" rtlCol="0">
@@ -4809,13 +4835,20 @@
         </p:nvSpPr>
         <p:spPr>
           <a:xfrm>
-            <a:off x="838200" y="4834257"/>
-            <a:ext cx="9251950" cy="584775"/>
+            <a:off x="838200" y="4537121"/>
+            <a:ext cx="6687207" cy="584775"/>
           </a:xfrm>
           <a:prstGeom prst="rect">
             <a:avLst/>
           </a:prstGeom>
-          <a:noFill/>
+          <a:solidFill>
+            <a:schemeClr val="bg1"/>
+          </a:solidFill>
+          <a:ln>
+            <a:solidFill>
+              <a:schemeClr val="tx1"/>
+            </a:solidFill>
+          </a:ln>
         </p:spPr>
         <p:txBody>
           <a:bodyPr wrap="square" rtlCol="0">
@@ -5709,7 +5742,14 @@
           <a:prstGeom prst="rect">
             <a:avLst/>
           </a:prstGeom>
-          <a:noFill/>
+          <a:solidFill>
+            <a:schemeClr val="bg1"/>
+          </a:solidFill>
+          <a:ln>
+            <a:solidFill>
+              <a:schemeClr val="tx1"/>
+            </a:solidFill>
+          </a:ln>
         </p:spPr>
         <p:txBody>
           <a:bodyPr wrap="square" rtlCol="0">
@@ -5746,7 +5786,14 @@
           <a:prstGeom prst="rect">
             <a:avLst/>
           </a:prstGeom>
-          <a:noFill/>
+          <a:solidFill>
+            <a:schemeClr val="bg1"/>
+          </a:solidFill>
+          <a:ln>
+            <a:solidFill>
+              <a:schemeClr val="tx1"/>
+            </a:solidFill>
+          </a:ln>
         </p:spPr>
         <p:txBody>
           <a:bodyPr wrap="square" rtlCol="0">
@@ -7238,8 +7285,8 @@
         </p:nvSpPr>
         <p:spPr>
           <a:xfrm>
-            <a:off x="2406649" y="5302639"/>
-            <a:ext cx="7737475" cy="1077218"/>
+            <a:off x="1513379" y="5335477"/>
+            <a:ext cx="9165241" cy="584775"/>
           </a:xfrm>
           <a:prstGeom prst="rect">
             <a:avLst/>
@@ -8297,12 +8344,19 @@
         <p:spPr>
           <a:xfrm>
             <a:off x="838200" y="1690688"/>
-            <a:ext cx="9251950" cy="584775"/>
+            <a:ext cx="9199179" cy="584775"/>
           </a:xfrm>
           <a:prstGeom prst="rect">
             <a:avLst/>
           </a:prstGeom>
-          <a:noFill/>
+          <a:solidFill>
+            <a:schemeClr val="bg1"/>
+          </a:solidFill>
+          <a:ln>
+            <a:solidFill>
+              <a:schemeClr val="tx1"/>
+            </a:solidFill>
+          </a:ln>
         </p:spPr>
         <p:txBody>
           <a:bodyPr wrap="square" rtlCol="0">
@@ -8337,13 +8391,20 @@
         </p:nvSpPr>
         <p:spPr>
           <a:xfrm>
-            <a:off x="838199" y="2846388"/>
-            <a:ext cx="8462963" cy="584775"/>
+            <a:off x="838200" y="2846388"/>
+            <a:ext cx="7958960" cy="584775"/>
           </a:xfrm>
           <a:prstGeom prst="rect">
             <a:avLst/>
           </a:prstGeom>
-          <a:noFill/>
+          <a:solidFill>
+            <a:schemeClr val="bg1"/>
+          </a:solidFill>
+          <a:ln>
+            <a:solidFill>
+              <a:schemeClr val="tx1"/>
+            </a:solidFill>
+          </a:ln>
         </p:spPr>
         <p:txBody>
           <a:bodyPr wrap="square" rtlCol="0">
@@ -8385,12 +8446,19 @@
         <p:spPr>
           <a:xfrm>
             <a:off x="838199" y="4002088"/>
-            <a:ext cx="10515599" cy="830997"/>
+            <a:ext cx="10618077" cy="830997"/>
           </a:xfrm>
           <a:prstGeom prst="rect">
             <a:avLst/>
           </a:prstGeom>
-          <a:noFill/>
+          <a:solidFill>
+            <a:schemeClr val="bg1"/>
+          </a:solidFill>
+          <a:ln>
+            <a:solidFill>
+              <a:schemeClr val="tx1"/>
+            </a:solidFill>
+          </a:ln>
         </p:spPr>
         <p:txBody>
           <a:bodyPr wrap="square" rtlCol="0">
@@ -8406,7 +8474,13 @@
               <a:rPr lang="en-US" sz="3200" dirty="0">
                 <a:latin typeface="Garamond" panose="02020404030301010803" pitchFamily="18" charset="0"/>
               </a:rPr>
-              <a:t>ML classifiers: Naïve Bayes, Random Forest, Gradient Boost*</a:t>
+              <a:t>ML classifiers: Naïve Bayes, Random Forest, </a:t>
+            </a:r>
+            <a:r>
+              <a:rPr lang="en-US" sz="3200" b="1" dirty="0">
+                <a:latin typeface="Garamond" panose="02020404030301010803" pitchFamily="18" charset="0"/>
+              </a:rPr>
+              <a:t>Gradient Boost*</a:t>
             </a:r>
           </a:p>
           <a:p>
@@ -8414,7 +8488,13 @@
               <a:rPr lang="en-US" sz="1600" dirty="0">
                 <a:latin typeface="Garamond" panose="02020404030301010803" pitchFamily="18" charset="0"/>
               </a:rPr>
-              <a:t>          * final model</a:t>
+              <a:t>          </a:t>
+            </a:r>
+            <a:r>
+              <a:rPr lang="en-US" sz="1600" b="1" dirty="0">
+                <a:latin typeface="Garamond" panose="02020404030301010803" pitchFamily="18" charset="0"/>
+              </a:rPr>
+              <a:t>* final model</a:t>
             </a:r>
           </a:p>
         </p:txBody>
@@ -8434,12 +8514,19 @@
         <p:spPr>
           <a:xfrm>
             <a:off x="838200" y="5157788"/>
-            <a:ext cx="7613650" cy="584775"/>
+            <a:ext cx="3365938" cy="584775"/>
           </a:xfrm>
           <a:prstGeom prst="rect">
             <a:avLst/>
           </a:prstGeom>
-          <a:noFill/>
+          <a:solidFill>
+            <a:schemeClr val="bg1"/>
+          </a:solidFill>
+          <a:ln>
+            <a:solidFill>
+              <a:schemeClr val="tx1"/>
+            </a:solidFill>
+          </a:ln>
         </p:spPr>
         <p:txBody>
           <a:bodyPr wrap="square" rtlCol="0">
